--- a/ppt/3.4-类的继承.pptx
+++ b/ppt/3.4-类的继承.pptx
@@ -5,16 +5,16 @@
     <p:sldMasterId id="2147483648" r:id="rId1"/>
   </p:sldMasterIdLst>
   <p:notesMasterIdLst>
-    <p:notesMasterId r:id="rId4"/>
+    <p:notesMasterId r:id="rId9"/>
   </p:notesMasterIdLst>
   <p:sldIdLst>
-    <p:sldId id="256" r:id="rId3"/>
-    <p:sldId id="257" r:id="rId5"/>
-    <p:sldId id="258" r:id="rId6"/>
-    <p:sldId id="259" r:id="rId7"/>
-    <p:sldId id="260" r:id="rId8"/>
-    <p:sldId id="261" r:id="rId9"/>
-    <p:sldId id="262" r:id="rId10"/>
+    <p:sldId id="256" r:id="rId2"/>
+    <p:sldId id="257" r:id="rId3"/>
+    <p:sldId id="258" r:id="rId4"/>
+    <p:sldId id="259" r:id="rId5"/>
+    <p:sldId id="260" r:id="rId6"/>
+    <p:sldId id="261" r:id="rId7"/>
+    <p:sldId id="262" r:id="rId8"/>
   </p:sldIdLst>
   <p:sldSz cx="12192000" cy="6858000"/>
   <p:notesSz cx="6858000" cy="9144000"/>
@@ -236,7 +236,7 @@
     </p:bg>
     <p:spTree>
       <p:nvGrpSpPr>
-        <p:cNvPr id="2" name="Shape 2"/>
+        <p:cNvPr id="1" name="Shape 2"/>
         <p:cNvGrpSpPr/>
         <p:nvPr/>
       </p:nvGrpSpPr>
@@ -251,7 +251,9 @@
       <p:sp>
         <p:nvSpPr>
           <p:cNvPr id="3" name="Shape 3"/>
-          <p:cNvSpPr txBox="1"/>
+          <p:cNvSpPr txBox="1">
+            <a:spLocks noGrp="1"/>
+          </p:cNvSpPr>
           <p:nvPr>
             <p:ph type="hdr" idx="2"/>
           </p:nvPr>
@@ -408,13 +410,17 @@
               </a:defRPr>
             </a:lvl9pPr>
           </a:lstStyle>
-          <a:p/>
+          <a:p>
+            <a:endParaRPr/>
+          </a:p>
         </p:txBody>
       </p:sp>
       <p:sp>
         <p:nvSpPr>
           <p:cNvPr id="4" name="Shape 4"/>
-          <p:cNvSpPr txBox="1"/>
+          <p:cNvSpPr txBox="1">
+            <a:spLocks noGrp="1"/>
+          </p:cNvSpPr>
           <p:nvPr>
             <p:ph type="dt" idx="10"/>
           </p:nvPr>
@@ -571,13 +577,17 @@
               </a:defRPr>
             </a:lvl9pPr>
           </a:lstStyle>
-          <a:p/>
+          <a:p>
+            <a:endParaRPr/>
+          </a:p>
         </p:txBody>
       </p:sp>
       <p:sp>
         <p:nvSpPr>
           <p:cNvPr id="5" name="Shape 5"/>
-          <p:cNvSpPr/>
+          <p:cNvSpPr>
+            <a:spLocks noGrp="1" noRot="1" noChangeAspect="1"/>
+          </p:cNvSpPr>
           <p:nvPr>
             <p:ph type="sldImg" idx="3"/>
           </p:nvPr>
@@ -592,6 +602,7 @@
             <a:gdLst/>
             <a:ahLst/>
             <a:cxnLst/>
+            <a:rect l="0" t="0" r="0" b="0"/>
             <a:pathLst>
               <a:path w="120000" h="120000" extrusionOk="0">
                 <a:moveTo>
@@ -625,7 +636,9 @@
       <p:sp>
         <p:nvSpPr>
           <p:cNvPr id="6" name="Shape 6"/>
-          <p:cNvSpPr txBox="1"/>
+          <p:cNvSpPr txBox="1">
+            <a:spLocks noGrp="1"/>
+          </p:cNvSpPr>
           <p:nvPr>
             <p:ph type="body" idx="1"/>
           </p:nvPr>
@@ -782,13 +795,17 @@
               </a:defRPr>
             </a:lvl9pPr>
           </a:lstStyle>
-          <a:p/>
+          <a:p>
+            <a:endParaRPr/>
+          </a:p>
         </p:txBody>
       </p:sp>
       <p:sp>
         <p:nvSpPr>
           <p:cNvPr id="7" name="Shape 7"/>
-          <p:cNvSpPr txBox="1"/>
+          <p:cNvSpPr txBox="1">
+            <a:spLocks noGrp="1"/>
+          </p:cNvSpPr>
           <p:nvPr>
             <p:ph type="ftr" idx="11"/>
           </p:nvPr>
@@ -945,13 +962,17 @@
               </a:defRPr>
             </a:lvl9pPr>
           </a:lstStyle>
-          <a:p/>
+          <a:p>
+            <a:endParaRPr/>
+          </a:p>
         </p:txBody>
       </p:sp>
       <p:sp>
         <p:nvSpPr>
           <p:cNvPr id="8" name="Shape 8"/>
-          <p:cNvSpPr txBox="1"/>
+          <p:cNvSpPr txBox="1">
+            <a:spLocks noGrp="1"/>
+          </p:cNvSpPr>
           <p:nvPr>
             <p:ph type="sldNum" idx="12"/>
           </p:nvPr>
@@ -992,6 +1013,7 @@
                 <a:cs typeface="Calibri"/>
                 <a:sym typeface="Calibri"/>
               </a:rPr>
+              <a:t>‹#›</a:t>
             </a:fld>
             <a:endParaRPr lang="en-GB" sz="1200" b="0" i="0" u="none" strike="noStrike" cap="none">
               <a:solidFill>
@@ -1006,6 +1028,11 @@
         </p:txBody>
       </p:sp>
     </p:spTree>
+    <p:extLst>
+      <p:ext uri="{BB962C8B-B14F-4D97-AF65-F5344CB8AC3E}">
+        <p14:creationId xmlns:p14="http://schemas.microsoft.com/office/powerpoint/2010/main" val="3414881462"/>
+      </p:ext>
+    </p:extLst>
   </p:cSld>
   <p:clrMap bg1="lt1" tx1="dk1" bg2="dk2" tx2="lt2" accent1="accent1" accent2="accent2" accent3="accent3" accent4="accent4" accent5="accent5" accent6="accent6" hlink="hlink" folHlink="folHlink"/>
   <p:notesStyle/>
@@ -1013,11 +1040,11 @@
 </file>
 
 <file path=ppt/notesSlides/notesSlide1.xml><?xml version="1.0" encoding="utf-8"?>
-<p:notes xmlns:a="http://schemas.openxmlformats.org/drawingml/2006/main" xmlns:r="http://schemas.openxmlformats.org/officeDocument/2006/relationships" xmlns:p="http://schemas.openxmlformats.org/presentationml/2006/main" showMasterPhAnim="0" showMasterSp="0">
+<p:notes xmlns:a="http://schemas.openxmlformats.org/drawingml/2006/main" xmlns:r="http://schemas.openxmlformats.org/officeDocument/2006/relationships" xmlns:p="http://schemas.openxmlformats.org/presentationml/2006/main" showMasterSp="0" showMasterPhAnim="0">
   <p:cSld>
     <p:spTree>
       <p:nvGrpSpPr>
-        <p:cNvPr id="76" name="Shape 76"/>
+        <p:cNvPr id="1" name="Shape 76"/>
         <p:cNvGrpSpPr/>
         <p:nvPr/>
       </p:nvGrpSpPr>
@@ -1032,7 +1059,9 @@
       <p:sp>
         <p:nvSpPr>
           <p:cNvPr id="77" name="Shape 77"/>
-          <p:cNvSpPr/>
+          <p:cNvSpPr>
+            <a:spLocks noGrp="1" noRot="1" noChangeAspect="1"/>
+          </p:cNvSpPr>
           <p:nvPr>
             <p:ph type="sldImg" idx="2"/>
           </p:nvPr>
@@ -1040,13 +1069,14 @@
         <p:spPr>
           <a:xfrm>
             <a:off x="685800" y="1143000"/>
-            <a:ext cx="5486399" cy="3086099"/>
+            <a:ext cx="5486400" cy="3086100"/>
           </a:xfrm>
           <a:custGeom>
             <a:avLst/>
             <a:gdLst/>
             <a:ahLst/>
             <a:cxnLst/>
+            <a:rect l="0" t="0" r="0" b="0"/>
             <a:pathLst>
               <a:path w="120000" h="120000" extrusionOk="0">
                 <a:moveTo>
@@ -1080,7 +1110,9 @@
       <p:sp>
         <p:nvSpPr>
           <p:cNvPr id="78" name="Shape 78"/>
-          <p:cNvSpPr txBox="1"/>
+          <p:cNvSpPr txBox="1">
+            <a:spLocks noGrp="1"/>
+          </p:cNvSpPr>
           <p:nvPr>
             <p:ph type="body" idx="1"/>
           </p:nvPr>
@@ -1123,22 +1155,15 @@
               </a:rPr>
               <a:t>这一节，我们来谈谈类的继承</a:t>
             </a:r>
-            <a:endParaRPr lang="en-GB" sz="1200" b="0" i="0" u="none" strike="noStrike" cap="none">
-              <a:solidFill>
-                <a:schemeClr val="dk1"/>
-              </a:solidFill>
-              <a:latin typeface="Calibri"/>
-              <a:ea typeface="Calibri"/>
-              <a:cs typeface="Calibri"/>
-              <a:sym typeface="Calibri"/>
-            </a:endParaRPr>
           </a:p>
         </p:txBody>
       </p:sp>
       <p:sp>
         <p:nvSpPr>
           <p:cNvPr id="79" name="Shape 79"/>
-          <p:cNvSpPr txBox="1"/>
+          <p:cNvSpPr txBox="1">
+            <a:spLocks noGrp="1"/>
+          </p:cNvSpPr>
           <p:nvPr>
             <p:ph type="sldNum" idx="12"/>
           </p:nvPr>
@@ -1179,6 +1204,7 @@
                 <a:cs typeface="Calibri"/>
                 <a:sym typeface="Calibri"/>
               </a:rPr>
+              <a:t>1</a:t>
             </a:fld>
             <a:endParaRPr lang="en-GB" sz="1200" b="0" i="0" u="none" strike="noStrike" cap="none">
               <a:solidFill>
@@ -1193,6 +1219,11 @@
         </p:txBody>
       </p:sp>
     </p:spTree>
+    <p:extLst>
+      <p:ext uri="{BB962C8B-B14F-4D97-AF65-F5344CB8AC3E}">
+        <p14:creationId xmlns:p14="http://schemas.microsoft.com/office/powerpoint/2010/main" val="630990567"/>
+      </p:ext>
+    </p:extLst>
   </p:cSld>
   <p:clrMapOvr>
     <a:masterClrMapping/>
@@ -1201,11 +1232,11 @@
 </file>
 
 <file path=ppt/notesSlides/notesSlide2.xml><?xml version="1.0" encoding="utf-8"?>
-<p:notes xmlns:a="http://schemas.openxmlformats.org/drawingml/2006/main" xmlns:r="http://schemas.openxmlformats.org/officeDocument/2006/relationships" xmlns:p="http://schemas.openxmlformats.org/presentationml/2006/main" showMasterPhAnim="0" showMasterSp="0">
+<p:notes xmlns:a="http://schemas.openxmlformats.org/drawingml/2006/main" xmlns:r="http://schemas.openxmlformats.org/officeDocument/2006/relationships" xmlns:p="http://schemas.openxmlformats.org/presentationml/2006/main" showMasterSp="0" showMasterPhAnim="0">
   <p:cSld>
     <p:spTree>
       <p:nvGrpSpPr>
-        <p:cNvPr id="83" name="Shape 83"/>
+        <p:cNvPr id="1" name="Shape 83"/>
         <p:cNvGrpSpPr/>
         <p:nvPr/>
       </p:nvGrpSpPr>
@@ -1220,7 +1251,9 @@
       <p:sp>
         <p:nvSpPr>
           <p:cNvPr id="84" name="Shape 84"/>
-          <p:cNvSpPr/>
+          <p:cNvSpPr>
+            <a:spLocks noGrp="1" noRot="1" noChangeAspect="1"/>
+          </p:cNvSpPr>
           <p:nvPr>
             <p:ph type="sldImg" idx="2"/>
           </p:nvPr>
@@ -1228,13 +1261,14 @@
         <p:spPr>
           <a:xfrm>
             <a:off x="685800" y="1143000"/>
-            <a:ext cx="5486399" cy="3086099"/>
+            <a:ext cx="5486400" cy="3086100"/>
           </a:xfrm>
           <a:custGeom>
             <a:avLst/>
             <a:gdLst/>
             <a:ahLst/>
             <a:cxnLst/>
+            <a:rect l="0" t="0" r="0" b="0"/>
             <a:pathLst>
               <a:path w="120000" h="120000" extrusionOk="0">
                 <a:moveTo>
@@ -1268,7 +1302,9 @@
       <p:sp>
         <p:nvSpPr>
           <p:cNvPr id="85" name="Shape 85"/>
-          <p:cNvSpPr txBox="1"/>
+          <p:cNvSpPr txBox="1">
+            <a:spLocks noGrp="1"/>
+          </p:cNvSpPr>
           <p:nvPr>
             <p:ph type="body" idx="1"/>
           </p:nvPr>
@@ -1311,22 +1347,15 @@
               </a:rPr>
               <a:t>下面来看看定义继承的语法</a:t>
             </a:r>
-            <a:endParaRPr lang="en-GB" sz="1200" b="0" i="0" u="none" strike="noStrike" cap="none">
-              <a:solidFill>
-                <a:schemeClr val="dk1"/>
-              </a:solidFill>
-              <a:latin typeface="Calibri"/>
-              <a:ea typeface="Calibri"/>
-              <a:cs typeface="Calibri"/>
-              <a:sym typeface="Calibri"/>
-            </a:endParaRPr>
           </a:p>
         </p:txBody>
       </p:sp>
       <p:sp>
         <p:nvSpPr>
           <p:cNvPr id="86" name="Shape 86"/>
-          <p:cNvSpPr txBox="1"/>
+          <p:cNvSpPr txBox="1">
+            <a:spLocks noGrp="1"/>
+          </p:cNvSpPr>
           <p:nvPr>
             <p:ph type="sldNum" idx="12"/>
           </p:nvPr>
@@ -1367,6 +1396,7 @@
                 <a:cs typeface="Calibri"/>
                 <a:sym typeface="Calibri"/>
               </a:rPr>
+              <a:t>2</a:t>
             </a:fld>
             <a:endParaRPr lang="en-GB" sz="1200" b="0" i="0" u="none" strike="noStrike" cap="none">
               <a:solidFill>
@@ -1381,6 +1411,11 @@
         </p:txBody>
       </p:sp>
     </p:spTree>
+    <p:extLst>
+      <p:ext uri="{BB962C8B-B14F-4D97-AF65-F5344CB8AC3E}">
+        <p14:creationId xmlns:p14="http://schemas.microsoft.com/office/powerpoint/2010/main" val="909455777"/>
+      </p:ext>
+    </p:extLst>
   </p:cSld>
   <p:clrMapOvr>
     <a:masterClrMapping/>
@@ -1389,11 +1424,11 @@
 </file>
 
 <file path=ppt/notesSlides/notesSlide3.xml><?xml version="1.0" encoding="utf-8"?>
-<p:notes xmlns:a="http://schemas.openxmlformats.org/drawingml/2006/main" xmlns:r="http://schemas.openxmlformats.org/officeDocument/2006/relationships" xmlns:p="http://schemas.openxmlformats.org/presentationml/2006/main" showMasterPhAnim="0" showMasterSp="0">
+<p:notes xmlns:a="http://schemas.openxmlformats.org/drawingml/2006/main" xmlns:r="http://schemas.openxmlformats.org/officeDocument/2006/relationships" xmlns:p="http://schemas.openxmlformats.org/presentationml/2006/main" showMasterSp="0" showMasterPhAnim="0">
   <p:cSld>
     <p:spTree>
       <p:nvGrpSpPr>
-        <p:cNvPr id="90" name="Shape 90"/>
+        <p:cNvPr id="1" name="Shape 90"/>
         <p:cNvGrpSpPr/>
         <p:nvPr/>
       </p:nvGrpSpPr>
@@ -1408,7 +1443,9 @@
       <p:sp>
         <p:nvSpPr>
           <p:cNvPr id="91" name="Shape 91"/>
-          <p:cNvSpPr/>
+          <p:cNvSpPr>
+            <a:spLocks noGrp="1" noRot="1" noChangeAspect="1"/>
+          </p:cNvSpPr>
           <p:nvPr>
             <p:ph type="sldImg" idx="2"/>
           </p:nvPr>
@@ -1416,13 +1453,14 @@
         <p:spPr>
           <a:xfrm>
             <a:off x="685800" y="1143000"/>
-            <a:ext cx="5486399" cy="3086099"/>
+            <a:ext cx="5486400" cy="3086100"/>
           </a:xfrm>
           <a:custGeom>
             <a:avLst/>
             <a:gdLst/>
             <a:ahLst/>
             <a:cxnLst/>
+            <a:rect l="0" t="0" r="0" b="0"/>
             <a:pathLst>
               <a:path w="120000" h="120000" extrusionOk="0">
                 <a:moveTo>
@@ -1456,7 +1494,9 @@
       <p:sp>
         <p:nvSpPr>
           <p:cNvPr id="92" name="Shape 92"/>
-          <p:cNvSpPr txBox="1"/>
+          <p:cNvSpPr txBox="1">
+            <a:spLocks noGrp="1"/>
+          </p:cNvSpPr>
           <p:nvPr>
             <p:ph type="body" idx="1"/>
           </p:nvPr>
@@ -1499,22 +1539,15 @@
               </a:rPr>
               <a:t>继承后的子类会继承父类里面的属性和方法，同时也可以在子类自己定义，覆盖父类里的属性和方法</a:t>
             </a:r>
-            <a:endParaRPr lang="en-GB" sz="1200" b="0" i="0" u="none" strike="noStrike" cap="none">
-              <a:solidFill>
-                <a:schemeClr val="dk1"/>
-              </a:solidFill>
-              <a:latin typeface="Calibri"/>
-              <a:ea typeface="Calibri"/>
-              <a:cs typeface="Calibri"/>
-              <a:sym typeface="Calibri"/>
-            </a:endParaRPr>
           </a:p>
         </p:txBody>
       </p:sp>
       <p:sp>
         <p:nvSpPr>
           <p:cNvPr id="93" name="Shape 93"/>
-          <p:cNvSpPr txBox="1"/>
+          <p:cNvSpPr txBox="1">
+            <a:spLocks noGrp="1"/>
+          </p:cNvSpPr>
           <p:nvPr>
             <p:ph type="sldNum" idx="12"/>
           </p:nvPr>
@@ -1555,6 +1588,7 @@
                 <a:cs typeface="Calibri"/>
                 <a:sym typeface="Calibri"/>
               </a:rPr>
+              <a:t>3</a:t>
             </a:fld>
             <a:endParaRPr lang="en-GB" sz="1200" b="0" i="0" u="none" strike="noStrike" cap="none">
               <a:solidFill>
@@ -1569,6 +1603,11 @@
         </p:txBody>
       </p:sp>
     </p:spTree>
+    <p:extLst>
+      <p:ext uri="{BB962C8B-B14F-4D97-AF65-F5344CB8AC3E}">
+        <p14:creationId xmlns:p14="http://schemas.microsoft.com/office/powerpoint/2010/main" val="3136365751"/>
+      </p:ext>
+    </p:extLst>
   </p:cSld>
   <p:clrMapOvr>
     <a:masterClrMapping/>
@@ -1577,11 +1616,11 @@
 </file>
 
 <file path=ppt/notesSlides/notesSlide4.xml><?xml version="1.0" encoding="utf-8"?>
-<p:notes xmlns:a="http://schemas.openxmlformats.org/drawingml/2006/main" xmlns:r="http://schemas.openxmlformats.org/officeDocument/2006/relationships" xmlns:p="http://schemas.openxmlformats.org/presentationml/2006/main" showMasterPhAnim="0" showMasterSp="0">
+<p:notes xmlns:a="http://schemas.openxmlformats.org/drawingml/2006/main" xmlns:r="http://schemas.openxmlformats.org/officeDocument/2006/relationships" xmlns:p="http://schemas.openxmlformats.org/presentationml/2006/main" showMasterSp="0" showMasterPhAnim="0">
   <p:cSld>
     <p:spTree>
       <p:nvGrpSpPr>
-        <p:cNvPr id="97" name="Shape 97"/>
+        <p:cNvPr id="1" name="Shape 97"/>
         <p:cNvGrpSpPr/>
         <p:nvPr/>
       </p:nvGrpSpPr>
@@ -1596,7 +1635,9 @@
       <p:sp>
         <p:nvSpPr>
           <p:cNvPr id="98" name="Shape 98"/>
-          <p:cNvSpPr txBox="1"/>
+          <p:cNvSpPr txBox="1">
+            <a:spLocks noGrp="1"/>
+          </p:cNvSpPr>
           <p:nvPr>
             <p:ph type="body" idx="1"/>
           </p:nvPr>
@@ -1622,13 +1663,16 @@
               </a:spcBef>
               <a:buNone/>
             </a:pPr>
+            <a:endParaRPr/>
           </a:p>
         </p:txBody>
       </p:sp>
       <p:sp>
         <p:nvSpPr>
           <p:cNvPr id="99" name="Shape 99"/>
-          <p:cNvSpPr/>
+          <p:cNvSpPr>
+            <a:spLocks noGrp="1" noRot="1" noChangeAspect="1"/>
+          </p:cNvSpPr>
           <p:nvPr>
             <p:ph type="sldImg" idx="2"/>
           </p:nvPr>
@@ -1643,6 +1687,7 @@
             <a:gdLst/>
             <a:ahLst/>
             <a:cxnLst/>
+            <a:rect l="0" t="0" r="0" b="0"/>
             <a:pathLst>
               <a:path w="120000" h="120000" extrusionOk="0">
                 <a:moveTo>
@@ -1664,6 +1709,11 @@
         </p:spPr>
       </p:sp>
     </p:spTree>
+    <p:extLst>
+      <p:ext uri="{BB962C8B-B14F-4D97-AF65-F5344CB8AC3E}">
+        <p14:creationId xmlns:p14="http://schemas.microsoft.com/office/powerpoint/2010/main" val="2653046193"/>
+      </p:ext>
+    </p:extLst>
   </p:cSld>
   <p:clrMapOvr>
     <a:masterClrMapping/>
@@ -1672,11 +1722,11 @@
 </file>
 
 <file path=ppt/notesSlides/notesSlide5.xml><?xml version="1.0" encoding="utf-8"?>
-<p:notes xmlns:a="http://schemas.openxmlformats.org/drawingml/2006/main" xmlns:r="http://schemas.openxmlformats.org/officeDocument/2006/relationships" xmlns:p="http://schemas.openxmlformats.org/presentationml/2006/main" showMasterPhAnim="0" showMasterSp="0">
+<p:notes xmlns:a="http://schemas.openxmlformats.org/drawingml/2006/main" xmlns:r="http://schemas.openxmlformats.org/officeDocument/2006/relationships" xmlns:p="http://schemas.openxmlformats.org/presentationml/2006/main" showMasterSp="0" showMasterPhAnim="0">
   <p:cSld>
     <p:spTree>
       <p:nvGrpSpPr>
-        <p:cNvPr id="103" name="Shape 103"/>
+        <p:cNvPr id="1" name="Shape 103"/>
         <p:cNvGrpSpPr/>
         <p:nvPr/>
       </p:nvGrpSpPr>
@@ -1691,7 +1741,9 @@
       <p:sp>
         <p:nvSpPr>
           <p:cNvPr id="104" name="Shape 104"/>
-          <p:cNvSpPr txBox="1"/>
+          <p:cNvSpPr txBox="1">
+            <a:spLocks noGrp="1"/>
+          </p:cNvSpPr>
           <p:nvPr>
             <p:ph type="body" idx="1"/>
           </p:nvPr>
@@ -1717,13 +1769,16 @@
               </a:spcBef>
               <a:buNone/>
             </a:pPr>
+            <a:endParaRPr/>
           </a:p>
         </p:txBody>
       </p:sp>
       <p:sp>
         <p:nvSpPr>
           <p:cNvPr id="105" name="Shape 105"/>
-          <p:cNvSpPr/>
+          <p:cNvSpPr>
+            <a:spLocks noGrp="1" noRot="1" noChangeAspect="1"/>
+          </p:cNvSpPr>
           <p:nvPr>
             <p:ph type="sldImg" idx="2"/>
           </p:nvPr>
@@ -1738,6 +1793,7 @@
             <a:gdLst/>
             <a:ahLst/>
             <a:cxnLst/>
+            <a:rect l="0" t="0" r="0" b="0"/>
             <a:pathLst>
               <a:path w="120000" h="120000" extrusionOk="0">
                 <a:moveTo>
@@ -1759,6 +1815,11 @@
         </p:spPr>
       </p:sp>
     </p:spTree>
+    <p:extLst>
+      <p:ext uri="{BB962C8B-B14F-4D97-AF65-F5344CB8AC3E}">
+        <p14:creationId xmlns:p14="http://schemas.microsoft.com/office/powerpoint/2010/main" val="2000244863"/>
+      </p:ext>
+    </p:extLst>
   </p:cSld>
   <p:clrMapOvr>
     <a:masterClrMapping/>
@@ -1767,11 +1828,11 @@
 </file>
 
 <file path=ppt/notesSlides/notesSlide6.xml><?xml version="1.0" encoding="utf-8"?>
-<p:notes xmlns:a="http://schemas.openxmlformats.org/drawingml/2006/main" xmlns:r="http://schemas.openxmlformats.org/officeDocument/2006/relationships" xmlns:p="http://schemas.openxmlformats.org/presentationml/2006/main" showMasterPhAnim="0" showMasterSp="0">
+<p:notes xmlns:a="http://schemas.openxmlformats.org/drawingml/2006/main" xmlns:r="http://schemas.openxmlformats.org/officeDocument/2006/relationships" xmlns:p="http://schemas.openxmlformats.org/presentationml/2006/main" showMasterSp="0" showMasterPhAnim="0">
   <p:cSld>
     <p:spTree>
       <p:nvGrpSpPr>
-        <p:cNvPr id="109" name="Shape 109"/>
+        <p:cNvPr id="1" name="Shape 109"/>
         <p:cNvGrpSpPr/>
         <p:nvPr/>
       </p:nvGrpSpPr>
@@ -1786,7 +1847,9 @@
       <p:sp>
         <p:nvSpPr>
           <p:cNvPr id="110" name="Shape 110"/>
-          <p:cNvSpPr txBox="1"/>
+          <p:cNvSpPr txBox="1">
+            <a:spLocks noGrp="1"/>
+          </p:cNvSpPr>
           <p:nvPr>
             <p:ph type="body" idx="1"/>
           </p:nvPr>
@@ -1816,14 +1879,15 @@
               <a:rPr lang="en-GB"/>
               <a:t>一个子类的对象在判断类型的时候除了会被认为是自己实例化的那个类，还会被认为是它的父类</a:t>
             </a:r>
-            <a:endParaRPr lang="en-GB"/>
           </a:p>
         </p:txBody>
       </p:sp>
       <p:sp>
         <p:nvSpPr>
           <p:cNvPr id="111" name="Shape 111"/>
-          <p:cNvSpPr/>
+          <p:cNvSpPr>
+            <a:spLocks noGrp="1" noRot="1" noChangeAspect="1"/>
+          </p:cNvSpPr>
           <p:nvPr>
             <p:ph type="sldImg" idx="2"/>
           </p:nvPr>
@@ -1831,13 +1895,14 @@
         <p:spPr>
           <a:xfrm>
             <a:off x="685800" y="1143000"/>
-            <a:ext cx="5486399" cy="3086099"/>
+            <a:ext cx="5486400" cy="3086100"/>
           </a:xfrm>
           <a:custGeom>
             <a:avLst/>
             <a:gdLst/>
             <a:ahLst/>
             <a:cxnLst/>
+            <a:rect l="0" t="0" r="0" b="0"/>
             <a:pathLst>
               <a:path w="120000" h="120000" extrusionOk="0">
                 <a:moveTo>
@@ -1859,6 +1924,11 @@
         </p:spPr>
       </p:sp>
     </p:spTree>
+    <p:extLst>
+      <p:ext uri="{BB962C8B-B14F-4D97-AF65-F5344CB8AC3E}">
+        <p14:creationId xmlns:p14="http://schemas.microsoft.com/office/powerpoint/2010/main" val="2483246438"/>
+      </p:ext>
+    </p:extLst>
   </p:cSld>
   <p:clrMapOvr>
     <a:masterClrMapping/>
@@ -1867,11 +1937,11 @@
 </file>
 
 <file path=ppt/notesSlides/notesSlide7.xml><?xml version="1.0" encoding="utf-8"?>
-<p:notes xmlns:a="http://schemas.openxmlformats.org/drawingml/2006/main" xmlns:r="http://schemas.openxmlformats.org/officeDocument/2006/relationships" xmlns:p="http://schemas.openxmlformats.org/presentationml/2006/main" showMasterPhAnim="0" showMasterSp="0">
+<p:notes xmlns:a="http://schemas.openxmlformats.org/drawingml/2006/main" xmlns:r="http://schemas.openxmlformats.org/officeDocument/2006/relationships" xmlns:p="http://schemas.openxmlformats.org/presentationml/2006/main" showMasterSp="0" showMasterPhAnim="0">
   <p:cSld>
     <p:spTree>
       <p:nvGrpSpPr>
-        <p:cNvPr id="115" name="Shape 115"/>
+        <p:cNvPr id="1" name="Shape 115"/>
         <p:cNvGrpSpPr/>
         <p:nvPr/>
       </p:nvGrpSpPr>
@@ -1886,7 +1956,9 @@
       <p:sp>
         <p:nvSpPr>
           <p:cNvPr id="116" name="Shape 116"/>
-          <p:cNvSpPr txBox="1"/>
+          <p:cNvSpPr txBox="1">
+            <a:spLocks noGrp="1"/>
+          </p:cNvSpPr>
           <p:nvPr>
             <p:ph type="body" idx="1"/>
           </p:nvPr>
@@ -1916,14 +1988,15 @@
               <a:rPr lang="en-GB"/>
               <a:t>之前说的是单继承，这里来谈谈多继承。Python的语法里是原生支持多继承的。跟单继承类似，多继承后的子类会继承来自多个父类里的属性和方法。</a:t>
             </a:r>
-            <a:endParaRPr lang="en-GB"/>
           </a:p>
         </p:txBody>
       </p:sp>
       <p:sp>
         <p:nvSpPr>
           <p:cNvPr id="117" name="Shape 117"/>
-          <p:cNvSpPr/>
+          <p:cNvSpPr>
+            <a:spLocks noGrp="1" noRot="1" noChangeAspect="1"/>
+          </p:cNvSpPr>
           <p:nvPr>
             <p:ph type="sldImg" idx="2"/>
           </p:nvPr>
@@ -1931,13 +2004,14 @@
         <p:spPr>
           <a:xfrm>
             <a:off x="685800" y="1143000"/>
-            <a:ext cx="5486399" cy="3086099"/>
+            <a:ext cx="5486400" cy="3086100"/>
           </a:xfrm>
           <a:custGeom>
             <a:avLst/>
             <a:gdLst/>
             <a:ahLst/>
             <a:cxnLst/>
+            <a:rect l="0" t="0" r="0" b="0"/>
             <a:pathLst>
               <a:path w="120000" h="120000" extrusionOk="0">
                 <a:moveTo>
@@ -1959,6 +2033,11 @@
         </p:spPr>
       </p:sp>
     </p:spTree>
+    <p:extLst>
+      <p:ext uri="{BB962C8B-B14F-4D97-AF65-F5344CB8AC3E}">
+        <p14:creationId xmlns:p14="http://schemas.microsoft.com/office/powerpoint/2010/main" val="1265349299"/>
+      </p:ext>
+    </p:extLst>
   </p:cSld>
   <p:clrMapOvr>
     <a:masterClrMapping/>
@@ -1971,7 +2050,7 @@
   <p:cSld name="标题幻灯片">
     <p:spTree>
       <p:nvGrpSpPr>
-        <p:cNvPr id="15" name="Shape 15"/>
+        <p:cNvPr id="1" name="Shape 15"/>
         <p:cNvGrpSpPr/>
         <p:nvPr/>
       </p:nvGrpSpPr>
@@ -1986,7 +2065,9 @@
       <p:sp>
         <p:nvSpPr>
           <p:cNvPr id="16" name="Shape 16"/>
-          <p:cNvSpPr txBox="1"/>
+          <p:cNvSpPr txBox="1">
+            <a:spLocks noGrp="1"/>
+          </p:cNvSpPr>
           <p:nvPr>
             <p:ph type="ctrTitle"/>
           </p:nvPr>
@@ -2086,13 +2167,17 @@
               <a:defRPr sz="1800"/>
             </a:lvl9pPr>
           </a:lstStyle>
-          <a:p/>
+          <a:p>
+            <a:endParaRPr/>
+          </a:p>
         </p:txBody>
       </p:sp>
       <p:sp>
         <p:nvSpPr>
           <p:cNvPr id="17" name="Shape 17"/>
-          <p:cNvSpPr txBox="1"/>
+          <p:cNvSpPr txBox="1">
+            <a:spLocks noGrp="1"/>
+          </p:cNvSpPr>
           <p:nvPr>
             <p:ph type="subTitle" idx="1"/>
           </p:nvPr>
@@ -2312,13 +2397,17 @@
               </a:defRPr>
             </a:lvl9pPr>
           </a:lstStyle>
-          <a:p/>
+          <a:p>
+            <a:endParaRPr/>
+          </a:p>
         </p:txBody>
       </p:sp>
       <p:sp>
         <p:nvSpPr>
           <p:cNvPr id="18" name="Shape 18"/>
-          <p:cNvSpPr txBox="1"/>
+          <p:cNvSpPr txBox="1">
+            <a:spLocks noGrp="1"/>
+          </p:cNvSpPr>
           <p:nvPr>
             <p:ph type="dt" idx="10"/>
           </p:nvPr>
@@ -2475,13 +2564,17 @@
               </a:defRPr>
             </a:lvl9pPr>
           </a:lstStyle>
-          <a:p/>
+          <a:p>
+            <a:endParaRPr/>
+          </a:p>
         </p:txBody>
       </p:sp>
       <p:sp>
         <p:nvSpPr>
           <p:cNvPr id="19" name="Shape 19"/>
-          <p:cNvSpPr txBox="1"/>
+          <p:cNvSpPr txBox="1">
+            <a:spLocks noGrp="1"/>
+          </p:cNvSpPr>
           <p:nvPr>
             <p:ph type="ftr" idx="11"/>
           </p:nvPr>
@@ -2638,13 +2731,17 @@
               </a:defRPr>
             </a:lvl9pPr>
           </a:lstStyle>
-          <a:p/>
+          <a:p>
+            <a:endParaRPr/>
+          </a:p>
         </p:txBody>
       </p:sp>
       <p:sp>
         <p:nvSpPr>
           <p:cNvPr id="20" name="Shape 20"/>
-          <p:cNvSpPr txBox="1"/>
+          <p:cNvSpPr txBox="1">
+            <a:spLocks noGrp="1"/>
+          </p:cNvSpPr>
           <p:nvPr>
             <p:ph type="sldNum" idx="12"/>
           </p:nvPr>
@@ -2685,6 +2782,7 @@
                 <a:cs typeface="Calibri"/>
                 <a:sym typeface="Calibri"/>
               </a:rPr>
+              <a:t>‹#›</a:t>
             </a:fld>
             <a:endParaRPr lang="en-GB" sz="1200" b="0" i="0" u="none" strike="noStrike" cap="none">
               <a:solidFill>
@@ -2711,7 +2809,7 @@
   <p:cSld name="内容">
     <p:spTree>
       <p:nvGrpSpPr>
-        <p:cNvPr id="71" name="Shape 71"/>
+        <p:cNvPr id="1" name="Shape 71"/>
         <p:cNvGrpSpPr/>
         <p:nvPr/>
       </p:nvGrpSpPr>
@@ -2726,7 +2824,9 @@
       <p:sp>
         <p:nvSpPr>
           <p:cNvPr id="72" name="Shape 72"/>
-          <p:cNvSpPr txBox="1"/>
+          <p:cNvSpPr txBox="1">
+            <a:spLocks noGrp="1"/>
+          </p:cNvSpPr>
           <p:nvPr>
             <p:ph type="body" idx="1"/>
           </p:nvPr>
@@ -2955,13 +3055,17 @@
               </a:defRPr>
             </a:lvl9pPr>
           </a:lstStyle>
-          <a:p/>
+          <a:p>
+            <a:endParaRPr/>
+          </a:p>
         </p:txBody>
       </p:sp>
       <p:sp>
         <p:nvSpPr>
           <p:cNvPr id="73" name="Shape 73"/>
-          <p:cNvSpPr txBox="1"/>
+          <p:cNvSpPr txBox="1">
+            <a:spLocks noGrp="1"/>
+          </p:cNvSpPr>
           <p:nvPr>
             <p:ph type="dt" idx="10"/>
           </p:nvPr>
@@ -3118,13 +3222,17 @@
               </a:defRPr>
             </a:lvl9pPr>
           </a:lstStyle>
-          <a:p/>
+          <a:p>
+            <a:endParaRPr/>
+          </a:p>
         </p:txBody>
       </p:sp>
       <p:sp>
         <p:nvSpPr>
           <p:cNvPr id="74" name="Shape 74"/>
-          <p:cNvSpPr txBox="1"/>
+          <p:cNvSpPr txBox="1">
+            <a:spLocks noGrp="1"/>
+          </p:cNvSpPr>
           <p:nvPr>
             <p:ph type="ftr" idx="11"/>
           </p:nvPr>
@@ -3281,13 +3389,17 @@
               </a:defRPr>
             </a:lvl9pPr>
           </a:lstStyle>
-          <a:p/>
+          <a:p>
+            <a:endParaRPr/>
+          </a:p>
         </p:txBody>
       </p:sp>
       <p:sp>
         <p:nvSpPr>
           <p:cNvPr id="75" name="Shape 75"/>
-          <p:cNvSpPr txBox="1"/>
+          <p:cNvSpPr txBox="1">
+            <a:spLocks noGrp="1"/>
+          </p:cNvSpPr>
           <p:nvPr>
             <p:ph type="sldNum" idx="12"/>
           </p:nvPr>
@@ -3328,6 +3440,7 @@
                 <a:cs typeface="Calibri"/>
                 <a:sym typeface="Calibri"/>
               </a:rPr>
+              <a:t>‹#›</a:t>
             </a:fld>
             <a:endParaRPr lang="en-GB" sz="1200" b="0" i="0" u="none" strike="noStrike" cap="none">
               <a:solidFill>
@@ -3354,7 +3467,7 @@
   <p:cSld name="标题和内容">
     <p:spTree>
       <p:nvGrpSpPr>
-        <p:cNvPr id="21" name="Shape 21"/>
+        <p:cNvPr id="1" name="Shape 21"/>
         <p:cNvGrpSpPr/>
         <p:nvPr/>
       </p:nvGrpSpPr>
@@ -3369,7 +3482,9 @@
       <p:sp>
         <p:nvSpPr>
           <p:cNvPr id="22" name="Shape 22"/>
-          <p:cNvSpPr txBox="1"/>
+          <p:cNvSpPr txBox="1">
+            <a:spLocks noGrp="1"/>
+          </p:cNvSpPr>
           <p:nvPr>
             <p:ph type="title"/>
           </p:nvPr>
@@ -3469,13 +3584,17 @@
               <a:defRPr sz="1800"/>
             </a:lvl9pPr>
           </a:lstStyle>
-          <a:p/>
+          <a:p>
+            <a:endParaRPr/>
+          </a:p>
         </p:txBody>
       </p:sp>
       <p:sp>
         <p:nvSpPr>
           <p:cNvPr id="23" name="Shape 23"/>
-          <p:cNvSpPr txBox="1"/>
+          <p:cNvSpPr txBox="1">
+            <a:spLocks noGrp="1"/>
+          </p:cNvSpPr>
           <p:nvPr>
             <p:ph type="body" idx="1"/>
           </p:nvPr>
@@ -3704,13 +3823,17 @@
               </a:defRPr>
             </a:lvl9pPr>
           </a:lstStyle>
-          <a:p/>
+          <a:p>
+            <a:endParaRPr/>
+          </a:p>
         </p:txBody>
       </p:sp>
       <p:sp>
         <p:nvSpPr>
           <p:cNvPr id="24" name="Shape 24"/>
-          <p:cNvSpPr txBox="1"/>
+          <p:cNvSpPr txBox="1">
+            <a:spLocks noGrp="1"/>
+          </p:cNvSpPr>
           <p:nvPr>
             <p:ph type="dt" idx="10"/>
           </p:nvPr>
@@ -3867,13 +3990,17 @@
               </a:defRPr>
             </a:lvl9pPr>
           </a:lstStyle>
-          <a:p/>
+          <a:p>
+            <a:endParaRPr/>
+          </a:p>
         </p:txBody>
       </p:sp>
       <p:sp>
         <p:nvSpPr>
           <p:cNvPr id="25" name="Shape 25"/>
-          <p:cNvSpPr txBox="1"/>
+          <p:cNvSpPr txBox="1">
+            <a:spLocks noGrp="1"/>
+          </p:cNvSpPr>
           <p:nvPr>
             <p:ph type="ftr" idx="11"/>
           </p:nvPr>
@@ -4030,13 +4157,17 @@
               </a:defRPr>
             </a:lvl9pPr>
           </a:lstStyle>
-          <a:p/>
+          <a:p>
+            <a:endParaRPr/>
+          </a:p>
         </p:txBody>
       </p:sp>
       <p:sp>
         <p:nvSpPr>
           <p:cNvPr id="26" name="Shape 26"/>
-          <p:cNvSpPr txBox="1"/>
+          <p:cNvSpPr txBox="1">
+            <a:spLocks noGrp="1"/>
+          </p:cNvSpPr>
           <p:nvPr>
             <p:ph type="sldNum" idx="12"/>
           </p:nvPr>
@@ -4077,6 +4208,7 @@
                 <a:cs typeface="Calibri"/>
                 <a:sym typeface="Calibri"/>
               </a:rPr>
+              <a:t>‹#›</a:t>
             </a:fld>
             <a:endParaRPr lang="en-GB" sz="1200" b="0" i="0" u="none" strike="noStrike" cap="none">
               <a:solidFill>
@@ -4103,7 +4235,7 @@
   <p:cSld name="节标题">
     <p:spTree>
       <p:nvGrpSpPr>
-        <p:cNvPr id="27" name="Shape 27"/>
+        <p:cNvPr id="1" name="Shape 27"/>
         <p:cNvGrpSpPr/>
         <p:nvPr/>
       </p:nvGrpSpPr>
@@ -4118,7 +4250,9 @@
       <p:sp>
         <p:nvSpPr>
           <p:cNvPr id="28" name="Shape 28"/>
-          <p:cNvSpPr txBox="1"/>
+          <p:cNvSpPr txBox="1">
+            <a:spLocks noGrp="1"/>
+          </p:cNvSpPr>
           <p:nvPr>
             <p:ph type="title"/>
           </p:nvPr>
@@ -4218,13 +4352,17 @@
               <a:defRPr sz="1800"/>
             </a:lvl9pPr>
           </a:lstStyle>
-          <a:p/>
+          <a:p>
+            <a:endParaRPr/>
+          </a:p>
         </p:txBody>
       </p:sp>
       <p:sp>
         <p:nvSpPr>
           <p:cNvPr id="29" name="Shape 29"/>
-          <p:cNvSpPr txBox="1"/>
+          <p:cNvSpPr txBox="1">
+            <a:spLocks noGrp="1"/>
+          </p:cNvSpPr>
           <p:nvPr>
             <p:ph type="body" idx="1"/>
           </p:nvPr>
@@ -4444,13 +4582,17 @@
               </a:defRPr>
             </a:lvl9pPr>
           </a:lstStyle>
-          <a:p/>
+          <a:p>
+            <a:endParaRPr/>
+          </a:p>
         </p:txBody>
       </p:sp>
       <p:sp>
         <p:nvSpPr>
           <p:cNvPr id="30" name="Shape 30"/>
-          <p:cNvSpPr txBox="1"/>
+          <p:cNvSpPr txBox="1">
+            <a:spLocks noGrp="1"/>
+          </p:cNvSpPr>
           <p:nvPr>
             <p:ph type="dt" idx="10"/>
           </p:nvPr>
@@ -4607,13 +4749,17 @@
               </a:defRPr>
             </a:lvl9pPr>
           </a:lstStyle>
-          <a:p/>
+          <a:p>
+            <a:endParaRPr/>
+          </a:p>
         </p:txBody>
       </p:sp>
       <p:sp>
         <p:nvSpPr>
           <p:cNvPr id="31" name="Shape 31"/>
-          <p:cNvSpPr txBox="1"/>
+          <p:cNvSpPr txBox="1">
+            <a:spLocks noGrp="1"/>
+          </p:cNvSpPr>
           <p:nvPr>
             <p:ph type="ftr" idx="11"/>
           </p:nvPr>
@@ -4770,13 +4916,17 @@
               </a:defRPr>
             </a:lvl9pPr>
           </a:lstStyle>
-          <a:p/>
+          <a:p>
+            <a:endParaRPr/>
+          </a:p>
         </p:txBody>
       </p:sp>
       <p:sp>
         <p:nvSpPr>
           <p:cNvPr id="32" name="Shape 32"/>
-          <p:cNvSpPr txBox="1"/>
+          <p:cNvSpPr txBox="1">
+            <a:spLocks noGrp="1"/>
+          </p:cNvSpPr>
           <p:nvPr>
             <p:ph type="sldNum" idx="12"/>
           </p:nvPr>
@@ -4817,6 +4967,7 @@
                 <a:cs typeface="Calibri"/>
                 <a:sym typeface="Calibri"/>
               </a:rPr>
+              <a:t>‹#›</a:t>
             </a:fld>
             <a:endParaRPr lang="en-GB" sz="1200" b="0" i="0" u="none" strike="noStrike" cap="none">
               <a:solidFill>
@@ -4843,7 +4994,7 @@
   <p:cSld name="两栏内容">
     <p:spTree>
       <p:nvGrpSpPr>
-        <p:cNvPr id="33" name="Shape 33"/>
+        <p:cNvPr id="1" name="Shape 33"/>
         <p:cNvGrpSpPr/>
         <p:nvPr/>
       </p:nvGrpSpPr>
@@ -4858,7 +5009,9 @@
       <p:sp>
         <p:nvSpPr>
           <p:cNvPr id="34" name="Shape 34"/>
-          <p:cNvSpPr txBox="1"/>
+          <p:cNvSpPr txBox="1">
+            <a:spLocks noGrp="1"/>
+          </p:cNvSpPr>
           <p:nvPr>
             <p:ph type="title"/>
           </p:nvPr>
@@ -4958,13 +5111,17 @@
               <a:defRPr sz="1800"/>
             </a:lvl9pPr>
           </a:lstStyle>
-          <a:p/>
+          <a:p>
+            <a:endParaRPr/>
+          </a:p>
         </p:txBody>
       </p:sp>
       <p:sp>
         <p:nvSpPr>
           <p:cNvPr id="35" name="Shape 35"/>
-          <p:cNvSpPr txBox="1"/>
+          <p:cNvSpPr txBox="1">
+            <a:spLocks noGrp="1"/>
+          </p:cNvSpPr>
           <p:nvPr>
             <p:ph type="body" idx="1"/>
           </p:nvPr>
@@ -5193,13 +5350,17 @@
               </a:defRPr>
             </a:lvl9pPr>
           </a:lstStyle>
-          <a:p/>
+          <a:p>
+            <a:endParaRPr/>
+          </a:p>
         </p:txBody>
       </p:sp>
       <p:sp>
         <p:nvSpPr>
           <p:cNvPr id="36" name="Shape 36"/>
-          <p:cNvSpPr txBox="1"/>
+          <p:cNvSpPr txBox="1">
+            <a:spLocks noGrp="1"/>
+          </p:cNvSpPr>
           <p:nvPr>
             <p:ph type="body" idx="2"/>
           </p:nvPr>
@@ -5428,13 +5589,17 @@
               </a:defRPr>
             </a:lvl9pPr>
           </a:lstStyle>
-          <a:p/>
+          <a:p>
+            <a:endParaRPr/>
+          </a:p>
         </p:txBody>
       </p:sp>
       <p:sp>
         <p:nvSpPr>
           <p:cNvPr id="37" name="Shape 37"/>
-          <p:cNvSpPr txBox="1"/>
+          <p:cNvSpPr txBox="1">
+            <a:spLocks noGrp="1"/>
+          </p:cNvSpPr>
           <p:nvPr>
             <p:ph type="dt" idx="10"/>
           </p:nvPr>
@@ -5591,13 +5756,17 @@
               </a:defRPr>
             </a:lvl9pPr>
           </a:lstStyle>
-          <a:p/>
+          <a:p>
+            <a:endParaRPr/>
+          </a:p>
         </p:txBody>
       </p:sp>
       <p:sp>
         <p:nvSpPr>
           <p:cNvPr id="38" name="Shape 38"/>
-          <p:cNvSpPr txBox="1"/>
+          <p:cNvSpPr txBox="1">
+            <a:spLocks noGrp="1"/>
+          </p:cNvSpPr>
           <p:nvPr>
             <p:ph type="ftr" idx="11"/>
           </p:nvPr>
@@ -5754,13 +5923,17 @@
               </a:defRPr>
             </a:lvl9pPr>
           </a:lstStyle>
-          <a:p/>
+          <a:p>
+            <a:endParaRPr/>
+          </a:p>
         </p:txBody>
       </p:sp>
       <p:sp>
         <p:nvSpPr>
           <p:cNvPr id="39" name="Shape 39"/>
-          <p:cNvSpPr txBox="1"/>
+          <p:cNvSpPr txBox="1">
+            <a:spLocks noGrp="1"/>
+          </p:cNvSpPr>
           <p:nvPr>
             <p:ph type="sldNum" idx="12"/>
           </p:nvPr>
@@ -5801,6 +5974,7 @@
                 <a:cs typeface="Calibri"/>
                 <a:sym typeface="Calibri"/>
               </a:rPr>
+              <a:t>‹#›</a:t>
             </a:fld>
             <a:endParaRPr lang="en-GB" sz="1200" b="0" i="0" u="none" strike="noStrike" cap="none">
               <a:solidFill>
@@ -5827,7 +6001,7 @@
   <p:cSld name="比较">
     <p:spTree>
       <p:nvGrpSpPr>
-        <p:cNvPr id="40" name="Shape 40"/>
+        <p:cNvPr id="1" name="Shape 40"/>
         <p:cNvGrpSpPr/>
         <p:nvPr/>
       </p:nvGrpSpPr>
@@ -5842,7 +6016,9 @@
       <p:sp>
         <p:nvSpPr>
           <p:cNvPr id="41" name="Shape 41"/>
-          <p:cNvSpPr txBox="1"/>
+          <p:cNvSpPr txBox="1">
+            <a:spLocks noGrp="1"/>
+          </p:cNvSpPr>
           <p:nvPr>
             <p:ph type="title"/>
           </p:nvPr>
@@ -5942,13 +6118,17 @@
               <a:defRPr sz="1800"/>
             </a:lvl9pPr>
           </a:lstStyle>
-          <a:p/>
+          <a:p>
+            <a:endParaRPr/>
+          </a:p>
         </p:txBody>
       </p:sp>
       <p:sp>
         <p:nvSpPr>
           <p:cNvPr id="42" name="Shape 42"/>
-          <p:cNvSpPr txBox="1"/>
+          <p:cNvSpPr txBox="1">
+            <a:spLocks noGrp="1"/>
+          </p:cNvSpPr>
           <p:nvPr>
             <p:ph type="body" idx="1"/>
           </p:nvPr>
@@ -6168,13 +6348,17 @@
               </a:defRPr>
             </a:lvl9pPr>
           </a:lstStyle>
-          <a:p/>
+          <a:p>
+            <a:endParaRPr/>
+          </a:p>
         </p:txBody>
       </p:sp>
       <p:sp>
         <p:nvSpPr>
           <p:cNvPr id="43" name="Shape 43"/>
-          <p:cNvSpPr txBox="1"/>
+          <p:cNvSpPr txBox="1">
+            <a:spLocks noGrp="1"/>
+          </p:cNvSpPr>
           <p:nvPr>
             <p:ph type="body" idx="2"/>
           </p:nvPr>
@@ -6403,13 +6587,17 @@
               </a:defRPr>
             </a:lvl9pPr>
           </a:lstStyle>
-          <a:p/>
+          <a:p>
+            <a:endParaRPr/>
+          </a:p>
         </p:txBody>
       </p:sp>
       <p:sp>
         <p:nvSpPr>
           <p:cNvPr id="44" name="Shape 44"/>
-          <p:cNvSpPr txBox="1"/>
+          <p:cNvSpPr txBox="1">
+            <a:spLocks noGrp="1"/>
+          </p:cNvSpPr>
           <p:nvPr>
             <p:ph type="body" idx="3"/>
           </p:nvPr>
@@ -6629,13 +6817,17 @@
               </a:defRPr>
             </a:lvl9pPr>
           </a:lstStyle>
-          <a:p/>
+          <a:p>
+            <a:endParaRPr/>
+          </a:p>
         </p:txBody>
       </p:sp>
       <p:sp>
         <p:nvSpPr>
           <p:cNvPr id="45" name="Shape 45"/>
-          <p:cNvSpPr txBox="1"/>
+          <p:cNvSpPr txBox="1">
+            <a:spLocks noGrp="1"/>
+          </p:cNvSpPr>
           <p:nvPr>
             <p:ph type="body" idx="4"/>
           </p:nvPr>
@@ -6864,13 +7056,17 @@
               </a:defRPr>
             </a:lvl9pPr>
           </a:lstStyle>
-          <a:p/>
+          <a:p>
+            <a:endParaRPr/>
+          </a:p>
         </p:txBody>
       </p:sp>
       <p:sp>
         <p:nvSpPr>
           <p:cNvPr id="46" name="Shape 46"/>
-          <p:cNvSpPr txBox="1"/>
+          <p:cNvSpPr txBox="1">
+            <a:spLocks noGrp="1"/>
+          </p:cNvSpPr>
           <p:nvPr>
             <p:ph type="dt" idx="10"/>
           </p:nvPr>
@@ -7027,13 +7223,17 @@
               </a:defRPr>
             </a:lvl9pPr>
           </a:lstStyle>
-          <a:p/>
+          <a:p>
+            <a:endParaRPr/>
+          </a:p>
         </p:txBody>
       </p:sp>
       <p:sp>
         <p:nvSpPr>
           <p:cNvPr id="47" name="Shape 47"/>
-          <p:cNvSpPr txBox="1"/>
+          <p:cNvSpPr txBox="1">
+            <a:spLocks noGrp="1"/>
+          </p:cNvSpPr>
           <p:nvPr>
             <p:ph type="ftr" idx="11"/>
           </p:nvPr>
@@ -7190,13 +7390,17 @@
               </a:defRPr>
             </a:lvl9pPr>
           </a:lstStyle>
-          <a:p/>
+          <a:p>
+            <a:endParaRPr/>
+          </a:p>
         </p:txBody>
       </p:sp>
       <p:sp>
         <p:nvSpPr>
           <p:cNvPr id="48" name="Shape 48"/>
-          <p:cNvSpPr txBox="1"/>
+          <p:cNvSpPr txBox="1">
+            <a:spLocks noGrp="1"/>
+          </p:cNvSpPr>
           <p:nvPr>
             <p:ph type="sldNum" idx="12"/>
           </p:nvPr>
@@ -7237,6 +7441,7 @@
                 <a:cs typeface="Calibri"/>
                 <a:sym typeface="Calibri"/>
               </a:rPr>
+              <a:t>‹#›</a:t>
             </a:fld>
             <a:endParaRPr lang="en-GB" sz="1200" b="0" i="0" u="none" strike="noStrike" cap="none">
               <a:solidFill>
@@ -7263,7 +7468,7 @@
   <p:cSld name="仅标题">
     <p:spTree>
       <p:nvGrpSpPr>
-        <p:cNvPr id="49" name="Shape 49"/>
+        <p:cNvPr id="1" name="Shape 49"/>
         <p:cNvGrpSpPr/>
         <p:nvPr/>
       </p:nvGrpSpPr>
@@ -7278,7 +7483,9 @@
       <p:sp>
         <p:nvSpPr>
           <p:cNvPr id="50" name="Shape 50"/>
-          <p:cNvSpPr txBox="1"/>
+          <p:cNvSpPr txBox="1">
+            <a:spLocks noGrp="1"/>
+          </p:cNvSpPr>
           <p:nvPr>
             <p:ph type="title"/>
           </p:nvPr>
@@ -7378,13 +7585,17 @@
               <a:defRPr sz="1800"/>
             </a:lvl9pPr>
           </a:lstStyle>
-          <a:p/>
+          <a:p>
+            <a:endParaRPr/>
+          </a:p>
         </p:txBody>
       </p:sp>
       <p:sp>
         <p:nvSpPr>
           <p:cNvPr id="51" name="Shape 51"/>
-          <p:cNvSpPr txBox="1"/>
+          <p:cNvSpPr txBox="1">
+            <a:spLocks noGrp="1"/>
+          </p:cNvSpPr>
           <p:nvPr>
             <p:ph type="dt" idx="10"/>
           </p:nvPr>
@@ -7541,13 +7752,17 @@
               </a:defRPr>
             </a:lvl9pPr>
           </a:lstStyle>
-          <a:p/>
+          <a:p>
+            <a:endParaRPr/>
+          </a:p>
         </p:txBody>
       </p:sp>
       <p:sp>
         <p:nvSpPr>
           <p:cNvPr id="52" name="Shape 52"/>
-          <p:cNvSpPr txBox="1"/>
+          <p:cNvSpPr txBox="1">
+            <a:spLocks noGrp="1"/>
+          </p:cNvSpPr>
           <p:nvPr>
             <p:ph type="ftr" idx="11"/>
           </p:nvPr>
@@ -7704,13 +7919,17 @@
               </a:defRPr>
             </a:lvl9pPr>
           </a:lstStyle>
-          <a:p/>
+          <a:p>
+            <a:endParaRPr/>
+          </a:p>
         </p:txBody>
       </p:sp>
       <p:sp>
         <p:nvSpPr>
           <p:cNvPr id="53" name="Shape 53"/>
-          <p:cNvSpPr txBox="1"/>
+          <p:cNvSpPr txBox="1">
+            <a:spLocks noGrp="1"/>
+          </p:cNvSpPr>
           <p:nvPr>
             <p:ph type="sldNum" idx="12"/>
           </p:nvPr>
@@ -7751,6 +7970,7 @@
                 <a:cs typeface="Calibri"/>
                 <a:sym typeface="Calibri"/>
               </a:rPr>
+              <a:t>‹#›</a:t>
             </a:fld>
             <a:endParaRPr lang="en-GB" sz="1200" b="0" i="0" u="none" strike="noStrike" cap="none">
               <a:solidFill>
@@ -7777,7 +7997,7 @@
   <p:cSld name="空白">
     <p:spTree>
       <p:nvGrpSpPr>
-        <p:cNvPr id="54" name="Shape 54"/>
+        <p:cNvPr id="1" name="Shape 54"/>
         <p:cNvGrpSpPr/>
         <p:nvPr/>
       </p:nvGrpSpPr>
@@ -7792,7 +8012,9 @@
       <p:sp>
         <p:nvSpPr>
           <p:cNvPr id="55" name="Shape 55"/>
-          <p:cNvSpPr txBox="1"/>
+          <p:cNvSpPr txBox="1">
+            <a:spLocks noGrp="1"/>
+          </p:cNvSpPr>
           <p:nvPr>
             <p:ph type="dt" idx="10"/>
           </p:nvPr>
@@ -7949,13 +8171,17 @@
               </a:defRPr>
             </a:lvl9pPr>
           </a:lstStyle>
-          <a:p/>
+          <a:p>
+            <a:endParaRPr/>
+          </a:p>
         </p:txBody>
       </p:sp>
       <p:sp>
         <p:nvSpPr>
           <p:cNvPr id="56" name="Shape 56"/>
-          <p:cNvSpPr txBox="1"/>
+          <p:cNvSpPr txBox="1">
+            <a:spLocks noGrp="1"/>
+          </p:cNvSpPr>
           <p:nvPr>
             <p:ph type="ftr" idx="11"/>
           </p:nvPr>
@@ -8112,13 +8338,17 @@
               </a:defRPr>
             </a:lvl9pPr>
           </a:lstStyle>
-          <a:p/>
+          <a:p>
+            <a:endParaRPr/>
+          </a:p>
         </p:txBody>
       </p:sp>
       <p:sp>
         <p:nvSpPr>
           <p:cNvPr id="57" name="Shape 57"/>
-          <p:cNvSpPr txBox="1"/>
+          <p:cNvSpPr txBox="1">
+            <a:spLocks noGrp="1"/>
+          </p:cNvSpPr>
           <p:nvPr>
             <p:ph type="sldNum" idx="12"/>
           </p:nvPr>
@@ -8159,6 +8389,7 @@
                 <a:cs typeface="Calibri"/>
                 <a:sym typeface="Calibri"/>
               </a:rPr>
+              <a:t>‹#›</a:t>
             </a:fld>
             <a:endParaRPr lang="en-GB" sz="1200" b="0" i="0" u="none" strike="noStrike" cap="none">
               <a:solidFill>
@@ -8185,7 +8416,7 @@
   <p:cSld name="图片与标题">
     <p:spTree>
       <p:nvGrpSpPr>
-        <p:cNvPr id="58" name="Shape 58"/>
+        <p:cNvPr id="1" name="Shape 58"/>
         <p:cNvGrpSpPr/>
         <p:nvPr/>
       </p:nvGrpSpPr>
@@ -8200,7 +8431,9 @@
       <p:sp>
         <p:nvSpPr>
           <p:cNvPr id="59" name="Shape 59"/>
-          <p:cNvSpPr txBox="1"/>
+          <p:cNvSpPr txBox="1">
+            <a:spLocks noGrp="1"/>
+          </p:cNvSpPr>
           <p:nvPr>
             <p:ph type="title"/>
           </p:nvPr>
@@ -8300,13 +8533,17 @@
               <a:defRPr sz="1800"/>
             </a:lvl9pPr>
           </a:lstStyle>
-          <a:p/>
+          <a:p>
+            <a:endParaRPr/>
+          </a:p>
         </p:txBody>
       </p:sp>
       <p:sp>
         <p:nvSpPr>
           <p:cNvPr id="60" name="Shape 60"/>
-          <p:cNvSpPr/>
+          <p:cNvSpPr>
+            <a:spLocks noGrp="1"/>
+          </p:cNvSpPr>
           <p:nvPr>
             <p:ph type="pic" idx="2"/>
           </p:nvPr>
@@ -8526,13 +8763,17 @@
               </a:defRPr>
             </a:lvl9pPr>
           </a:lstStyle>
-          <a:p/>
+          <a:p>
+            <a:endParaRPr/>
+          </a:p>
         </p:txBody>
       </p:sp>
       <p:sp>
         <p:nvSpPr>
           <p:cNvPr id="61" name="Shape 61"/>
-          <p:cNvSpPr txBox="1"/>
+          <p:cNvSpPr txBox="1">
+            <a:spLocks noGrp="1"/>
+          </p:cNvSpPr>
           <p:nvPr>
             <p:ph type="body" idx="1"/>
           </p:nvPr>
@@ -8752,13 +8993,17 @@
               </a:defRPr>
             </a:lvl9pPr>
           </a:lstStyle>
-          <a:p/>
+          <a:p>
+            <a:endParaRPr/>
+          </a:p>
         </p:txBody>
       </p:sp>
       <p:sp>
         <p:nvSpPr>
           <p:cNvPr id="62" name="Shape 62"/>
-          <p:cNvSpPr txBox="1"/>
+          <p:cNvSpPr txBox="1">
+            <a:spLocks noGrp="1"/>
+          </p:cNvSpPr>
           <p:nvPr>
             <p:ph type="dt" idx="10"/>
           </p:nvPr>
@@ -8915,13 +9160,17 @@
               </a:defRPr>
             </a:lvl9pPr>
           </a:lstStyle>
-          <a:p/>
+          <a:p>
+            <a:endParaRPr/>
+          </a:p>
         </p:txBody>
       </p:sp>
       <p:sp>
         <p:nvSpPr>
           <p:cNvPr id="63" name="Shape 63"/>
-          <p:cNvSpPr txBox="1"/>
+          <p:cNvSpPr txBox="1">
+            <a:spLocks noGrp="1"/>
+          </p:cNvSpPr>
           <p:nvPr>
             <p:ph type="ftr" idx="11"/>
           </p:nvPr>
@@ -9078,13 +9327,17 @@
               </a:defRPr>
             </a:lvl9pPr>
           </a:lstStyle>
-          <a:p/>
+          <a:p>
+            <a:endParaRPr/>
+          </a:p>
         </p:txBody>
       </p:sp>
       <p:sp>
         <p:nvSpPr>
           <p:cNvPr id="64" name="Shape 64"/>
-          <p:cNvSpPr txBox="1"/>
+          <p:cNvSpPr txBox="1">
+            <a:spLocks noGrp="1"/>
+          </p:cNvSpPr>
           <p:nvPr>
             <p:ph type="sldNum" idx="12"/>
           </p:nvPr>
@@ -9125,6 +9378,7 @@
                 <a:cs typeface="Calibri"/>
                 <a:sym typeface="Calibri"/>
               </a:rPr>
+              <a:t>‹#›</a:t>
             </a:fld>
             <a:endParaRPr lang="en-GB" sz="1200" b="0" i="0" u="none" strike="noStrike" cap="none">
               <a:solidFill>
@@ -9151,7 +9405,7 @@
   <p:cSld name="竖版">
     <p:spTree>
       <p:nvGrpSpPr>
-        <p:cNvPr id="65" name="Shape 65"/>
+        <p:cNvPr id="1" name="Shape 65"/>
         <p:cNvGrpSpPr/>
         <p:nvPr/>
       </p:nvGrpSpPr>
@@ -9166,7 +9420,9 @@
       <p:sp>
         <p:nvSpPr>
           <p:cNvPr id="66" name="Shape 66"/>
-          <p:cNvSpPr txBox="1"/>
+          <p:cNvSpPr txBox="1">
+            <a:spLocks noGrp="1"/>
+          </p:cNvSpPr>
           <p:nvPr>
             <p:ph type="title"/>
           </p:nvPr>
@@ -9266,13 +9522,17 @@
               <a:defRPr sz="1800"/>
             </a:lvl9pPr>
           </a:lstStyle>
-          <a:p/>
+          <a:p>
+            <a:endParaRPr/>
+          </a:p>
         </p:txBody>
       </p:sp>
       <p:sp>
         <p:nvSpPr>
           <p:cNvPr id="67" name="Shape 67"/>
-          <p:cNvSpPr txBox="1"/>
+          <p:cNvSpPr txBox="1">
+            <a:spLocks noGrp="1"/>
+          </p:cNvSpPr>
           <p:nvPr>
             <p:ph type="body" idx="1"/>
           </p:nvPr>
@@ -9501,13 +9761,17 @@
               </a:defRPr>
             </a:lvl9pPr>
           </a:lstStyle>
-          <a:p/>
+          <a:p>
+            <a:endParaRPr/>
+          </a:p>
         </p:txBody>
       </p:sp>
       <p:sp>
         <p:nvSpPr>
           <p:cNvPr id="68" name="Shape 68"/>
-          <p:cNvSpPr txBox="1"/>
+          <p:cNvSpPr txBox="1">
+            <a:spLocks noGrp="1"/>
+          </p:cNvSpPr>
           <p:nvPr>
             <p:ph type="dt" idx="10"/>
           </p:nvPr>
@@ -9664,13 +9928,17 @@
               </a:defRPr>
             </a:lvl9pPr>
           </a:lstStyle>
-          <a:p/>
+          <a:p>
+            <a:endParaRPr/>
+          </a:p>
         </p:txBody>
       </p:sp>
       <p:sp>
         <p:nvSpPr>
           <p:cNvPr id="69" name="Shape 69"/>
-          <p:cNvSpPr txBox="1"/>
+          <p:cNvSpPr txBox="1">
+            <a:spLocks noGrp="1"/>
+          </p:cNvSpPr>
           <p:nvPr>
             <p:ph type="ftr" idx="11"/>
           </p:nvPr>
@@ -9827,13 +10095,17 @@
               </a:defRPr>
             </a:lvl9pPr>
           </a:lstStyle>
-          <a:p/>
+          <a:p>
+            <a:endParaRPr/>
+          </a:p>
         </p:txBody>
       </p:sp>
       <p:sp>
         <p:nvSpPr>
           <p:cNvPr id="70" name="Shape 70"/>
-          <p:cNvSpPr txBox="1"/>
+          <p:cNvSpPr txBox="1">
+            <a:spLocks noGrp="1"/>
+          </p:cNvSpPr>
           <p:nvPr>
             <p:ph type="sldNum" idx="12"/>
           </p:nvPr>
@@ -9874,6 +10146,7 @@
                 <a:cs typeface="Calibri"/>
                 <a:sym typeface="Calibri"/>
               </a:rPr>
+              <a:t>‹#›</a:t>
             </a:fld>
             <a:endParaRPr lang="en-GB" sz="1200" b="0" i="0" u="none" strike="noStrike" cap="none">
               <a:solidFill>
@@ -9908,7 +10181,7 @@
     </p:bg>
     <p:spTree>
       <p:nvGrpSpPr>
-        <p:cNvPr id="9" name="Shape 9"/>
+        <p:cNvPr id="1" name="Shape 9"/>
         <p:cNvGrpSpPr/>
         <p:nvPr/>
       </p:nvGrpSpPr>
@@ -9923,7 +10196,9 @@
       <p:sp>
         <p:nvSpPr>
           <p:cNvPr id="10" name="Shape 10"/>
-          <p:cNvSpPr txBox="1"/>
+          <p:cNvSpPr txBox="1">
+            <a:spLocks noGrp="1"/>
+          </p:cNvSpPr>
           <p:nvPr>
             <p:ph type="title"/>
           </p:nvPr>
@@ -10023,13 +10298,17 @@
               <a:defRPr sz="1800"/>
             </a:lvl9pPr>
           </a:lstStyle>
-          <a:p/>
+          <a:p>
+            <a:endParaRPr/>
+          </a:p>
         </p:txBody>
       </p:sp>
       <p:sp>
         <p:nvSpPr>
           <p:cNvPr id="11" name="Shape 11"/>
-          <p:cNvSpPr txBox="1"/>
+          <p:cNvSpPr txBox="1">
+            <a:spLocks noGrp="1"/>
+          </p:cNvSpPr>
           <p:nvPr>
             <p:ph type="body" idx="1"/>
           </p:nvPr>
@@ -10258,13 +10537,17 @@
               </a:defRPr>
             </a:lvl9pPr>
           </a:lstStyle>
-          <a:p/>
+          <a:p>
+            <a:endParaRPr/>
+          </a:p>
         </p:txBody>
       </p:sp>
       <p:sp>
         <p:nvSpPr>
           <p:cNvPr id="12" name="Shape 12"/>
-          <p:cNvSpPr txBox="1"/>
+          <p:cNvSpPr txBox="1">
+            <a:spLocks noGrp="1"/>
+          </p:cNvSpPr>
           <p:nvPr>
             <p:ph type="dt" idx="10"/>
           </p:nvPr>
@@ -10421,13 +10704,17 @@
               </a:defRPr>
             </a:lvl9pPr>
           </a:lstStyle>
-          <a:p/>
+          <a:p>
+            <a:endParaRPr/>
+          </a:p>
         </p:txBody>
       </p:sp>
       <p:sp>
         <p:nvSpPr>
           <p:cNvPr id="13" name="Shape 13"/>
-          <p:cNvSpPr txBox="1"/>
+          <p:cNvSpPr txBox="1">
+            <a:spLocks noGrp="1"/>
+          </p:cNvSpPr>
           <p:nvPr>
             <p:ph type="ftr" idx="11"/>
           </p:nvPr>
@@ -10584,13 +10871,17 @@
               </a:defRPr>
             </a:lvl9pPr>
           </a:lstStyle>
-          <a:p/>
+          <a:p>
+            <a:endParaRPr/>
+          </a:p>
         </p:txBody>
       </p:sp>
       <p:sp>
         <p:nvSpPr>
           <p:cNvPr id="14" name="Shape 14"/>
-          <p:cNvSpPr txBox="1"/>
+          <p:cNvSpPr txBox="1">
+            <a:spLocks noGrp="1"/>
+          </p:cNvSpPr>
           <p:nvPr>
             <p:ph type="sldNum" idx="12"/>
           </p:nvPr>
@@ -10631,6 +10922,7 @@
                 <a:cs typeface="Calibri"/>
                 <a:sym typeface="Calibri"/>
               </a:rPr>
+              <a:t>‹#›</a:t>
             </a:fld>
             <a:endParaRPr lang="en-GB" sz="1200" b="0" i="0" u="none" strike="noStrike" cap="none">
               <a:solidFill>
@@ -11108,7 +11400,7 @@
   <p:cSld>
     <p:spTree>
       <p:nvGrpSpPr>
-        <p:cNvPr id="80" name="Shape 80"/>
+        <p:cNvPr id="1" name="Shape 80"/>
         <p:cNvGrpSpPr/>
         <p:nvPr/>
       </p:nvGrpSpPr>
@@ -11123,7 +11415,9 @@
       <p:sp>
         <p:nvSpPr>
           <p:cNvPr id="81" name="Shape 81"/>
-          <p:cNvSpPr txBox="1"/>
+          <p:cNvSpPr txBox="1">
+            <a:spLocks noGrp="1"/>
+          </p:cNvSpPr>
           <p:nvPr>
             <p:ph type="ctrTitle"/>
           </p:nvPr>
@@ -11162,7 +11456,7 @@
               <a:buNone/>
             </a:pPr>
             <a:r>
-              <a:rPr lang="en-GB" sz="3000" b="1" i="0" u="none" strike="noStrike" cap="none">
+              <a:rPr lang="en-GB" sz="3000" b="1" i="0" u="none" strike="noStrike" cap="none" dirty="0" err="1">
                 <a:solidFill>
                   <a:srgbClr val="C9394A"/>
                 </a:solidFill>
@@ -11173,7 +11467,7 @@
               </a:rPr>
               <a:t>类的继承</a:t>
             </a:r>
-            <a:endParaRPr lang="en-GB" sz="3000" b="1" i="0" u="none" strike="noStrike" cap="none">
+            <a:endParaRPr lang="en-GB" sz="3000" b="1" i="0" u="none" strike="noStrike" cap="none" dirty="0">
               <a:solidFill>
                 <a:srgbClr val="C9394A"/>
               </a:solidFill>
@@ -11188,7 +11482,9 @@
       <p:sp>
         <p:nvSpPr>
           <p:cNvPr id="82" name="Shape 82"/>
-          <p:cNvSpPr txBox="1"/>
+          <p:cNvSpPr txBox="1">
+            <a:spLocks noGrp="1"/>
+          </p:cNvSpPr>
           <p:nvPr>
             <p:ph type="subTitle" idx="1"/>
           </p:nvPr>
@@ -11226,7 +11522,7 @@
               <a:buFont typeface="Arial"/>
               <a:buNone/>
             </a:pPr>
-            <a:endParaRPr sz="2400" b="0" i="0" u="none" strike="noStrike" cap="none">
+            <a:endParaRPr sz="2400" b="0" i="0" u="none" strike="noStrike" cap="none" dirty="0">
               <a:solidFill>
                 <a:schemeClr val="dk1"/>
               </a:solidFill>
@@ -11254,7 +11550,7 @@
   <p:cSld>
     <p:spTree>
       <p:nvGrpSpPr>
-        <p:cNvPr id="87" name="Shape 87"/>
+        <p:cNvPr id="1" name="Shape 87"/>
         <p:cNvGrpSpPr/>
         <p:nvPr/>
       </p:nvGrpSpPr>
@@ -11269,15 +11565,17 @@
       <p:sp>
         <p:nvSpPr>
           <p:cNvPr id="88" name="Shape 88"/>
-          <p:cNvSpPr txBox="1"/>
+          <p:cNvSpPr txBox="1">
+            <a:spLocks noGrp="1"/>
+          </p:cNvSpPr>
           <p:nvPr>
             <p:ph type="title"/>
           </p:nvPr>
         </p:nvSpPr>
         <p:spPr>
           <a:xfrm>
-            <a:off x="838200" y="365125"/>
-            <a:ext cx="10515599" cy="1325562"/>
+            <a:off x="1968303" y="1626366"/>
+            <a:ext cx="6090745" cy="718251"/>
           </a:xfrm>
           <a:prstGeom prst="rect">
             <a:avLst/>
@@ -11311,7 +11609,7 @@
               <a:buNone/>
             </a:pPr>
             <a:r>
-              <a:rPr lang="en-GB" sz="2200" b="0" i="0" u="none" strike="noStrike" cap="none">
+              <a:rPr lang="en-GB" sz="2200" b="0" i="0" u="none" strike="noStrike" cap="none" dirty="0" err="1">
                 <a:solidFill>
                   <a:srgbClr val="C9394A"/>
                 </a:solidFill>
@@ -11322,7 +11620,7 @@
               </a:rPr>
               <a:t>定义类的继承</a:t>
             </a:r>
-            <a:endParaRPr lang="en-GB" sz="2200" b="0" i="0" u="none" strike="noStrike" cap="none">
+            <a:endParaRPr lang="en-GB" sz="2200" b="0" i="0" u="none" strike="noStrike" cap="none" dirty="0">
               <a:solidFill>
                 <a:srgbClr val="C9394A"/>
               </a:solidFill>
@@ -11337,15 +11635,17 @@
       <p:sp>
         <p:nvSpPr>
           <p:cNvPr id="89" name="Shape 89"/>
-          <p:cNvSpPr txBox="1"/>
+          <p:cNvSpPr txBox="1">
+            <a:spLocks noGrp="1"/>
+          </p:cNvSpPr>
           <p:nvPr>
             <p:ph type="body" idx="1"/>
           </p:nvPr>
         </p:nvSpPr>
         <p:spPr>
           <a:xfrm>
-            <a:off x="888365" y="1824355"/>
-            <a:ext cx="10515600" cy="4351200"/>
+            <a:off x="1968303" y="2555595"/>
+            <a:ext cx="6663318" cy="3299438"/>
           </a:xfrm>
           <a:prstGeom prst="rect">
             <a:avLst/>
@@ -11376,7 +11676,7 @@
               <a:buNone/>
             </a:pPr>
             <a:r>
-              <a:rPr lang="en-GB" sz="1500">
+              <a:rPr lang="en-GB" sz="1500" dirty="0">
                 <a:solidFill>
                   <a:srgbClr val="FF5600"/>
                 </a:solidFill>
@@ -11391,7 +11691,7 @@
               <a:t>class</a:t>
             </a:r>
             <a:r>
-              <a:rPr lang="en-GB" sz="1500">
+              <a:rPr lang="en-GB" sz="1500" dirty="0">
                 <a:highlight>
                   <a:srgbClr val="FFFFFF"/>
                 </a:highlight>
@@ -11403,7 +11703,7 @@
               <a:t> </a:t>
             </a:r>
             <a:r>
-              <a:rPr lang="en-GB" sz="1500">
+              <a:rPr lang="en-GB" sz="1500" dirty="0" err="1">
                 <a:solidFill>
                   <a:srgbClr val="21439C"/>
                 </a:solidFill>
@@ -11418,7 +11718,7 @@
               <a:t>DerivedClassName</a:t>
             </a:r>
             <a:r>
-              <a:rPr lang="en-GB" sz="1500">
+              <a:rPr lang="en-GB" sz="1500" dirty="0">
                 <a:highlight>
                   <a:srgbClr val="FFFFFF"/>
                 </a:highlight>
@@ -11427,10 +11727,10 @@
                 <a:cs typeface="Courier New"/>
                 <a:sym typeface="Courier New"/>
               </a:rPr>
-              <a:t>(BaseClassName):</a:t>
+              <a:t>(</a:t>
             </a:r>
-            <a:br>
-              <a:rPr lang="en-GB" sz="1500">
+            <a:r>
+              <a:rPr lang="en-GB" sz="1500" dirty="0" err="1">
                 <a:highlight>
                   <a:srgbClr val="FFFFFF"/>
                 </a:highlight>
@@ -11439,9 +11739,10 @@
                 <a:cs typeface="Courier New"/>
                 <a:sym typeface="Courier New"/>
               </a:rPr>
-            </a:br>
+              <a:t>BaseClassName</a:t>
+            </a:r>
             <a:r>
-              <a:rPr lang="en-GB" sz="1500">
+              <a:rPr lang="en-GB" sz="1500" dirty="0">
                 <a:highlight>
                   <a:srgbClr val="FFFFFF"/>
                 </a:highlight>
@@ -11450,13 +11751,10 @@
                 <a:cs typeface="Courier New"/>
                 <a:sym typeface="Courier New"/>
               </a:rPr>
-              <a:t>    </a:t>
+              <a:t>):</a:t>
             </a:r>
-            <a:r>
-              <a:rPr lang="en-GB" sz="1500">
-                <a:solidFill>
-                  <a:srgbClr val="FF5600"/>
-                </a:solidFill>
+            <a:br>
+              <a:rPr lang="en-GB" sz="1500" dirty="0">
                 <a:highlight>
                   <a:srgbClr val="FFFFFF"/>
                 </a:highlight>
@@ -11465,10 +11763,9 @@
                 <a:cs typeface="Courier New"/>
                 <a:sym typeface="Courier New"/>
               </a:rPr>
-              <a:t>&lt;</a:t>
-            </a:r>
+            </a:br>
             <a:r>
-              <a:rPr lang="en-GB" sz="1500">
+              <a:rPr lang="en-GB" sz="1500" dirty="0">
                 <a:highlight>
                   <a:srgbClr val="FFFFFF"/>
                 </a:highlight>
@@ -11477,10 +11774,10 @@
                 <a:cs typeface="Courier New"/>
                 <a:sym typeface="Courier New"/>
               </a:rPr>
-              <a:t>statement</a:t>
+              <a:t>    </a:t>
             </a:r>
             <a:r>
-              <a:rPr lang="en-GB" sz="1500">
+              <a:rPr lang="en-GB" sz="1500" dirty="0">
                 <a:solidFill>
                   <a:srgbClr val="FF5600"/>
                 </a:solidFill>
@@ -11492,10 +11789,10 @@
                 <a:cs typeface="Courier New"/>
                 <a:sym typeface="Courier New"/>
               </a:rPr>
-              <a:t>-</a:t>
+              <a:t>&lt;</a:t>
             </a:r>
             <a:r>
-              <a:rPr lang="en-GB" sz="1500">
+              <a:rPr lang="en-GB" sz="1500" dirty="0">
                 <a:highlight>
                   <a:srgbClr val="FFFFFF"/>
                 </a:highlight>
@@ -11504,10 +11801,10 @@
                 <a:cs typeface="Courier New"/>
                 <a:sym typeface="Courier New"/>
               </a:rPr>
-              <a:t>1</a:t>
+              <a:t>statement</a:t>
             </a:r>
             <a:r>
-              <a:rPr lang="en-GB" sz="1500">
+              <a:rPr lang="en-GB" sz="1500" dirty="0">
                 <a:solidFill>
                   <a:srgbClr val="FF5600"/>
                 </a:solidFill>
@@ -11519,10 +11816,10 @@
                 <a:cs typeface="Courier New"/>
                 <a:sym typeface="Courier New"/>
               </a:rPr>
-              <a:t>&gt;</a:t>
+              <a:t>-</a:t>
             </a:r>
-            <a:br>
-              <a:rPr lang="en-GB" sz="1500">
+            <a:r>
+              <a:rPr lang="en-GB" sz="1500" dirty="0">
                 <a:highlight>
                   <a:srgbClr val="FFFFFF"/>
                 </a:highlight>
@@ -11531,9 +11828,13 @@
                 <a:cs typeface="Courier New"/>
                 <a:sym typeface="Courier New"/>
               </a:rPr>
-            </a:br>
+              <a:t>1</a:t>
+            </a:r>
             <a:r>
-              <a:rPr lang="en-GB" sz="1500">
+              <a:rPr lang="en-GB" sz="1500" dirty="0">
+                <a:solidFill>
+                  <a:srgbClr val="FF5600"/>
+                </a:solidFill>
                 <a:highlight>
                   <a:srgbClr val="FFFFFF"/>
                 </a:highlight>
@@ -11542,10 +11843,10 @@
                 <a:cs typeface="Courier New"/>
                 <a:sym typeface="Courier New"/>
               </a:rPr>
-              <a:t>    .</a:t>
+              <a:t>&gt;</a:t>
             </a:r>
-            <a:br>
-              <a:rPr lang="en-GB" sz="1500">
+            <a:r>
+              <a:rPr lang="en-GB" sz="1500" dirty="0">
                 <a:highlight>
                   <a:srgbClr val="FFFFFF"/>
                 </a:highlight>
@@ -11554,9 +11855,10 @@
                 <a:cs typeface="Courier New"/>
                 <a:sym typeface="Courier New"/>
               </a:rPr>
-            </a:br>
-            <a:r>
-              <a:rPr lang="en-GB" sz="1500">
+              <a:t/>
+            </a:r>
+            <a:br>
+              <a:rPr lang="en-GB" sz="1500" dirty="0">
                 <a:highlight>
                   <a:srgbClr val="FFFFFF"/>
                 </a:highlight>
@@ -11565,10 +11867,9 @@
                 <a:cs typeface="Courier New"/>
                 <a:sym typeface="Courier New"/>
               </a:rPr>
-              <a:t>    .</a:t>
-            </a:r>
-            <a:br>
-              <a:rPr lang="en-GB" sz="1500">
+            </a:br>
+            <a:r>
+              <a:rPr lang="en-GB" sz="1500" dirty="0">
                 <a:highlight>
                   <a:srgbClr val="FFFFFF"/>
                 </a:highlight>
@@ -11577,9 +11878,10 @@
                 <a:cs typeface="Courier New"/>
                 <a:sym typeface="Courier New"/>
               </a:rPr>
-            </a:br>
-            <a:r>
-              <a:rPr lang="en-GB" sz="1500">
+              <a:t>    .</a:t>
+            </a:r>
+            <a:br>
+              <a:rPr lang="en-GB" sz="1500" dirty="0">
                 <a:highlight>
                   <a:srgbClr val="FFFFFF"/>
                 </a:highlight>
@@ -11588,10 +11890,9 @@
                 <a:cs typeface="Courier New"/>
                 <a:sym typeface="Courier New"/>
               </a:rPr>
-              <a:t>    .</a:t>
-            </a:r>
-            <a:br>
-              <a:rPr lang="en-GB" sz="1500">
+            </a:br>
+            <a:r>
+              <a:rPr lang="en-GB" sz="1500" dirty="0">
                 <a:highlight>
                   <a:srgbClr val="FFFFFF"/>
                 </a:highlight>
@@ -11600,9 +11901,10 @@
                 <a:cs typeface="Courier New"/>
                 <a:sym typeface="Courier New"/>
               </a:rPr>
-            </a:br>
-            <a:r>
-              <a:rPr lang="en-GB" sz="1500">
+              <a:t>    .</a:t>
+            </a:r>
+            <a:br>
+              <a:rPr lang="en-GB" sz="1500" dirty="0">
                 <a:highlight>
                   <a:srgbClr val="FFFFFF"/>
                 </a:highlight>
@@ -11611,13 +11913,9 @@
                 <a:cs typeface="Courier New"/>
                 <a:sym typeface="Courier New"/>
               </a:rPr>
-              <a:t>    </a:t>
-            </a:r>
+            </a:br>
             <a:r>
-              <a:rPr lang="en-GB" sz="1500">
-                <a:solidFill>
-                  <a:srgbClr val="FF5600"/>
-                </a:solidFill>
+              <a:rPr lang="en-GB" sz="1500" dirty="0">
                 <a:highlight>
                   <a:srgbClr val="FFFFFF"/>
                 </a:highlight>
@@ -11626,10 +11924,10 @@
                 <a:cs typeface="Courier New"/>
                 <a:sym typeface="Courier New"/>
               </a:rPr>
-              <a:t>&lt;</a:t>
+              <a:t>    .</a:t>
             </a:r>
-            <a:r>
-              <a:rPr lang="en-GB" sz="1500">
+            <a:br>
+              <a:rPr lang="en-GB" sz="1500" dirty="0">
                 <a:highlight>
                   <a:srgbClr val="FFFFFF"/>
                 </a:highlight>
@@ -11638,13 +11936,9 @@
                 <a:cs typeface="Courier New"/>
                 <a:sym typeface="Courier New"/>
               </a:rPr>
-              <a:t>statement</a:t>
-            </a:r>
+            </a:br>
             <a:r>
-              <a:rPr lang="en-GB" sz="1500">
-                <a:solidFill>
-                  <a:srgbClr val="FF5600"/>
-                </a:solidFill>
+              <a:rPr lang="en-GB" sz="1500" dirty="0">
                 <a:highlight>
                   <a:srgbClr val="FFFFFF"/>
                 </a:highlight>
@@ -11653,10 +11947,13 @@
                 <a:cs typeface="Courier New"/>
                 <a:sym typeface="Courier New"/>
               </a:rPr>
-              <a:t>-</a:t>
+              <a:t>    </a:t>
             </a:r>
             <a:r>
-              <a:rPr lang="en-GB" sz="1500">
+              <a:rPr lang="en-GB" sz="1500" dirty="0">
+                <a:solidFill>
+                  <a:srgbClr val="FF5600"/>
+                </a:solidFill>
                 <a:highlight>
                   <a:srgbClr val="FFFFFF"/>
                 </a:highlight>
@@ -11665,13 +11962,10 @@
                 <a:cs typeface="Courier New"/>
                 <a:sym typeface="Courier New"/>
               </a:rPr>
-              <a:t>N</a:t>
+              <a:t>&lt;</a:t>
             </a:r>
             <a:r>
-              <a:rPr lang="en-GB" sz="1500">
-                <a:solidFill>
-                  <a:srgbClr val="FF5600"/>
-                </a:solidFill>
+              <a:rPr lang="en-GB" sz="1500" dirty="0">
                 <a:highlight>
                   <a:srgbClr val="FFFFFF"/>
                 </a:highlight>
@@ -11680,20 +11974,50 @@
                 <a:cs typeface="Courier New"/>
                 <a:sym typeface="Courier New"/>
               </a:rPr>
+              <a:t>statement</a:t>
+            </a:r>
+            <a:r>
+              <a:rPr lang="en-GB" sz="1500" dirty="0">
+                <a:solidFill>
+                  <a:srgbClr val="FF5600"/>
+                </a:solidFill>
+                <a:highlight>
+                  <a:srgbClr val="FFFFFF"/>
+                </a:highlight>
+                <a:latin typeface="Courier New"/>
+                <a:ea typeface="Courier New"/>
+                <a:cs typeface="Courier New"/>
+                <a:sym typeface="Courier New"/>
+              </a:rPr>
+              <a:t>-</a:t>
+            </a:r>
+            <a:r>
+              <a:rPr lang="en-GB" sz="1500" dirty="0">
+                <a:highlight>
+                  <a:srgbClr val="FFFFFF"/>
+                </a:highlight>
+                <a:latin typeface="Courier New"/>
+                <a:ea typeface="Courier New"/>
+                <a:cs typeface="Courier New"/>
+                <a:sym typeface="Courier New"/>
+              </a:rPr>
+              <a:t>N</a:t>
+            </a:r>
+            <a:r>
+              <a:rPr lang="en-GB" sz="1500" dirty="0">
+                <a:solidFill>
+                  <a:srgbClr val="FF5600"/>
+                </a:solidFill>
+                <a:highlight>
+                  <a:srgbClr val="FFFFFF"/>
+                </a:highlight>
+                <a:latin typeface="Courier New"/>
+                <a:ea typeface="Courier New"/>
+                <a:cs typeface="Courier New"/>
+                <a:sym typeface="Courier New"/>
+              </a:rPr>
               <a:t>&gt;</a:t>
             </a:r>
-            <a:endParaRPr lang="en-GB" sz="1500">
-              <a:solidFill>
-                <a:srgbClr val="FF5600"/>
-              </a:solidFill>
-              <a:highlight>
-                <a:srgbClr val="FFFFFF"/>
-              </a:highlight>
-              <a:latin typeface="Courier New"/>
-              <a:ea typeface="Courier New"/>
-              <a:cs typeface="Courier New"/>
-              <a:sym typeface="Courier New"/>
-            </a:endParaRPr>
           </a:p>
           <a:p>
             <a:pPr marL="0" marR="0" lvl="0" indent="0" algn="l" rtl="0">
@@ -11710,7 +12034,50 @@
               <a:buFont typeface="Arial"/>
               <a:buNone/>
             </a:pPr>
-            <a:endParaRPr sz="1800"/>
+            <a:endParaRPr sz="1800" dirty="0"/>
+          </a:p>
+        </p:txBody>
+      </p:sp>
+      <p:sp>
+        <p:nvSpPr>
+          <p:cNvPr id="3" name="文本框 2"/>
+          <p:cNvSpPr txBox="1"/>
+          <p:nvPr/>
+        </p:nvSpPr>
+        <p:spPr>
+          <a:xfrm>
+            <a:off x="1513490" y="861390"/>
+            <a:ext cx="9498724" cy="553998"/>
+          </a:xfrm>
+          <a:prstGeom prst="rect">
+            <a:avLst/>
+          </a:prstGeom>
+          <a:noFill/>
+        </p:spPr>
+        <p:txBody>
+          <a:bodyPr wrap="square" rtlCol="0">
+            <a:spAutoFit/>
+          </a:bodyPr>
+          <a:lstStyle/>
+          <a:p>
+            <a:pPr algn="ctr"/>
+            <a:r>
+              <a:rPr lang="zh-CN" altLang="en-US" sz="3000" b="1" dirty="0" smtClean="0">
+                <a:solidFill>
+                  <a:srgbClr val="C00000"/>
+                </a:solidFill>
+                <a:latin typeface="微软雅黑" panose="020B0503020204020204" pitchFamily="34" charset="-122"/>
+                <a:ea typeface="微软雅黑" panose="020B0503020204020204" pitchFamily="34" charset="-122"/>
+              </a:rPr>
+              <a:t>类的继承</a:t>
+            </a:r>
+            <a:endParaRPr lang="zh-CN" altLang="en-US" sz="3000" b="1" dirty="0">
+              <a:solidFill>
+                <a:srgbClr val="C00000"/>
+              </a:solidFill>
+              <a:latin typeface="微软雅黑" panose="020B0503020204020204" pitchFamily="34" charset="-122"/>
+              <a:ea typeface="微软雅黑" panose="020B0503020204020204" pitchFamily="34" charset="-122"/>
+            </a:endParaRPr>
           </a:p>
         </p:txBody>
       </p:sp>
@@ -11794,14 +12161,14 @@
                 </p:childTnLst>
               </p:cTn>
               <p:prevCondLst>
-                <p:cond evt="onPrev">
+                <p:cond evt="onPrev" delay="0">
                   <p:tgtEl>
                     <p:sldTgt/>
                   </p:tgtEl>
                 </p:cond>
               </p:prevCondLst>
               <p:nextCondLst>
-                <p:cond evt="onNext">
+                <p:cond evt="onNext" delay="0">
                   <p:tgtEl>
                     <p:sldTgt/>
                   </p:tgtEl>
@@ -11821,7 +12188,7 @@
   <p:cSld>
     <p:spTree>
       <p:nvGrpSpPr>
-        <p:cNvPr id="94" name="Shape 94"/>
+        <p:cNvPr id="1" name="Shape 94"/>
         <p:cNvGrpSpPr/>
         <p:nvPr/>
       </p:nvGrpSpPr>
@@ -11836,15 +12203,17 @@
       <p:sp>
         <p:nvSpPr>
           <p:cNvPr id="95" name="Shape 95"/>
-          <p:cNvSpPr txBox="1"/>
+          <p:cNvSpPr txBox="1">
+            <a:spLocks noGrp="1"/>
+          </p:cNvSpPr>
           <p:nvPr>
             <p:ph type="title"/>
           </p:nvPr>
         </p:nvSpPr>
         <p:spPr>
           <a:xfrm>
-            <a:off x="838200" y="365125"/>
-            <a:ext cx="10515599" cy="1325562"/>
+            <a:off x="1933904" y="1823436"/>
+            <a:ext cx="6403426" cy="951295"/>
           </a:xfrm>
           <a:prstGeom prst="rect">
             <a:avLst/>
@@ -11878,7 +12247,7 @@
               <a:buNone/>
             </a:pPr>
             <a:r>
-              <a:rPr lang="en-GB" sz="2200" b="0" i="0" u="none" strike="noStrike" cap="none">
+              <a:rPr lang="en-GB" sz="2200" b="0" i="0" u="none" strike="noStrike" cap="none" dirty="0" err="1">
                 <a:solidFill>
                   <a:srgbClr val="C9394A"/>
                 </a:solidFill>
@@ -11889,7 +12258,7 @@
               </a:rPr>
               <a:t>继承的子类</a:t>
             </a:r>
-            <a:endParaRPr lang="en-GB" sz="2200" b="0" i="0" u="none" strike="noStrike" cap="none">
+            <a:endParaRPr lang="en-GB" sz="2200" b="0" i="0" u="none" strike="noStrike" cap="none" dirty="0">
               <a:solidFill>
                 <a:srgbClr val="C9394A"/>
               </a:solidFill>
@@ -11904,15 +12273,17 @@
       <p:sp>
         <p:nvSpPr>
           <p:cNvPr id="96" name="Shape 96"/>
-          <p:cNvSpPr txBox="1"/>
+          <p:cNvSpPr txBox="1">
+            <a:spLocks noGrp="1"/>
+          </p:cNvSpPr>
           <p:nvPr>
             <p:ph type="body" idx="1"/>
           </p:nvPr>
         </p:nvSpPr>
         <p:spPr>
           <a:xfrm>
-            <a:off x="838200" y="1825625"/>
-            <a:ext cx="10515599" cy="4351338"/>
+            <a:off x="1933904" y="3000158"/>
+            <a:ext cx="6248400" cy="1516664"/>
           </a:xfrm>
           <a:prstGeom prst="rect">
             <a:avLst/>
@@ -11946,24 +12317,22 @@
               <a:buChar char="•"/>
             </a:pPr>
             <a:r>
-              <a:rPr lang="en-GB" sz="1800" b="0" i="0" u="none" strike="noStrike" cap="none">
-                <a:solidFill>
-                  <a:schemeClr val="dk1"/>
-                </a:solidFill>
-                <a:latin typeface="Calibri"/>
-                <a:ea typeface="Calibri"/>
-                <a:cs typeface="Calibri"/>
+              <a:rPr lang="en-GB" sz="1800" b="1" i="0" u="none" strike="noStrike" cap="none" dirty="0" err="1">
+                <a:solidFill>
+                  <a:schemeClr val="dk1"/>
+                </a:solidFill>
+                <a:latin typeface="微软雅黑" panose="020B0503020204020204" pitchFamily="34" charset="-122"/>
+                <a:ea typeface="微软雅黑" panose="020B0503020204020204" pitchFamily="34" charset="-122"/>
                 <a:sym typeface="Calibri"/>
               </a:rPr>
               <a:t>会继承父类的属性和方法</a:t>
             </a:r>
-            <a:endParaRPr lang="en-GB" sz="1800" b="0" i="0" u="none" strike="noStrike" cap="none">
+            <a:endParaRPr lang="en-GB" sz="1800" b="1" i="0" u="none" strike="noStrike" cap="none" dirty="0">
               <a:solidFill>
                 <a:schemeClr val="dk1"/>
               </a:solidFill>
-              <a:latin typeface="Calibri"/>
-              <a:ea typeface="Calibri"/>
-              <a:cs typeface="Calibri"/>
+              <a:latin typeface="微软雅黑" panose="020B0503020204020204" pitchFamily="34" charset="-122"/>
+              <a:ea typeface="微软雅黑" panose="020B0503020204020204" pitchFamily="34" charset="-122"/>
               <a:sym typeface="Calibri"/>
             </a:endParaRPr>
           </a:p>
@@ -11983,25 +12352,66 @@
               <a:buChar char="•"/>
             </a:pPr>
             <a:r>
-              <a:rPr lang="en-GB" sz="1800" b="0" i="0" u="none" strike="noStrike" cap="none">
-                <a:solidFill>
-                  <a:schemeClr val="dk1"/>
-                </a:solidFill>
-                <a:latin typeface="Calibri"/>
-                <a:ea typeface="Calibri"/>
-                <a:cs typeface="Calibri"/>
+              <a:rPr lang="en-GB" sz="1800" b="1" i="0" u="none" strike="noStrike" cap="none" dirty="0" err="1">
+                <a:solidFill>
+                  <a:schemeClr val="dk1"/>
+                </a:solidFill>
+                <a:latin typeface="微软雅黑" panose="020B0503020204020204" pitchFamily="34" charset="-122"/>
+                <a:ea typeface="微软雅黑" panose="020B0503020204020204" pitchFamily="34" charset="-122"/>
                 <a:sym typeface="Calibri"/>
               </a:rPr>
               <a:t>也可以自己定义，覆盖父类的属性和方法</a:t>
             </a:r>
-            <a:endParaRPr lang="en-GB" sz="1800" b="0" i="0" u="none" strike="noStrike" cap="none">
+            <a:endParaRPr lang="en-GB" sz="1800" b="1" i="0" u="none" strike="noStrike" cap="none" dirty="0">
               <a:solidFill>
                 <a:schemeClr val="dk1"/>
               </a:solidFill>
-              <a:latin typeface="Calibri"/>
-              <a:ea typeface="Calibri"/>
-              <a:cs typeface="Calibri"/>
+              <a:latin typeface="微软雅黑" panose="020B0503020204020204" pitchFamily="34" charset="-122"/>
+              <a:ea typeface="微软雅黑" panose="020B0503020204020204" pitchFamily="34" charset="-122"/>
               <a:sym typeface="Calibri"/>
+            </a:endParaRPr>
+          </a:p>
+        </p:txBody>
+      </p:sp>
+      <p:sp>
+        <p:nvSpPr>
+          <p:cNvPr id="2" name="文本框 1"/>
+          <p:cNvSpPr txBox="1"/>
+          <p:nvPr/>
+        </p:nvSpPr>
+        <p:spPr>
+          <a:xfrm>
+            <a:off x="1" y="790957"/>
+            <a:ext cx="12191999" cy="549277"/>
+          </a:xfrm>
+          <a:prstGeom prst="rect">
+            <a:avLst/>
+          </a:prstGeom>
+          <a:noFill/>
+        </p:spPr>
+        <p:txBody>
+          <a:bodyPr wrap="square" rtlCol="0">
+            <a:spAutoFit/>
+          </a:bodyPr>
+          <a:lstStyle/>
+          <a:p>
+            <a:pPr algn="ctr"/>
+            <a:r>
+              <a:rPr lang="zh-CN" altLang="en-US" sz="3000" b="1" dirty="0" smtClean="0">
+                <a:solidFill>
+                  <a:srgbClr val="C00000"/>
+                </a:solidFill>
+                <a:latin typeface="微软雅黑" panose="020B0503020204020204" pitchFamily="34" charset="-122"/>
+                <a:ea typeface="微软雅黑" panose="020B0503020204020204" pitchFamily="34" charset="-122"/>
+              </a:rPr>
+              <a:t>类的继承</a:t>
+            </a:r>
+            <a:endParaRPr lang="zh-CN" altLang="en-US" sz="3000" b="1" dirty="0">
+              <a:solidFill>
+                <a:srgbClr val="C00000"/>
+              </a:solidFill>
+              <a:latin typeface="微软雅黑" panose="020B0503020204020204" pitchFamily="34" charset="-122"/>
+              <a:ea typeface="微软雅黑" panose="020B0503020204020204" pitchFamily="34" charset="-122"/>
             </a:endParaRPr>
           </a:p>
         </p:txBody>
@@ -12022,7 +12432,7 @@
   <p:cSld>
     <p:spTree>
       <p:nvGrpSpPr>
-        <p:cNvPr id="100" name="Shape 100"/>
+        <p:cNvPr id="1" name="Shape 100"/>
         <p:cNvGrpSpPr/>
         <p:nvPr/>
       </p:nvGrpSpPr>
@@ -12037,15 +12447,17 @@
       <p:sp>
         <p:nvSpPr>
           <p:cNvPr id="101" name="Shape 101"/>
-          <p:cNvSpPr txBox="1"/>
+          <p:cNvSpPr txBox="1">
+            <a:spLocks noGrp="1"/>
+          </p:cNvSpPr>
           <p:nvPr>
             <p:ph type="title"/>
           </p:nvPr>
         </p:nvSpPr>
         <p:spPr>
           <a:xfrm>
-            <a:off x="838200" y="365000"/>
-            <a:ext cx="10515600" cy="1325700"/>
+            <a:off x="1744717" y="1636783"/>
+            <a:ext cx="6216869" cy="1172138"/>
           </a:xfrm>
           <a:prstGeom prst="rect">
             <a:avLst/>
@@ -12079,7 +12491,7 @@
               <a:buNone/>
             </a:pPr>
             <a:r>
-              <a:rPr lang="en-GB" sz="2200">
+              <a:rPr lang="en-GB" sz="2200" dirty="0" err="1">
                 <a:solidFill>
                   <a:srgbClr val="C9394A"/>
                 </a:solidFill>
@@ -12088,9 +12500,33 @@
                 <a:cs typeface="Arial"/>
                 <a:sym typeface="Arial"/>
               </a:rPr>
-              <a:t>用super()调用父类的方法</a:t>
+              <a:t>用super</a:t>
             </a:r>
-            <a:endParaRPr lang="en-GB" sz="2200">
+            <a:r>
+              <a:rPr lang="en-GB" sz="2200" dirty="0">
+                <a:solidFill>
+                  <a:srgbClr val="C9394A"/>
+                </a:solidFill>
+                <a:latin typeface="微软雅黑" charset="0"/>
+                <a:ea typeface="微软雅黑" charset="0"/>
+                <a:cs typeface="Arial"/>
+                <a:sym typeface="Arial"/>
+              </a:rPr>
+              <a:t>()</a:t>
+            </a:r>
+            <a:r>
+              <a:rPr lang="en-GB" sz="2200" dirty="0" err="1">
+                <a:solidFill>
+                  <a:srgbClr val="C9394A"/>
+                </a:solidFill>
+                <a:latin typeface="微软雅黑" charset="0"/>
+                <a:ea typeface="微软雅黑" charset="0"/>
+                <a:cs typeface="Arial"/>
+                <a:sym typeface="Arial"/>
+              </a:rPr>
+              <a:t>调用父类的方法</a:t>
+            </a:r>
+            <a:endParaRPr lang="en-GB" sz="2200" dirty="0">
               <a:solidFill>
                 <a:srgbClr val="C9394A"/>
               </a:solidFill>
@@ -12110,8 +12546,8 @@
         </p:nvSpPr>
         <p:spPr>
           <a:xfrm>
-            <a:off x="838200" y="1823575"/>
-            <a:ext cx="9850500" cy="3693900"/>
+            <a:off x="1744717" y="2974458"/>
+            <a:ext cx="6374524" cy="2843018"/>
           </a:xfrm>
           <a:prstGeom prst="rect">
             <a:avLst/>
@@ -12142,7 +12578,7 @@
               <a:buNone/>
             </a:pPr>
             <a:r>
-              <a:rPr lang="en-GB" sz="1700">
+              <a:rPr lang="en-GB" sz="1700" dirty="0">
                 <a:solidFill>
                   <a:srgbClr val="FF5600"/>
                 </a:solidFill>
@@ -12157,7 +12593,7 @@
               <a:t>class</a:t>
             </a:r>
             <a:r>
-              <a:rPr lang="en-GB" sz="1700">
+              <a:rPr lang="en-GB" sz="1700" dirty="0">
                 <a:solidFill>
                   <a:schemeClr val="dk1"/>
                 </a:solidFill>
@@ -12172,7 +12608,7 @@
               <a:t> </a:t>
             </a:r>
             <a:r>
-              <a:rPr lang="en-GB" sz="1700">
+              <a:rPr lang="en-GB" sz="1700" dirty="0">
                 <a:solidFill>
                   <a:srgbClr val="21439C"/>
                 </a:solidFill>
@@ -12187,7 +12623,7 @@
               <a:t>A</a:t>
             </a:r>
             <a:r>
-              <a:rPr lang="en-GB" sz="1700">
+              <a:rPr lang="en-GB" sz="1700" dirty="0">
                 <a:solidFill>
                   <a:schemeClr val="dk1"/>
                 </a:solidFill>
@@ -12202,7 +12638,7 @@
               <a:t>(</a:t>
             </a:r>
             <a:r>
-              <a:rPr lang="en-GB" sz="1700">
+              <a:rPr lang="en-GB" sz="1700" dirty="0">
                 <a:solidFill>
                   <a:srgbClr val="A535AE"/>
                 </a:solidFill>
@@ -12217,7 +12653,7 @@
               <a:t>object</a:t>
             </a:r>
             <a:r>
-              <a:rPr lang="en-GB" sz="1700">
+              <a:rPr lang="en-GB" sz="1700" dirty="0">
                 <a:solidFill>
                   <a:schemeClr val="dk1"/>
                 </a:solidFill>
@@ -12232,7 +12668,7 @@
               <a:t>):  </a:t>
             </a:r>
             <a:br>
-              <a:rPr lang="en-GB" sz="1700">
+              <a:rPr lang="en-GB" sz="1700" dirty="0">
                 <a:solidFill>
                   <a:schemeClr val="dk1"/>
                 </a:solidFill>
@@ -12246,7 +12682,7 @@
               </a:rPr>
             </a:br>
             <a:r>
-              <a:rPr lang="en-GB" sz="1700">
+              <a:rPr lang="en-GB" sz="1700" dirty="0">
                 <a:solidFill>
                   <a:schemeClr val="dk1"/>
                 </a:solidFill>
@@ -12261,7 +12697,7 @@
               <a:t>    </a:t>
             </a:r>
             <a:r>
-              <a:rPr lang="en-GB" sz="1700">
+              <a:rPr lang="en-GB" sz="1700" dirty="0" err="1">
                 <a:solidFill>
                   <a:srgbClr val="FF5600"/>
                 </a:solidFill>
@@ -12276,7 +12712,7 @@
               <a:t>def</a:t>
             </a:r>
             <a:r>
-              <a:rPr lang="en-GB" sz="1700">
+              <a:rPr lang="en-GB" sz="1700" dirty="0">
                 <a:solidFill>
                   <a:schemeClr val="dk1"/>
                 </a:solidFill>
@@ -12291,7 +12727,7 @@
               <a:t> </a:t>
             </a:r>
             <a:r>
-              <a:rPr lang="en-GB" sz="1700">
+              <a:rPr lang="en-GB" sz="1700" dirty="0">
                 <a:solidFill>
                   <a:srgbClr val="21439C"/>
                 </a:solidFill>
@@ -12306,7 +12742,7 @@
               <a:t>method</a:t>
             </a:r>
             <a:r>
-              <a:rPr lang="en-GB" sz="1700">
+              <a:rPr lang="en-GB" sz="1700" dirty="0">
                 <a:solidFill>
                   <a:schemeClr val="dk1"/>
                 </a:solidFill>
@@ -12318,10 +12754,10 @@
                 <a:cs typeface="Courier New"/>
                 <a:sym typeface="Courier New"/>
               </a:rPr>
-              <a:t>(self, arg):    </a:t>
+              <a:t>(self, </a:t>
             </a:r>
-            <a:br>
-              <a:rPr lang="en-GB" sz="1700">
+            <a:r>
+              <a:rPr lang="en-GB" sz="1700" dirty="0" err="1">
                 <a:solidFill>
                   <a:schemeClr val="dk1"/>
                 </a:solidFill>
@@ -12333,9 +12769,10 @@
                 <a:cs typeface="Courier New"/>
                 <a:sym typeface="Courier New"/>
               </a:rPr>
-            </a:br>
+              <a:t>arg</a:t>
+            </a:r>
             <a:r>
-              <a:rPr lang="en-GB" sz="1700">
+              <a:rPr lang="en-GB" sz="1700" dirty="0">
                 <a:solidFill>
                   <a:schemeClr val="dk1"/>
                 </a:solidFill>
@@ -12347,12 +12784,12 @@
                 <a:cs typeface="Courier New"/>
                 <a:sym typeface="Courier New"/>
               </a:rPr>
-              <a:t>        </a:t>
+              <a:t>):    </a:t>
             </a:r>
-            <a:r>
-              <a:rPr lang="en-GB" sz="1700">
-                <a:solidFill>
-                  <a:srgbClr val="FF5600"/>
+            <a:br>
+              <a:rPr lang="en-GB" sz="1700" dirty="0">
+                <a:solidFill>
+                  <a:schemeClr val="dk1"/>
                 </a:solidFill>
                 <a:highlight>
                   <a:srgbClr val="FFFFFF"/>
@@ -12362,10 +12799,9 @@
                 <a:cs typeface="Courier New"/>
                 <a:sym typeface="Courier New"/>
               </a:rPr>
-              <a:t>pass</a:t>
-            </a:r>
+            </a:br>
             <a:r>
-              <a:rPr lang="en-GB" sz="1700">
+              <a:rPr lang="en-GB" sz="1700" dirty="0">
                 <a:solidFill>
                   <a:schemeClr val="dk1"/>
                 </a:solidFill>
@@ -12377,12 +12813,12 @@
                 <a:cs typeface="Courier New"/>
                 <a:sym typeface="Courier New"/>
               </a:rPr>
-              <a:t>  </a:t>
+              <a:t>        </a:t>
             </a:r>
-            <a:br>
-              <a:rPr lang="en-GB" sz="1700">
-                <a:solidFill>
-                  <a:schemeClr val="dk1"/>
+            <a:r>
+              <a:rPr lang="en-GB" sz="1700" dirty="0">
+                <a:solidFill>
+                  <a:srgbClr val="FF5600"/>
                 </a:solidFill>
                 <a:highlight>
                   <a:srgbClr val="FFFFFF"/>
@@ -12392,9 +12828,10 @@
                 <a:cs typeface="Courier New"/>
                 <a:sym typeface="Courier New"/>
               </a:rPr>
-            </a:br>
+              <a:t>pass</a:t>
+            </a:r>
             <a:r>
-              <a:rPr lang="en-GB" sz="1700">
+              <a:rPr lang="en-GB" sz="1700" dirty="0">
                 <a:solidFill>
                   <a:schemeClr val="dk1"/>
                 </a:solidFill>
@@ -12409,7 +12846,7 @@
               <a:t>  </a:t>
             </a:r>
             <a:br>
-              <a:rPr lang="en-GB" sz="1700">
+              <a:rPr lang="en-GB" sz="1700" dirty="0">
                 <a:solidFill>
                   <a:schemeClr val="dk1"/>
                 </a:solidFill>
@@ -12423,9 +12860,9 @@
               </a:rPr>
             </a:br>
             <a:r>
-              <a:rPr lang="en-GB" sz="1700">
-                <a:solidFill>
-                  <a:srgbClr val="FF5600"/>
+              <a:rPr lang="en-GB" sz="1700" dirty="0">
+                <a:solidFill>
+                  <a:schemeClr val="dk1"/>
                 </a:solidFill>
                 <a:highlight>
                   <a:srgbClr val="FFFFFF"/>
@@ -12435,10 +12872,10 @@
                 <a:cs typeface="Courier New"/>
                 <a:sym typeface="Courier New"/>
               </a:rPr>
-              <a:t>class</a:t>
+              <a:t>  </a:t>
             </a:r>
-            <a:r>
-              <a:rPr lang="en-GB" sz="1700">
+            <a:br>
+              <a:rPr lang="en-GB" sz="1700" dirty="0">
                 <a:solidFill>
                   <a:schemeClr val="dk1"/>
                 </a:solidFill>
@@ -12450,12 +12887,11 @@
                 <a:cs typeface="Courier New"/>
                 <a:sym typeface="Courier New"/>
               </a:rPr>
-              <a:t> </a:t>
-            </a:r>
+            </a:br>
             <a:r>
-              <a:rPr lang="en-GB" sz="1700">
-                <a:solidFill>
-                  <a:srgbClr val="21439C"/>
+              <a:rPr lang="en-GB" sz="1700" dirty="0">
+                <a:solidFill>
+                  <a:srgbClr val="FF5600"/>
                 </a:solidFill>
                 <a:highlight>
                   <a:srgbClr val="FFFFFF"/>
@@ -12465,10 +12901,10 @@
                 <a:cs typeface="Courier New"/>
                 <a:sym typeface="Courier New"/>
               </a:rPr>
-              <a:t>B</a:t>
+              <a:t>class</a:t>
             </a:r>
             <a:r>
-              <a:rPr lang="en-GB" sz="1700">
+              <a:rPr lang="en-GB" sz="1700" dirty="0">
                 <a:solidFill>
                   <a:schemeClr val="dk1"/>
                 </a:solidFill>
@@ -12480,12 +12916,12 @@
                 <a:cs typeface="Courier New"/>
                 <a:sym typeface="Courier New"/>
               </a:rPr>
-              <a:t>(A):  </a:t>
+              <a:t> </a:t>
             </a:r>
-            <a:br>
-              <a:rPr lang="en-GB" sz="1700">
-                <a:solidFill>
-                  <a:schemeClr val="dk1"/>
+            <a:r>
+              <a:rPr lang="en-GB" sz="1700" dirty="0">
+                <a:solidFill>
+                  <a:srgbClr val="21439C"/>
                 </a:solidFill>
                 <a:highlight>
                   <a:srgbClr val="FFFFFF"/>
@@ -12495,9 +12931,10 @@
                 <a:cs typeface="Courier New"/>
                 <a:sym typeface="Courier New"/>
               </a:rPr>
-            </a:br>
+              <a:t>B</a:t>
+            </a:r>
             <a:r>
-              <a:rPr lang="en-GB" sz="1700">
+              <a:rPr lang="en-GB" sz="1700" dirty="0">
                 <a:solidFill>
                   <a:schemeClr val="dk1"/>
                 </a:solidFill>
@@ -12509,12 +12946,12 @@
                 <a:cs typeface="Courier New"/>
                 <a:sym typeface="Courier New"/>
               </a:rPr>
-              <a:t>    </a:t>
+              <a:t>(A):  </a:t>
             </a:r>
-            <a:r>
-              <a:rPr lang="en-GB" sz="1700">
-                <a:solidFill>
-                  <a:srgbClr val="FF5600"/>
+            <a:br>
+              <a:rPr lang="en-GB" sz="1700" dirty="0">
+                <a:solidFill>
+                  <a:schemeClr val="dk1"/>
                 </a:solidFill>
                 <a:highlight>
                   <a:srgbClr val="FFFFFF"/>
@@ -12524,10 +12961,9 @@
                 <a:cs typeface="Courier New"/>
                 <a:sym typeface="Courier New"/>
               </a:rPr>
-              <a:t>def</a:t>
-            </a:r>
+            </a:br>
             <a:r>
-              <a:rPr lang="en-GB" sz="1700">
+              <a:rPr lang="en-GB" sz="1700" dirty="0">
                 <a:solidFill>
                   <a:schemeClr val="dk1"/>
                 </a:solidFill>
@@ -12539,12 +12975,12 @@
                 <a:cs typeface="Courier New"/>
                 <a:sym typeface="Courier New"/>
               </a:rPr>
-              <a:t> </a:t>
+              <a:t>    </a:t>
             </a:r>
             <a:r>
-              <a:rPr lang="en-GB" sz="1700">
-                <a:solidFill>
-                  <a:srgbClr val="21439C"/>
+              <a:rPr lang="en-GB" sz="1700" dirty="0" err="1">
+                <a:solidFill>
+                  <a:srgbClr val="FF5600"/>
                 </a:solidFill>
                 <a:highlight>
                   <a:srgbClr val="FFFFFF"/>
@@ -12554,10 +12990,10 @@
                 <a:cs typeface="Courier New"/>
                 <a:sym typeface="Courier New"/>
               </a:rPr>
-              <a:t>method</a:t>
+              <a:t>def</a:t>
             </a:r>
             <a:r>
-              <a:rPr lang="en-GB" sz="1700">
+              <a:rPr lang="en-GB" sz="1700" dirty="0">
                 <a:solidFill>
                   <a:schemeClr val="dk1"/>
                 </a:solidFill>
@@ -12569,12 +13005,12 @@
                 <a:cs typeface="Courier New"/>
                 <a:sym typeface="Courier New"/>
               </a:rPr>
-              <a:t>(self, arg):  </a:t>
+              <a:t> </a:t>
             </a:r>
-            <a:br>
-              <a:rPr lang="en-GB" sz="1700">
-                <a:solidFill>
-                  <a:schemeClr val="dk1"/>
+            <a:r>
+              <a:rPr lang="en-GB" sz="1700" dirty="0">
+                <a:solidFill>
+                  <a:srgbClr val="21439C"/>
                 </a:solidFill>
                 <a:highlight>
                   <a:srgbClr val="FFFFFF"/>
@@ -12584,9 +13020,10 @@
                 <a:cs typeface="Courier New"/>
                 <a:sym typeface="Courier New"/>
               </a:rPr>
-            </a:br>
+              <a:t>method</a:t>
+            </a:r>
             <a:r>
-              <a:rPr lang="en-GB" sz="1700">
+              <a:rPr lang="en-GB" sz="1700" dirty="0">
                 <a:solidFill>
                   <a:schemeClr val="dk1"/>
                 </a:solidFill>
@@ -12598,12 +13035,12 @@
                 <a:cs typeface="Courier New"/>
                 <a:sym typeface="Courier New"/>
               </a:rPr>
-              <a:t>        </a:t>
+              <a:t>(self, </a:t>
             </a:r>
             <a:r>
-              <a:rPr lang="en-GB" sz="1700">
-                <a:solidFill>
-                  <a:srgbClr val="A535AE"/>
+              <a:rPr lang="en-GB" sz="1700" dirty="0" err="1">
+                <a:solidFill>
+                  <a:schemeClr val="dk1"/>
                 </a:solidFill>
                 <a:highlight>
                   <a:srgbClr val="FFFFFF"/>
@@ -12613,10 +13050,10 @@
                 <a:cs typeface="Courier New"/>
                 <a:sym typeface="Courier New"/>
               </a:rPr>
-              <a:t>super</a:t>
+              <a:t>arg</a:t>
             </a:r>
             <a:r>
-              <a:rPr lang="en-GB" sz="1700">
+              <a:rPr lang="en-GB" sz="1700" dirty="0">
                 <a:solidFill>
                   <a:schemeClr val="dk1"/>
                 </a:solidFill>
@@ -12628,9 +13065,106 @@
                 <a:cs typeface="Courier New"/>
                 <a:sym typeface="Courier New"/>
               </a:rPr>
-              <a:t>(B, self).method(arg)</a:t>
+              <a:t>):  </a:t>
             </a:r>
-            <a:endParaRPr lang="en-GB" sz="1700">
+            <a:br>
+              <a:rPr lang="en-GB" sz="1700" dirty="0">
+                <a:solidFill>
+                  <a:schemeClr val="dk1"/>
+                </a:solidFill>
+                <a:highlight>
+                  <a:srgbClr val="FFFFFF"/>
+                </a:highlight>
+                <a:latin typeface="Courier New"/>
+                <a:ea typeface="Courier New"/>
+                <a:cs typeface="Courier New"/>
+                <a:sym typeface="Courier New"/>
+              </a:rPr>
+            </a:br>
+            <a:r>
+              <a:rPr lang="en-GB" sz="1700" dirty="0">
+                <a:solidFill>
+                  <a:schemeClr val="dk1"/>
+                </a:solidFill>
+                <a:highlight>
+                  <a:srgbClr val="FFFFFF"/>
+                </a:highlight>
+                <a:latin typeface="Courier New"/>
+                <a:ea typeface="Courier New"/>
+                <a:cs typeface="Courier New"/>
+                <a:sym typeface="Courier New"/>
+              </a:rPr>
+              <a:t>        </a:t>
+            </a:r>
+            <a:r>
+              <a:rPr lang="en-GB" sz="1700" dirty="0">
+                <a:solidFill>
+                  <a:srgbClr val="A535AE"/>
+                </a:solidFill>
+                <a:highlight>
+                  <a:srgbClr val="FFFFFF"/>
+                </a:highlight>
+                <a:latin typeface="Courier New"/>
+                <a:ea typeface="Courier New"/>
+                <a:cs typeface="Courier New"/>
+                <a:sym typeface="Courier New"/>
+              </a:rPr>
+              <a:t>super</a:t>
+            </a:r>
+            <a:r>
+              <a:rPr lang="en-GB" sz="1700" dirty="0">
+                <a:solidFill>
+                  <a:schemeClr val="dk1"/>
+                </a:solidFill>
+                <a:highlight>
+                  <a:srgbClr val="FFFFFF"/>
+                </a:highlight>
+                <a:latin typeface="Courier New"/>
+                <a:ea typeface="Courier New"/>
+                <a:cs typeface="Courier New"/>
+                <a:sym typeface="Courier New"/>
+              </a:rPr>
+              <a:t>(B, self).method(</a:t>
+            </a:r>
+            <a:r>
+              <a:rPr lang="en-GB" sz="1700" dirty="0" err="1">
+                <a:solidFill>
+                  <a:schemeClr val="dk1"/>
+                </a:solidFill>
+                <a:highlight>
+                  <a:srgbClr val="FFFFFF"/>
+                </a:highlight>
+                <a:latin typeface="Courier New"/>
+                <a:ea typeface="Courier New"/>
+                <a:cs typeface="Courier New"/>
+                <a:sym typeface="Courier New"/>
+              </a:rPr>
+              <a:t>arg</a:t>
+            </a:r>
+            <a:r>
+              <a:rPr lang="en-GB" sz="1700" dirty="0">
+                <a:solidFill>
+                  <a:schemeClr val="dk1"/>
+                </a:solidFill>
+                <a:highlight>
+                  <a:srgbClr val="FFFFFF"/>
+                </a:highlight>
+                <a:latin typeface="Courier New"/>
+                <a:ea typeface="Courier New"/>
+                <a:cs typeface="Courier New"/>
+                <a:sym typeface="Courier New"/>
+              </a:rPr>
+              <a:t>)</a:t>
+            </a:r>
+          </a:p>
+          <a:p>
+            <a:pPr lvl="0">
+              <a:spcBef>
+                <a:spcPts val="0"/>
+              </a:spcBef>
+              <a:buNone/>
+            </a:pPr>
+            <a:endParaRPr lang="en-GB" sz="1700" dirty="0">
               <a:solidFill>
                 <a:schemeClr val="dk1"/>
               </a:solidFill>
@@ -12643,13 +13177,47 @@
               <a:sym typeface="Courier New"/>
             </a:endParaRPr>
           </a:p>
+        </p:txBody>
+      </p:sp>
+      <p:sp>
+        <p:nvSpPr>
+          <p:cNvPr id="2" name="矩形 1"/>
+          <p:cNvSpPr/>
+          <p:nvPr/>
+        </p:nvSpPr>
+        <p:spPr>
+          <a:xfrm>
+            <a:off x="3461955" y="917248"/>
+            <a:ext cx="4729116" cy="553998"/>
+          </a:xfrm>
+          <a:prstGeom prst="rect">
+            <a:avLst/>
+          </a:prstGeom>
+        </p:spPr>
+        <p:txBody>
+          <a:bodyPr wrap="square">
+            <a:spAutoFit/>
+          </a:bodyPr>
+          <a:lstStyle/>
           <a:p>
-            <a:pPr lvl="0">
-              <a:spcBef>
-                <a:spcPts val="0"/>
-              </a:spcBef>
-              <a:buNone/>
-            </a:pPr>
+            <a:pPr algn="ctr"/>
+            <a:r>
+              <a:rPr lang="zh-CN" altLang="en-US" sz="3000" b="1" dirty="0">
+                <a:solidFill>
+                  <a:srgbClr val="C00000"/>
+                </a:solidFill>
+                <a:latin typeface="微软雅黑" panose="020B0503020204020204" pitchFamily="34" charset="-122"/>
+                <a:ea typeface="微软雅黑" panose="020B0503020204020204" pitchFamily="34" charset="-122"/>
+              </a:rPr>
+              <a:t>类的继承</a:t>
+            </a:r>
+            <a:endParaRPr lang="zh-CN" altLang="en-US" sz="3000" b="1" dirty="0">
+              <a:solidFill>
+                <a:srgbClr val="C00000"/>
+              </a:solidFill>
+              <a:latin typeface="微软雅黑" panose="020B0503020204020204" pitchFamily="34" charset="-122"/>
+              <a:ea typeface="微软雅黑" panose="020B0503020204020204" pitchFamily="34" charset="-122"/>
+            </a:endParaRPr>
           </a:p>
         </p:txBody>
       </p:sp>
@@ -12722,14 +13290,14 @@
                 </p:childTnLst>
               </p:cTn>
               <p:prevCondLst>
-                <p:cond evt="onPrev">
+                <p:cond evt="onPrev" delay="0">
                   <p:tgtEl>
                     <p:sldTgt/>
                   </p:tgtEl>
                 </p:cond>
               </p:prevCondLst>
               <p:nextCondLst>
-                <p:cond evt="onNext">
+                <p:cond evt="onNext" delay="0">
                   <p:tgtEl>
                     <p:sldTgt/>
                   </p:tgtEl>
@@ -12749,7 +13317,7 @@
   <p:cSld>
     <p:spTree>
       <p:nvGrpSpPr>
-        <p:cNvPr id="106" name="Shape 106"/>
+        <p:cNvPr id="1" name="Shape 106"/>
         <p:cNvGrpSpPr/>
         <p:nvPr/>
       </p:nvGrpSpPr>
@@ -12764,15 +13332,17 @@
       <p:sp>
         <p:nvSpPr>
           <p:cNvPr id="107" name="Shape 107"/>
-          <p:cNvSpPr txBox="1"/>
+          <p:cNvSpPr txBox="1">
+            <a:spLocks noGrp="1"/>
+          </p:cNvSpPr>
           <p:nvPr>
             <p:ph type="title"/>
           </p:nvPr>
         </p:nvSpPr>
         <p:spPr>
           <a:xfrm>
-            <a:off x="838200" y="380575"/>
-            <a:ext cx="10515600" cy="1325700"/>
+            <a:off x="1776249" y="1310741"/>
+            <a:ext cx="6248400" cy="1132915"/>
           </a:xfrm>
           <a:prstGeom prst="rect">
             <a:avLst/>
@@ -12806,7 +13376,7 @@
               <a:buNone/>
             </a:pPr>
             <a:r>
-              <a:rPr lang="en-GB" sz="2200">
+              <a:rPr lang="en-GB" sz="2200" dirty="0" err="1">
                 <a:solidFill>
                   <a:srgbClr val="C9394A"/>
                 </a:solidFill>
@@ -12817,7 +13387,7 @@
               </a:rPr>
               <a:t>用类名调用父类的方法</a:t>
             </a:r>
-            <a:endParaRPr lang="en-GB" sz="2200">
+            <a:endParaRPr lang="en-GB" sz="2200" dirty="0">
               <a:solidFill>
                 <a:srgbClr val="C9394A"/>
               </a:solidFill>
@@ -12837,8 +13407,8 @@
         </p:nvSpPr>
         <p:spPr>
           <a:xfrm>
-            <a:off x="900550" y="1706275"/>
-            <a:ext cx="9850500" cy="3693900"/>
+            <a:off x="1776249" y="2533964"/>
+            <a:ext cx="7627882" cy="3062795"/>
           </a:xfrm>
           <a:prstGeom prst="rect">
             <a:avLst/>
@@ -12864,7 +13434,7 @@
               <a:buNone/>
             </a:pPr>
             <a:r>
-              <a:rPr lang="en-GB" sz="1700">
+              <a:rPr lang="en-GB" sz="1700" dirty="0">
                 <a:solidFill>
                   <a:srgbClr val="FF5600"/>
                 </a:solidFill>
@@ -12879,7 +13449,7 @@
               <a:t>class</a:t>
             </a:r>
             <a:r>
-              <a:rPr lang="en-GB" sz="1700">
+              <a:rPr lang="en-GB" sz="1700" dirty="0">
                 <a:solidFill>
                   <a:schemeClr val="dk1"/>
                 </a:solidFill>
@@ -12894,7 +13464,7 @@
               <a:t> </a:t>
             </a:r>
             <a:r>
-              <a:rPr lang="en-GB" sz="1700">
+              <a:rPr lang="en-GB" sz="1700" dirty="0">
                 <a:solidFill>
                   <a:srgbClr val="21439C"/>
                 </a:solidFill>
@@ -12909,7 +13479,7 @@
               <a:t>A</a:t>
             </a:r>
             <a:r>
-              <a:rPr lang="en-GB" sz="1700">
+              <a:rPr lang="en-GB" sz="1700" dirty="0">
                 <a:solidFill>
                   <a:schemeClr val="dk1"/>
                 </a:solidFill>
@@ -12924,7 +13494,7 @@
               <a:t>(</a:t>
             </a:r>
             <a:r>
-              <a:rPr lang="en-GB" sz="1700">
+              <a:rPr lang="en-GB" sz="1700" dirty="0">
                 <a:solidFill>
                   <a:srgbClr val="A535AE"/>
                 </a:solidFill>
@@ -12939,7 +13509,7 @@
               <a:t>object</a:t>
             </a:r>
             <a:r>
-              <a:rPr lang="en-GB" sz="1700">
+              <a:rPr lang="en-GB" sz="1700" dirty="0">
                 <a:solidFill>
                   <a:schemeClr val="dk1"/>
                 </a:solidFill>
@@ -12954,7 +13524,7 @@
               <a:t>):  </a:t>
             </a:r>
             <a:br>
-              <a:rPr lang="en-GB" sz="1700">
+              <a:rPr lang="en-GB" sz="1700" dirty="0">
                 <a:solidFill>
                   <a:schemeClr val="dk1"/>
                 </a:solidFill>
@@ -12968,7 +13538,7 @@
               </a:rPr>
             </a:br>
             <a:r>
-              <a:rPr lang="en-GB" sz="1700">
+              <a:rPr lang="en-GB" sz="1700" dirty="0">
                 <a:solidFill>
                   <a:schemeClr val="dk1"/>
                 </a:solidFill>
@@ -12983,7 +13553,7 @@
               <a:t>    </a:t>
             </a:r>
             <a:r>
-              <a:rPr lang="en-GB" sz="1700">
+              <a:rPr lang="en-GB" sz="1700" dirty="0" err="1">
                 <a:solidFill>
                   <a:srgbClr val="FF5600"/>
                 </a:solidFill>
@@ -12998,7 +13568,7 @@
               <a:t>def</a:t>
             </a:r>
             <a:r>
-              <a:rPr lang="en-GB" sz="1700">
+              <a:rPr lang="en-GB" sz="1700" dirty="0">
                 <a:solidFill>
                   <a:schemeClr val="dk1"/>
                 </a:solidFill>
@@ -13013,7 +13583,7 @@
               <a:t> </a:t>
             </a:r>
             <a:r>
-              <a:rPr lang="en-GB" sz="1700">
+              <a:rPr lang="en-GB" sz="1700" dirty="0">
                 <a:solidFill>
                   <a:srgbClr val="21439C"/>
                 </a:solidFill>
@@ -13028,7 +13598,7 @@
               <a:t>method</a:t>
             </a:r>
             <a:r>
-              <a:rPr lang="en-GB" sz="1700">
+              <a:rPr lang="en-GB" sz="1700" dirty="0">
                 <a:solidFill>
                   <a:schemeClr val="dk1"/>
                 </a:solidFill>
@@ -13040,10 +13610,10 @@
                 <a:cs typeface="Courier New"/>
                 <a:sym typeface="Courier New"/>
               </a:rPr>
-              <a:t>(self, arg):    </a:t>
+              <a:t>(self, </a:t>
             </a:r>
-            <a:br>
-              <a:rPr lang="en-GB" sz="1700">
+            <a:r>
+              <a:rPr lang="en-GB" sz="1700" dirty="0" err="1">
                 <a:solidFill>
                   <a:schemeClr val="dk1"/>
                 </a:solidFill>
@@ -13055,9 +13625,10 @@
                 <a:cs typeface="Courier New"/>
                 <a:sym typeface="Courier New"/>
               </a:rPr>
-            </a:br>
+              <a:t>arg</a:t>
+            </a:r>
             <a:r>
-              <a:rPr lang="en-GB" sz="1700">
+              <a:rPr lang="en-GB" sz="1700" dirty="0">
                 <a:solidFill>
                   <a:schemeClr val="dk1"/>
                 </a:solidFill>
@@ -13069,12 +13640,12 @@
                 <a:cs typeface="Courier New"/>
                 <a:sym typeface="Courier New"/>
               </a:rPr>
-              <a:t>        </a:t>
+              <a:t>):    </a:t>
             </a:r>
-            <a:r>
-              <a:rPr lang="en-GB" sz="1700">
-                <a:solidFill>
-                  <a:srgbClr val="FF5600"/>
+            <a:br>
+              <a:rPr lang="en-GB" sz="1700" dirty="0">
+                <a:solidFill>
+                  <a:schemeClr val="dk1"/>
                 </a:solidFill>
                 <a:highlight>
                   <a:srgbClr val="FFFFFF"/>
@@ -13084,10 +13655,9 @@
                 <a:cs typeface="Courier New"/>
                 <a:sym typeface="Courier New"/>
               </a:rPr>
-              <a:t>pass</a:t>
-            </a:r>
+            </a:br>
             <a:r>
-              <a:rPr lang="en-GB" sz="1700">
+              <a:rPr lang="en-GB" sz="1700" dirty="0">
                 <a:solidFill>
                   <a:schemeClr val="dk1"/>
                 </a:solidFill>
@@ -13099,12 +13669,12 @@
                 <a:cs typeface="Courier New"/>
                 <a:sym typeface="Courier New"/>
               </a:rPr>
-              <a:t>  </a:t>
+              <a:t>        </a:t>
             </a:r>
-            <a:br>
-              <a:rPr lang="en-GB" sz="1700">
-                <a:solidFill>
-                  <a:schemeClr val="dk1"/>
+            <a:r>
+              <a:rPr lang="en-GB" sz="1700" dirty="0">
+                <a:solidFill>
+                  <a:srgbClr val="FF5600"/>
                 </a:solidFill>
                 <a:highlight>
                   <a:srgbClr val="FFFFFF"/>
@@ -13114,9 +13684,10 @@
                 <a:cs typeface="Courier New"/>
                 <a:sym typeface="Courier New"/>
               </a:rPr>
-            </a:br>
+              <a:t>pass</a:t>
+            </a:r>
             <a:r>
-              <a:rPr lang="en-GB" sz="1700">
+              <a:rPr lang="en-GB" sz="1700" dirty="0">
                 <a:solidFill>
                   <a:schemeClr val="dk1"/>
                 </a:solidFill>
@@ -13131,7 +13702,7 @@
               <a:t>  </a:t>
             </a:r>
             <a:br>
-              <a:rPr lang="en-GB" sz="1700">
+              <a:rPr lang="en-GB" sz="1700" dirty="0">
                 <a:solidFill>
                   <a:schemeClr val="dk1"/>
                 </a:solidFill>
@@ -13145,9 +13716,9 @@
               </a:rPr>
             </a:br>
             <a:r>
-              <a:rPr lang="en-GB" sz="1700">
-                <a:solidFill>
-                  <a:srgbClr val="FF5600"/>
+              <a:rPr lang="en-GB" sz="1700" dirty="0">
+                <a:solidFill>
+                  <a:schemeClr val="dk1"/>
                 </a:solidFill>
                 <a:highlight>
                   <a:srgbClr val="FFFFFF"/>
@@ -13157,10 +13728,10 @@
                 <a:cs typeface="Courier New"/>
                 <a:sym typeface="Courier New"/>
               </a:rPr>
-              <a:t>class</a:t>
+              <a:t>  </a:t>
             </a:r>
-            <a:r>
-              <a:rPr lang="en-GB" sz="1700">
+            <a:br>
+              <a:rPr lang="en-GB" sz="1700" dirty="0">
                 <a:solidFill>
                   <a:schemeClr val="dk1"/>
                 </a:solidFill>
@@ -13172,12 +13743,11 @@
                 <a:cs typeface="Courier New"/>
                 <a:sym typeface="Courier New"/>
               </a:rPr>
-              <a:t> </a:t>
-            </a:r>
+            </a:br>
             <a:r>
-              <a:rPr lang="en-GB" sz="1700">
-                <a:solidFill>
-                  <a:srgbClr val="21439C"/>
+              <a:rPr lang="en-GB" sz="1700" dirty="0">
+                <a:solidFill>
+                  <a:srgbClr val="FF5600"/>
                 </a:solidFill>
                 <a:highlight>
                   <a:srgbClr val="FFFFFF"/>
@@ -13187,10 +13757,10 @@
                 <a:cs typeface="Courier New"/>
                 <a:sym typeface="Courier New"/>
               </a:rPr>
-              <a:t>B</a:t>
+              <a:t>class</a:t>
             </a:r>
             <a:r>
-              <a:rPr lang="en-GB" sz="1700">
+              <a:rPr lang="en-GB" sz="1700" dirty="0">
                 <a:solidFill>
                   <a:schemeClr val="dk1"/>
                 </a:solidFill>
@@ -13202,12 +13772,12 @@
                 <a:cs typeface="Courier New"/>
                 <a:sym typeface="Courier New"/>
               </a:rPr>
-              <a:t>(A):  </a:t>
+              <a:t> </a:t>
             </a:r>
-            <a:br>
-              <a:rPr lang="en-GB" sz="1700">
-                <a:solidFill>
-                  <a:schemeClr val="dk1"/>
+            <a:r>
+              <a:rPr lang="en-GB" sz="1700" dirty="0">
+                <a:solidFill>
+                  <a:srgbClr val="21439C"/>
                 </a:solidFill>
                 <a:highlight>
                   <a:srgbClr val="FFFFFF"/>
@@ -13217,9 +13787,10 @@
                 <a:cs typeface="Courier New"/>
                 <a:sym typeface="Courier New"/>
               </a:rPr>
-            </a:br>
+              <a:t>B</a:t>
+            </a:r>
             <a:r>
-              <a:rPr lang="en-GB" sz="1700">
+              <a:rPr lang="en-GB" sz="1700" dirty="0">
                 <a:solidFill>
                   <a:schemeClr val="dk1"/>
                 </a:solidFill>
@@ -13231,12 +13802,12 @@
                 <a:cs typeface="Courier New"/>
                 <a:sym typeface="Courier New"/>
               </a:rPr>
-              <a:t>    </a:t>
+              <a:t>(A):  </a:t>
             </a:r>
-            <a:r>
-              <a:rPr lang="en-GB" sz="1700">
-                <a:solidFill>
-                  <a:srgbClr val="FF5600"/>
+            <a:br>
+              <a:rPr lang="en-GB" sz="1700" dirty="0">
+                <a:solidFill>
+                  <a:schemeClr val="dk1"/>
                 </a:solidFill>
                 <a:highlight>
                   <a:srgbClr val="FFFFFF"/>
@@ -13246,10 +13817,9 @@
                 <a:cs typeface="Courier New"/>
                 <a:sym typeface="Courier New"/>
               </a:rPr>
-              <a:t>def</a:t>
-            </a:r>
+            </a:br>
             <a:r>
-              <a:rPr lang="en-GB" sz="1700">
+              <a:rPr lang="en-GB" sz="1700" dirty="0">
                 <a:solidFill>
                   <a:schemeClr val="dk1"/>
                 </a:solidFill>
@@ -13261,12 +13831,12 @@
                 <a:cs typeface="Courier New"/>
                 <a:sym typeface="Courier New"/>
               </a:rPr>
-              <a:t> </a:t>
+              <a:t>    </a:t>
             </a:r>
             <a:r>
-              <a:rPr lang="en-GB" sz="1700">
-                <a:solidFill>
-                  <a:srgbClr val="21439C"/>
+              <a:rPr lang="en-GB" sz="1700" dirty="0" err="1">
+                <a:solidFill>
+                  <a:srgbClr val="FF5600"/>
                 </a:solidFill>
                 <a:highlight>
                   <a:srgbClr val="FFFFFF"/>
@@ -13276,10 +13846,10 @@
                 <a:cs typeface="Courier New"/>
                 <a:sym typeface="Courier New"/>
               </a:rPr>
-              <a:t>method</a:t>
+              <a:t>def</a:t>
             </a:r>
             <a:r>
-              <a:rPr lang="en-GB" sz="1700">
+              <a:rPr lang="en-GB" sz="1700" dirty="0">
                 <a:solidFill>
                   <a:schemeClr val="dk1"/>
                 </a:solidFill>
@@ -13291,12 +13861,12 @@
                 <a:cs typeface="Courier New"/>
                 <a:sym typeface="Courier New"/>
               </a:rPr>
-              <a:t>(self, arg):  </a:t>
+              <a:t> </a:t>
             </a:r>
-            <a:br>
-              <a:rPr lang="en-GB" sz="1700">
-                <a:solidFill>
-                  <a:schemeClr val="dk1"/>
+            <a:r>
+              <a:rPr lang="en-GB" sz="1700" dirty="0">
+                <a:solidFill>
+                  <a:srgbClr val="21439C"/>
                 </a:solidFill>
                 <a:highlight>
                   <a:srgbClr val="FFFFFF"/>
@@ -13306,9 +13876,10 @@
                 <a:cs typeface="Courier New"/>
                 <a:sym typeface="Courier New"/>
               </a:rPr>
-            </a:br>
+              <a:t>method</a:t>
+            </a:r>
             <a:r>
-              <a:rPr lang="en-GB" sz="1700">
+              <a:rPr lang="en-GB" sz="1700" dirty="0">
                 <a:solidFill>
                   <a:schemeClr val="dk1"/>
                 </a:solidFill>
@@ -13320,9 +13891,136 @@
                 <a:cs typeface="Courier New"/>
                 <a:sym typeface="Courier New"/>
               </a:rPr>
-              <a:t>        A.method(arg)</a:t>
+              <a:t>(self, </a:t>
             </a:r>
-            <a:endParaRPr lang="en-GB" sz="1700">
+            <a:r>
+              <a:rPr lang="en-GB" sz="1700" dirty="0" err="1">
+                <a:solidFill>
+                  <a:schemeClr val="dk1"/>
+                </a:solidFill>
+                <a:highlight>
+                  <a:srgbClr val="FFFFFF"/>
+                </a:highlight>
+                <a:latin typeface="Courier New"/>
+                <a:ea typeface="Courier New"/>
+                <a:cs typeface="Courier New"/>
+                <a:sym typeface="Courier New"/>
+              </a:rPr>
+              <a:t>arg</a:t>
+            </a:r>
+            <a:r>
+              <a:rPr lang="en-GB" sz="1700" dirty="0">
+                <a:solidFill>
+                  <a:schemeClr val="dk1"/>
+                </a:solidFill>
+                <a:highlight>
+                  <a:srgbClr val="FFFFFF"/>
+                </a:highlight>
+                <a:latin typeface="Courier New"/>
+                <a:ea typeface="Courier New"/>
+                <a:cs typeface="Courier New"/>
+                <a:sym typeface="Courier New"/>
+              </a:rPr>
+              <a:t>):  </a:t>
+            </a:r>
+            <a:br>
+              <a:rPr lang="en-GB" sz="1700" dirty="0">
+                <a:solidFill>
+                  <a:schemeClr val="dk1"/>
+                </a:solidFill>
+                <a:highlight>
+                  <a:srgbClr val="FFFFFF"/>
+                </a:highlight>
+                <a:latin typeface="Courier New"/>
+                <a:ea typeface="Courier New"/>
+                <a:cs typeface="Courier New"/>
+                <a:sym typeface="Courier New"/>
+              </a:rPr>
+            </a:br>
+            <a:r>
+              <a:rPr lang="en-GB" sz="1700" dirty="0">
+                <a:solidFill>
+                  <a:schemeClr val="dk1"/>
+                </a:solidFill>
+                <a:highlight>
+                  <a:srgbClr val="FFFFFF"/>
+                </a:highlight>
+                <a:latin typeface="Courier New"/>
+                <a:ea typeface="Courier New"/>
+                <a:cs typeface="Courier New"/>
+                <a:sym typeface="Courier New"/>
+              </a:rPr>
+              <a:t>        </a:t>
+            </a:r>
+            <a:r>
+              <a:rPr lang="en-GB" sz="1700" dirty="0" err="1">
+                <a:solidFill>
+                  <a:schemeClr val="dk1"/>
+                </a:solidFill>
+                <a:highlight>
+                  <a:srgbClr val="FFFFFF"/>
+                </a:highlight>
+                <a:latin typeface="Courier New"/>
+                <a:ea typeface="Courier New"/>
+                <a:cs typeface="Courier New"/>
+                <a:sym typeface="Courier New"/>
+              </a:rPr>
+              <a:t>A.method</a:t>
+            </a:r>
+            <a:r>
+              <a:rPr lang="en-GB" sz="1700" dirty="0">
+                <a:solidFill>
+                  <a:schemeClr val="dk1"/>
+                </a:solidFill>
+                <a:highlight>
+                  <a:srgbClr val="FFFFFF"/>
+                </a:highlight>
+                <a:latin typeface="Courier New"/>
+                <a:ea typeface="Courier New"/>
+                <a:cs typeface="Courier New"/>
+                <a:sym typeface="Courier New"/>
+              </a:rPr>
+              <a:t>(</a:t>
+            </a:r>
+            <a:r>
+              <a:rPr lang="en-GB" sz="1700" dirty="0" err="1">
+                <a:solidFill>
+                  <a:schemeClr val="dk1"/>
+                </a:solidFill>
+                <a:highlight>
+                  <a:srgbClr val="FFFFFF"/>
+                </a:highlight>
+                <a:latin typeface="Courier New"/>
+                <a:ea typeface="Courier New"/>
+                <a:cs typeface="Courier New"/>
+                <a:sym typeface="Courier New"/>
+              </a:rPr>
+              <a:t>arg</a:t>
+            </a:r>
+            <a:r>
+              <a:rPr lang="en-GB" sz="1700" dirty="0">
+                <a:solidFill>
+                  <a:schemeClr val="dk1"/>
+                </a:solidFill>
+                <a:highlight>
+                  <a:srgbClr val="FFFFFF"/>
+                </a:highlight>
+                <a:latin typeface="Courier New"/>
+                <a:ea typeface="Courier New"/>
+                <a:cs typeface="Courier New"/>
+                <a:sym typeface="Courier New"/>
+              </a:rPr>
+              <a:t>)</a:t>
+            </a:r>
+          </a:p>
+          <a:p>
+            <a:pPr lvl="0" rtl="0">
+              <a:spcBef>
+                <a:spcPts val="0"/>
+              </a:spcBef>
+              <a:buNone/>
+            </a:pPr>
+            <a:endParaRPr lang="en-GB" sz="1700" dirty="0">
               <a:solidFill>
                 <a:schemeClr val="dk1"/>
               </a:solidFill>
@@ -13335,13 +14033,47 @@
               <a:sym typeface="Courier New"/>
             </a:endParaRPr>
           </a:p>
+        </p:txBody>
+      </p:sp>
+      <p:sp>
+        <p:nvSpPr>
+          <p:cNvPr id="2" name="矩形 1"/>
+          <p:cNvSpPr/>
+          <p:nvPr/>
+        </p:nvSpPr>
+        <p:spPr>
+          <a:xfrm>
+            <a:off x="5179821" y="803922"/>
+            <a:ext cx="1723550" cy="553998"/>
+          </a:xfrm>
+          <a:prstGeom prst="rect">
+            <a:avLst/>
+          </a:prstGeom>
+        </p:spPr>
+        <p:txBody>
+          <a:bodyPr wrap="none">
+            <a:spAutoFit/>
+          </a:bodyPr>
+          <a:lstStyle/>
           <a:p>
-            <a:pPr lvl="0" rtl="0">
-              <a:spcBef>
-                <a:spcPts val="0"/>
-              </a:spcBef>
-              <a:buNone/>
-            </a:pPr>
+            <a:pPr algn="ctr"/>
+            <a:r>
+              <a:rPr lang="zh-CN" altLang="en-US" sz="3000" b="1" dirty="0">
+                <a:solidFill>
+                  <a:srgbClr val="C00000"/>
+                </a:solidFill>
+                <a:latin typeface="微软雅黑" panose="020B0503020204020204" pitchFamily="34" charset="-122"/>
+                <a:ea typeface="微软雅黑" panose="020B0503020204020204" pitchFamily="34" charset="-122"/>
+              </a:rPr>
+              <a:t>类的继承</a:t>
+            </a:r>
+            <a:endParaRPr lang="zh-CN" altLang="en-US" sz="3000" b="1" dirty="0">
+              <a:solidFill>
+                <a:srgbClr val="C00000"/>
+              </a:solidFill>
+              <a:latin typeface="微软雅黑" panose="020B0503020204020204" pitchFamily="34" charset="-122"/>
+              <a:ea typeface="微软雅黑" panose="020B0503020204020204" pitchFamily="34" charset="-122"/>
+            </a:endParaRPr>
           </a:p>
         </p:txBody>
       </p:sp>
@@ -13414,14 +14146,14 @@
                 </p:childTnLst>
               </p:cTn>
               <p:prevCondLst>
-                <p:cond evt="onPrev">
+                <p:cond evt="onPrev" delay="0">
                   <p:tgtEl>
                     <p:sldTgt/>
                   </p:tgtEl>
                 </p:cond>
               </p:prevCondLst>
               <p:nextCondLst>
-                <p:cond evt="onNext">
+                <p:cond evt="onNext" delay="0">
                   <p:tgtEl>
                     <p:sldTgt/>
                   </p:tgtEl>
@@ -13441,7 +14173,7 @@
   <p:cSld>
     <p:spTree>
       <p:nvGrpSpPr>
-        <p:cNvPr id="112" name="Shape 112"/>
+        <p:cNvPr id="1" name="Shape 112"/>
         <p:cNvGrpSpPr/>
         <p:nvPr/>
       </p:nvGrpSpPr>
@@ -13456,15 +14188,17 @@
       <p:sp>
         <p:nvSpPr>
           <p:cNvPr id="113" name="Shape 113"/>
-          <p:cNvSpPr txBox="1"/>
+          <p:cNvSpPr txBox="1">
+            <a:spLocks noGrp="1"/>
+          </p:cNvSpPr>
           <p:nvPr>
             <p:ph type="title"/>
           </p:nvPr>
         </p:nvSpPr>
         <p:spPr>
           <a:xfrm>
-            <a:off x="838200" y="365125"/>
-            <a:ext cx="10515599" cy="1325562"/>
+            <a:off x="2130973" y="1657898"/>
+            <a:ext cx="5412828" cy="1266606"/>
           </a:xfrm>
           <a:prstGeom prst="rect">
             <a:avLst/>
@@ -13498,7 +14232,7 @@
               <a:buNone/>
             </a:pPr>
             <a:r>
-              <a:rPr lang="en-GB" sz="2200" b="0" i="0" u="none" strike="noStrike" cap="none">
+              <a:rPr lang="en-GB" sz="2200" b="0" i="0" u="none" strike="noStrike" cap="none" dirty="0" err="1">
                 <a:solidFill>
                   <a:srgbClr val="C9394A"/>
                 </a:solidFill>
@@ -13509,7 +14243,7 @@
               </a:rPr>
               <a:t>子类的类型判断</a:t>
             </a:r>
-            <a:endParaRPr lang="en-GB" sz="2200" b="0" i="0" u="none" strike="noStrike" cap="none">
+            <a:endParaRPr lang="en-GB" sz="2200" b="0" i="0" u="none" strike="noStrike" cap="none" dirty="0">
               <a:solidFill>
                 <a:srgbClr val="C9394A"/>
               </a:solidFill>
@@ -13524,15 +14258,17 @@
       <p:sp>
         <p:nvSpPr>
           <p:cNvPr id="114" name="Shape 114"/>
-          <p:cNvSpPr txBox="1"/>
+          <p:cNvSpPr txBox="1">
+            <a:spLocks noGrp="1"/>
+          </p:cNvSpPr>
           <p:nvPr>
             <p:ph type="body" idx="1"/>
           </p:nvPr>
         </p:nvSpPr>
         <p:spPr>
           <a:xfrm>
-            <a:off x="838200" y="1825625"/>
-            <a:ext cx="10515599" cy="4351338"/>
+            <a:off x="2130973" y="2924504"/>
+            <a:ext cx="6886903" cy="1359009"/>
           </a:xfrm>
           <a:prstGeom prst="rect">
             <a:avLst/>
@@ -13566,7 +14302,7 @@
               <a:buChar char="•"/>
             </a:pPr>
             <a:r>
-              <a:rPr lang="en-GB" sz="1800" b="0" i="0" u="none" strike="noStrike" cap="none">
+              <a:rPr lang="en-GB" sz="1800" b="0" i="0" u="none" strike="noStrike" cap="none" dirty="0" err="1">
                 <a:solidFill>
                   <a:schemeClr val="dk1"/>
                 </a:solidFill>
@@ -13577,7 +14313,7 @@
               </a:rPr>
               <a:t>isinstance</a:t>
             </a:r>
-            <a:endParaRPr lang="en-GB" sz="1800" b="0" i="0" u="none" strike="noStrike" cap="none">
+            <a:endParaRPr lang="en-GB" sz="1800" b="0" i="0" u="none" strike="noStrike" cap="none" dirty="0">
               <a:solidFill>
                 <a:schemeClr val="dk1"/>
               </a:solidFill>
@@ -13603,7 +14339,7 @@
               <a:buChar char="•"/>
             </a:pPr>
             <a:r>
-              <a:rPr lang="en-GB" sz="1800" b="0" i="0" u="none" strike="noStrike" cap="none">
+              <a:rPr lang="en-GB" sz="1800" b="0" i="0" u="none" strike="noStrike" cap="none" dirty="0" err="1">
                 <a:solidFill>
                   <a:schemeClr val="dk1"/>
                 </a:solidFill>
@@ -13614,7 +14350,7 @@
               </a:rPr>
               <a:t>issubclass</a:t>
             </a:r>
-            <a:endParaRPr lang="en-GB" sz="1800" b="0" i="0" u="none" strike="noStrike" cap="none">
+            <a:endParaRPr lang="en-GB" sz="1800" b="0" i="0" u="none" strike="noStrike" cap="none" dirty="0">
               <a:solidFill>
                 <a:schemeClr val="dk1"/>
               </a:solidFill>
@@ -13622,6 +14358,48 @@
               <a:ea typeface="Calibri"/>
               <a:cs typeface="Calibri"/>
               <a:sym typeface="Calibri"/>
+            </a:endParaRPr>
+          </a:p>
+        </p:txBody>
+      </p:sp>
+      <p:sp>
+        <p:nvSpPr>
+          <p:cNvPr id="2" name="矩形 1"/>
+          <p:cNvSpPr/>
+          <p:nvPr/>
+        </p:nvSpPr>
+        <p:spPr>
+          <a:xfrm>
+            <a:off x="4209933" y="965463"/>
+            <a:ext cx="3333868" cy="553998"/>
+          </a:xfrm>
+          <a:prstGeom prst="rect">
+            <a:avLst/>
+          </a:prstGeom>
+        </p:spPr>
+        <p:txBody>
+          <a:bodyPr wrap="square">
+            <a:spAutoFit/>
+          </a:bodyPr>
+          <a:lstStyle/>
+          <a:p>
+            <a:pPr algn="ctr"/>
+            <a:r>
+              <a:rPr lang="zh-CN" altLang="en-US" sz="3000" b="1" dirty="0">
+                <a:solidFill>
+                  <a:srgbClr val="C00000"/>
+                </a:solidFill>
+                <a:latin typeface="微软雅黑" panose="020B0503020204020204" pitchFamily="34" charset="-122"/>
+                <a:ea typeface="微软雅黑" panose="020B0503020204020204" pitchFamily="34" charset="-122"/>
+              </a:rPr>
+              <a:t>类的继承</a:t>
+            </a:r>
+            <a:endParaRPr lang="zh-CN" altLang="en-US" sz="3000" b="1" dirty="0">
+              <a:solidFill>
+                <a:srgbClr val="C00000"/>
+              </a:solidFill>
+              <a:latin typeface="微软雅黑" panose="020B0503020204020204" pitchFamily="34" charset="-122"/>
+              <a:ea typeface="微软雅黑" panose="020B0503020204020204" pitchFamily="34" charset="-122"/>
             </a:endParaRPr>
           </a:p>
         </p:txBody>
@@ -13642,7 +14420,7 @@
   <p:cSld>
     <p:spTree>
       <p:nvGrpSpPr>
-        <p:cNvPr id="118" name="Shape 118"/>
+        <p:cNvPr id="1" name="Shape 118"/>
         <p:cNvGrpSpPr/>
         <p:nvPr/>
       </p:nvGrpSpPr>
@@ -13657,15 +14435,17 @@
       <p:sp>
         <p:nvSpPr>
           <p:cNvPr id="119" name="Shape 119"/>
-          <p:cNvSpPr txBox="1"/>
+          <p:cNvSpPr txBox="1">
+            <a:spLocks noGrp="1"/>
+          </p:cNvSpPr>
           <p:nvPr>
             <p:ph type="title"/>
           </p:nvPr>
         </p:nvSpPr>
         <p:spPr>
           <a:xfrm>
-            <a:off x="838200" y="365125"/>
-            <a:ext cx="10515599" cy="1325562"/>
+            <a:off x="1981200" y="1736726"/>
+            <a:ext cx="5136931" cy="1203543"/>
           </a:xfrm>
           <a:prstGeom prst="rect">
             <a:avLst/>
@@ -13699,7 +14479,7 @@
               <a:buNone/>
             </a:pPr>
             <a:r>
-              <a:rPr lang="en-GB" sz="2200" b="0" i="0" u="none" strike="noStrike" cap="none">
+              <a:rPr lang="en-GB" sz="2200" b="0" i="0" u="none" strike="noStrike" cap="none" dirty="0" err="1">
                 <a:solidFill>
                   <a:srgbClr val="C9394A"/>
                 </a:solidFill>
@@ -13710,7 +14490,7 @@
               </a:rPr>
               <a:t>多继承</a:t>
             </a:r>
-            <a:endParaRPr lang="en-GB" sz="2200" b="0" i="0" u="none" strike="noStrike" cap="none">
+            <a:endParaRPr lang="en-GB" sz="2200" b="0" i="0" u="none" strike="noStrike" cap="none" dirty="0">
               <a:solidFill>
                 <a:srgbClr val="C9394A"/>
               </a:solidFill>
@@ -13725,15 +14505,17 @@
       <p:sp>
         <p:nvSpPr>
           <p:cNvPr id="120" name="Shape 120"/>
-          <p:cNvSpPr txBox="1"/>
+          <p:cNvSpPr txBox="1">
+            <a:spLocks noGrp="1"/>
+          </p:cNvSpPr>
           <p:nvPr>
             <p:ph type="body" idx="1"/>
           </p:nvPr>
         </p:nvSpPr>
         <p:spPr>
           <a:xfrm>
-            <a:off x="838200" y="1825625"/>
-            <a:ext cx="10515599" cy="4351338"/>
+            <a:off x="1981200" y="3063217"/>
+            <a:ext cx="6611007" cy="2399534"/>
           </a:xfrm>
           <a:prstGeom prst="rect">
             <a:avLst/>
@@ -13764,7 +14546,7 @@
               <a:buNone/>
             </a:pPr>
             <a:r>
-              <a:rPr lang="en-GB" sz="1500">
+              <a:rPr lang="en-GB" sz="1500" dirty="0">
                 <a:solidFill>
                   <a:srgbClr val="FF5600"/>
                 </a:solidFill>
@@ -13779,7 +14561,7 @@
               <a:t>class</a:t>
             </a:r>
             <a:r>
-              <a:rPr lang="en-GB" sz="1500">
+              <a:rPr lang="en-GB" sz="1500" dirty="0">
                 <a:highlight>
                   <a:srgbClr val="FFFFFF"/>
                 </a:highlight>
@@ -13791,7 +14573,7 @@
               <a:t> </a:t>
             </a:r>
             <a:r>
-              <a:rPr lang="en-GB" sz="1500">
+              <a:rPr lang="en-GB" sz="1500" dirty="0" err="1">
                 <a:solidFill>
                   <a:srgbClr val="21439C"/>
                 </a:solidFill>
@@ -13806,7 +14588,7 @@
               <a:t>DerivedClassName</a:t>
             </a:r>
             <a:r>
-              <a:rPr lang="en-GB" sz="1500">
+              <a:rPr lang="en-GB" sz="1500" dirty="0">
                 <a:highlight>
                   <a:srgbClr val="FFFFFF"/>
                 </a:highlight>
@@ -13818,7 +14600,7 @@
               <a:t>(Base1, Base2, Base3):</a:t>
             </a:r>
             <a:br>
-              <a:rPr lang="en-GB" sz="1500">
+              <a:rPr lang="en-GB" sz="1500" dirty="0">
                 <a:highlight>
                   <a:srgbClr val="FFFFFF"/>
                 </a:highlight>
@@ -13829,7 +14611,7 @@
               </a:rPr>
             </a:br>
             <a:r>
-              <a:rPr lang="en-GB" sz="1500">
+              <a:rPr lang="en-GB" sz="1500" dirty="0">
                 <a:highlight>
                   <a:srgbClr val="FFFFFF"/>
                 </a:highlight>
@@ -13841,7 +14623,7 @@
               <a:t>    </a:t>
             </a:r>
             <a:r>
-              <a:rPr lang="en-GB" sz="1500">
+              <a:rPr lang="en-GB" sz="1500" dirty="0">
                 <a:solidFill>
                   <a:srgbClr val="FF5600"/>
                 </a:solidFill>
@@ -13856,7 +14638,7 @@
               <a:t>&lt;</a:t>
             </a:r>
             <a:r>
-              <a:rPr lang="en-GB" sz="1500">
+              <a:rPr lang="en-GB" sz="1500" dirty="0">
                 <a:highlight>
                   <a:srgbClr val="FFFFFF"/>
                 </a:highlight>
@@ -13868,7 +14650,7 @@
               <a:t>statement</a:t>
             </a:r>
             <a:r>
-              <a:rPr lang="en-GB" sz="1500">
+              <a:rPr lang="en-GB" sz="1500" dirty="0">
                 <a:solidFill>
                   <a:srgbClr val="FF5600"/>
                 </a:solidFill>
@@ -13883,7 +14665,7 @@
               <a:t>-</a:t>
             </a:r>
             <a:r>
-              <a:rPr lang="en-GB" sz="1500">
+              <a:rPr lang="en-GB" sz="1500" dirty="0">
                 <a:highlight>
                   <a:srgbClr val="FFFFFF"/>
                 </a:highlight>
@@ -13895,7 +14677,7 @@
               <a:t>1</a:t>
             </a:r>
             <a:r>
-              <a:rPr lang="en-GB" sz="1500">
+              <a:rPr lang="en-GB" sz="1500" dirty="0">
                 <a:solidFill>
                   <a:srgbClr val="FF5600"/>
                 </a:solidFill>
@@ -13909,8 +14691,8 @@
               </a:rPr>
               <a:t>&gt;</a:t>
             </a:r>
-            <a:br>
-              <a:rPr lang="en-GB" sz="1500">
+            <a:r>
+              <a:rPr lang="en-GB" sz="1500" dirty="0">
                 <a:highlight>
                   <a:srgbClr val="FFFFFF"/>
                 </a:highlight>
@@ -13919,9 +14701,10 @@
                 <a:cs typeface="Courier New"/>
                 <a:sym typeface="Courier New"/>
               </a:rPr>
-            </a:br>
-            <a:r>
-              <a:rPr lang="en-GB" sz="1500">
+              <a:t/>
+            </a:r>
+            <a:br>
+              <a:rPr lang="en-GB" sz="1500" dirty="0">
                 <a:highlight>
                   <a:srgbClr val="FFFFFF"/>
                 </a:highlight>
@@ -13930,10 +14713,9 @@
                 <a:cs typeface="Courier New"/>
                 <a:sym typeface="Courier New"/>
               </a:rPr>
-              <a:t>    .</a:t>
-            </a:r>
-            <a:br>
-              <a:rPr lang="en-GB" sz="1500">
+            </a:br>
+            <a:r>
+              <a:rPr lang="en-GB" sz="1500" dirty="0">
                 <a:highlight>
                   <a:srgbClr val="FFFFFF"/>
                 </a:highlight>
@@ -13942,9 +14724,10 @@
                 <a:cs typeface="Courier New"/>
                 <a:sym typeface="Courier New"/>
               </a:rPr>
-            </a:br>
-            <a:r>
-              <a:rPr lang="en-GB" sz="1500">
+              <a:t>    .</a:t>
+            </a:r>
+            <a:br>
+              <a:rPr lang="en-GB" sz="1500" dirty="0">
                 <a:highlight>
                   <a:srgbClr val="FFFFFF"/>
                 </a:highlight>
@@ -13953,10 +14736,9 @@
                 <a:cs typeface="Courier New"/>
                 <a:sym typeface="Courier New"/>
               </a:rPr>
-              <a:t>    .</a:t>
-            </a:r>
-            <a:br>
-              <a:rPr lang="en-GB" sz="1500">
+            </a:br>
+            <a:r>
+              <a:rPr lang="en-GB" sz="1500" dirty="0">
                 <a:highlight>
                   <a:srgbClr val="FFFFFF"/>
                 </a:highlight>
@@ -13965,9 +14747,10 @@
                 <a:cs typeface="Courier New"/>
                 <a:sym typeface="Courier New"/>
               </a:rPr>
-            </a:br>
-            <a:r>
-              <a:rPr lang="en-GB" sz="1500">
+              <a:t>    .</a:t>
+            </a:r>
+            <a:br>
+              <a:rPr lang="en-GB" sz="1500" dirty="0">
                 <a:highlight>
                   <a:srgbClr val="FFFFFF"/>
                 </a:highlight>
@@ -13976,10 +14759,9 @@
                 <a:cs typeface="Courier New"/>
                 <a:sym typeface="Courier New"/>
               </a:rPr>
-              <a:t>    .</a:t>
-            </a:r>
-            <a:br>
-              <a:rPr lang="en-GB" sz="1500">
+            </a:br>
+            <a:r>
+              <a:rPr lang="en-GB" sz="1500" dirty="0">
                 <a:highlight>
                   <a:srgbClr val="FFFFFF"/>
                 </a:highlight>
@@ -13988,9 +14770,10 @@
                 <a:cs typeface="Courier New"/>
                 <a:sym typeface="Courier New"/>
               </a:rPr>
-            </a:br>
-            <a:r>
-              <a:rPr lang="en-GB" sz="1500">
+              <a:t>    .</a:t>
+            </a:r>
+            <a:br>
+              <a:rPr lang="en-GB" sz="1500" dirty="0">
                 <a:highlight>
                   <a:srgbClr val="FFFFFF"/>
                 </a:highlight>
@@ -13999,13 +14782,9 @@
                 <a:cs typeface="Courier New"/>
                 <a:sym typeface="Courier New"/>
               </a:rPr>
-              <a:t>    </a:t>
-            </a:r>
+            </a:br>
             <a:r>
-              <a:rPr lang="en-GB" sz="1500">
-                <a:solidFill>
-                  <a:srgbClr val="FF5600"/>
-                </a:solidFill>
+              <a:rPr lang="en-GB" sz="1500" dirty="0">
                 <a:highlight>
                   <a:srgbClr val="FFFFFF"/>
                 </a:highlight>
@@ -14014,10 +14793,13 @@
                 <a:cs typeface="Courier New"/>
                 <a:sym typeface="Courier New"/>
               </a:rPr>
-              <a:t>&lt;</a:t>
+              <a:t>    </a:t>
             </a:r>
             <a:r>
-              <a:rPr lang="en-GB" sz="1500">
+              <a:rPr lang="en-GB" sz="1500" dirty="0">
+                <a:solidFill>
+                  <a:srgbClr val="FF5600"/>
+                </a:solidFill>
                 <a:highlight>
                   <a:srgbClr val="FFFFFF"/>
                 </a:highlight>
@@ -14026,13 +14808,10 @@
                 <a:cs typeface="Courier New"/>
                 <a:sym typeface="Courier New"/>
               </a:rPr>
-              <a:t>statement</a:t>
+              <a:t>&lt;</a:t>
             </a:r>
             <a:r>
-              <a:rPr lang="en-GB" sz="1500">
-                <a:solidFill>
-                  <a:srgbClr val="FF5600"/>
-                </a:solidFill>
+              <a:rPr lang="en-GB" sz="1500" dirty="0">
                 <a:highlight>
                   <a:srgbClr val="FFFFFF"/>
                 </a:highlight>
@@ -14041,10 +14820,13 @@
                 <a:cs typeface="Courier New"/>
                 <a:sym typeface="Courier New"/>
               </a:rPr>
-              <a:t>-</a:t>
+              <a:t>statement</a:t>
             </a:r>
             <a:r>
-              <a:rPr lang="en-GB" sz="1500">
+              <a:rPr lang="en-GB" sz="1500" dirty="0">
+                <a:solidFill>
+                  <a:srgbClr val="FF5600"/>
+                </a:solidFill>
                 <a:highlight>
                   <a:srgbClr val="FFFFFF"/>
                 </a:highlight>
@@ -14053,13 +14835,10 @@
                 <a:cs typeface="Courier New"/>
                 <a:sym typeface="Courier New"/>
               </a:rPr>
-              <a:t>N</a:t>
+              <a:t>-</a:t>
             </a:r>
             <a:r>
-              <a:rPr lang="en-GB" sz="1500">
-                <a:solidFill>
-                  <a:srgbClr val="FF5600"/>
-                </a:solidFill>
+              <a:rPr lang="en-GB" sz="1500" dirty="0">
                 <a:highlight>
                   <a:srgbClr val="FFFFFF"/>
                 </a:highlight>
@@ -14068,20 +14847,23 @@
                 <a:cs typeface="Courier New"/>
                 <a:sym typeface="Courier New"/>
               </a:rPr>
+              <a:t>N</a:t>
+            </a:r>
+            <a:r>
+              <a:rPr lang="en-GB" sz="1500" dirty="0">
+                <a:solidFill>
+                  <a:srgbClr val="FF5600"/>
+                </a:solidFill>
+                <a:highlight>
+                  <a:srgbClr val="FFFFFF"/>
+                </a:highlight>
+                <a:latin typeface="Courier New"/>
+                <a:ea typeface="Courier New"/>
+                <a:cs typeface="Courier New"/>
+                <a:sym typeface="Courier New"/>
+              </a:rPr>
               <a:t>&gt;</a:t>
             </a:r>
-            <a:endParaRPr lang="en-GB" sz="1500">
-              <a:solidFill>
-                <a:srgbClr val="FF5600"/>
-              </a:solidFill>
-              <a:highlight>
-                <a:srgbClr val="FFFFFF"/>
-              </a:highlight>
-              <a:latin typeface="Courier New"/>
-              <a:ea typeface="Courier New"/>
-              <a:cs typeface="Courier New"/>
-              <a:sym typeface="Courier New"/>
-            </a:endParaRPr>
           </a:p>
           <a:p>
             <a:pPr marL="0" marR="0" lvl="0" indent="0" algn="l" rtl="0">
@@ -14098,7 +14880,49 @@
               <a:buFont typeface="Arial"/>
               <a:buNone/>
             </a:pPr>
-            <a:endParaRPr sz="1800"/>
+            <a:endParaRPr sz="1800" dirty="0"/>
+          </a:p>
+        </p:txBody>
+      </p:sp>
+      <p:sp>
+        <p:nvSpPr>
+          <p:cNvPr id="2" name="矩形 1"/>
+          <p:cNvSpPr/>
+          <p:nvPr/>
+        </p:nvSpPr>
+        <p:spPr>
+          <a:xfrm>
+            <a:off x="4549665" y="1059780"/>
+            <a:ext cx="2885089" cy="553998"/>
+          </a:xfrm>
+          <a:prstGeom prst="rect">
+            <a:avLst/>
+          </a:prstGeom>
+        </p:spPr>
+        <p:txBody>
+          <a:bodyPr wrap="square">
+            <a:spAutoFit/>
+          </a:bodyPr>
+          <a:lstStyle/>
+          <a:p>
+            <a:pPr algn="ctr"/>
+            <a:r>
+              <a:rPr lang="zh-CN" altLang="en-US" sz="3000" b="1" dirty="0">
+                <a:solidFill>
+                  <a:srgbClr val="C00000"/>
+                </a:solidFill>
+                <a:latin typeface="微软雅黑" panose="020B0503020204020204" pitchFamily="34" charset="-122"/>
+                <a:ea typeface="微软雅黑" panose="020B0503020204020204" pitchFamily="34" charset="-122"/>
+              </a:rPr>
+              <a:t>类的继承</a:t>
+            </a:r>
+            <a:endParaRPr lang="zh-CN" altLang="en-US" sz="3000" b="1" dirty="0">
+              <a:solidFill>
+                <a:srgbClr val="C00000"/>
+              </a:solidFill>
+              <a:latin typeface="微软雅黑" panose="020B0503020204020204" pitchFamily="34" charset="-122"/>
+              <a:ea typeface="微软雅黑" panose="020B0503020204020204" pitchFamily="34" charset="-122"/>
+            </a:endParaRPr>
           </a:p>
         </p:txBody>
       </p:sp>

--- a/ppt/3.4-类的继承.pptx
+++ b/ppt/3.4-类的继承.pptx
@@ -5,16 +5,16 @@
     <p:sldMasterId id="2147483648" r:id="rId1"/>
   </p:sldMasterIdLst>
   <p:notesMasterIdLst>
-    <p:notesMasterId r:id="rId9"/>
+    <p:notesMasterId r:id="rId4"/>
   </p:notesMasterIdLst>
   <p:sldIdLst>
-    <p:sldId id="256" r:id="rId2"/>
-    <p:sldId id="257" r:id="rId3"/>
-    <p:sldId id="258" r:id="rId4"/>
-    <p:sldId id="259" r:id="rId5"/>
-    <p:sldId id="260" r:id="rId6"/>
-    <p:sldId id="261" r:id="rId7"/>
-    <p:sldId id="262" r:id="rId8"/>
+    <p:sldId id="256" r:id="rId3"/>
+    <p:sldId id="257" r:id="rId5"/>
+    <p:sldId id="258" r:id="rId6"/>
+    <p:sldId id="259" r:id="rId7"/>
+    <p:sldId id="260" r:id="rId8"/>
+    <p:sldId id="261" r:id="rId9"/>
+    <p:sldId id="262" r:id="rId10"/>
   </p:sldIdLst>
   <p:sldSz cx="12192000" cy="6858000"/>
   <p:notesSz cx="6858000" cy="9144000"/>
@@ -410,9 +410,7 @@
               </a:defRPr>
             </a:lvl9pPr>
           </a:lstStyle>
-          <a:p>
-            <a:endParaRPr/>
-          </a:p>
+          <a:p/>
         </p:txBody>
       </p:sp>
       <p:sp>
@@ -577,9 +575,7 @@
               </a:defRPr>
             </a:lvl9pPr>
           </a:lstStyle>
-          <a:p>
-            <a:endParaRPr/>
-          </a:p>
+          <a:p/>
         </p:txBody>
       </p:sp>
       <p:sp>
@@ -795,9 +791,7 @@
               </a:defRPr>
             </a:lvl9pPr>
           </a:lstStyle>
-          <a:p>
-            <a:endParaRPr/>
-          </a:p>
+          <a:p/>
         </p:txBody>
       </p:sp>
       <p:sp>
@@ -962,9 +956,7 @@
               </a:defRPr>
             </a:lvl9pPr>
           </a:lstStyle>
-          <a:p>
-            <a:endParaRPr/>
-          </a:p>
+          <a:p/>
         </p:txBody>
       </p:sp>
       <p:sp>
@@ -1013,7 +1005,6 @@
                 <a:cs typeface="Calibri"/>
                 <a:sym typeface="Calibri"/>
               </a:rPr>
-              <a:t>‹#›</a:t>
             </a:fld>
             <a:endParaRPr lang="en-GB" sz="1200" b="0" i="0" u="none" strike="noStrike" cap="none">
               <a:solidFill>
@@ -1028,11 +1019,6 @@
         </p:txBody>
       </p:sp>
     </p:spTree>
-    <p:extLst>
-      <p:ext uri="{BB962C8B-B14F-4D97-AF65-F5344CB8AC3E}">
-        <p14:creationId xmlns:p14="http://schemas.microsoft.com/office/powerpoint/2010/main" val="3414881462"/>
-      </p:ext>
-    </p:extLst>
   </p:cSld>
   <p:clrMap bg1="lt1" tx1="dk1" bg2="dk2" tx2="lt2" accent1="accent1" accent2="accent2" accent3="accent3" accent4="accent4" accent5="accent5" accent6="accent6" hlink="hlink" folHlink="folHlink"/>
   <p:notesStyle/>
@@ -1040,7 +1026,7 @@
 </file>
 
 <file path=ppt/notesSlides/notesSlide1.xml><?xml version="1.0" encoding="utf-8"?>
-<p:notes xmlns:a="http://schemas.openxmlformats.org/drawingml/2006/main" xmlns:r="http://schemas.openxmlformats.org/officeDocument/2006/relationships" xmlns:p="http://schemas.openxmlformats.org/presentationml/2006/main" showMasterSp="0" showMasterPhAnim="0">
+<p:notes xmlns:a="http://schemas.openxmlformats.org/drawingml/2006/main" xmlns:r="http://schemas.openxmlformats.org/officeDocument/2006/relationships" xmlns:p="http://schemas.openxmlformats.org/presentationml/2006/main" showMasterPhAnim="0" showMasterSp="0">
   <p:cSld>
     <p:spTree>
       <p:nvGrpSpPr>
@@ -1155,6 +1141,15 @@
               </a:rPr>
               <a:t>这一节，我们来谈谈类的继承</a:t>
             </a:r>
+            <a:endParaRPr lang="en-GB" sz="1200" b="0" i="0" u="none" strike="noStrike" cap="none">
+              <a:solidFill>
+                <a:schemeClr val="dk1"/>
+              </a:solidFill>
+              <a:latin typeface="Calibri"/>
+              <a:ea typeface="Calibri"/>
+              <a:cs typeface="Calibri"/>
+              <a:sym typeface="Calibri"/>
+            </a:endParaRPr>
           </a:p>
         </p:txBody>
       </p:sp>
@@ -1204,7 +1199,6 @@
                 <a:cs typeface="Calibri"/>
                 <a:sym typeface="Calibri"/>
               </a:rPr>
-              <a:t>1</a:t>
             </a:fld>
             <a:endParaRPr lang="en-GB" sz="1200" b="0" i="0" u="none" strike="noStrike" cap="none">
               <a:solidFill>
@@ -1219,11 +1213,6 @@
         </p:txBody>
       </p:sp>
     </p:spTree>
-    <p:extLst>
-      <p:ext uri="{BB962C8B-B14F-4D97-AF65-F5344CB8AC3E}">
-        <p14:creationId xmlns:p14="http://schemas.microsoft.com/office/powerpoint/2010/main" val="630990567"/>
-      </p:ext>
-    </p:extLst>
   </p:cSld>
   <p:clrMapOvr>
     <a:masterClrMapping/>
@@ -1232,7 +1221,7 @@
 </file>
 
 <file path=ppt/notesSlides/notesSlide2.xml><?xml version="1.0" encoding="utf-8"?>
-<p:notes xmlns:a="http://schemas.openxmlformats.org/drawingml/2006/main" xmlns:r="http://schemas.openxmlformats.org/officeDocument/2006/relationships" xmlns:p="http://schemas.openxmlformats.org/presentationml/2006/main" showMasterSp="0" showMasterPhAnim="0">
+<p:notes xmlns:a="http://schemas.openxmlformats.org/drawingml/2006/main" xmlns:r="http://schemas.openxmlformats.org/officeDocument/2006/relationships" xmlns:p="http://schemas.openxmlformats.org/presentationml/2006/main" showMasterPhAnim="0" showMasterSp="0">
   <p:cSld>
     <p:spTree>
       <p:nvGrpSpPr>
@@ -1347,6 +1336,15 @@
               </a:rPr>
               <a:t>下面来看看定义继承的语法</a:t>
             </a:r>
+            <a:endParaRPr lang="en-GB" sz="1200" b="0" i="0" u="none" strike="noStrike" cap="none">
+              <a:solidFill>
+                <a:schemeClr val="dk1"/>
+              </a:solidFill>
+              <a:latin typeface="Calibri"/>
+              <a:ea typeface="Calibri"/>
+              <a:cs typeface="Calibri"/>
+              <a:sym typeface="Calibri"/>
+            </a:endParaRPr>
           </a:p>
         </p:txBody>
       </p:sp>
@@ -1396,7 +1394,6 @@
                 <a:cs typeface="Calibri"/>
                 <a:sym typeface="Calibri"/>
               </a:rPr>
-              <a:t>2</a:t>
             </a:fld>
             <a:endParaRPr lang="en-GB" sz="1200" b="0" i="0" u="none" strike="noStrike" cap="none">
               <a:solidFill>
@@ -1411,11 +1408,6 @@
         </p:txBody>
       </p:sp>
     </p:spTree>
-    <p:extLst>
-      <p:ext uri="{BB962C8B-B14F-4D97-AF65-F5344CB8AC3E}">
-        <p14:creationId xmlns:p14="http://schemas.microsoft.com/office/powerpoint/2010/main" val="909455777"/>
-      </p:ext>
-    </p:extLst>
   </p:cSld>
   <p:clrMapOvr>
     <a:masterClrMapping/>
@@ -1424,7 +1416,7 @@
 </file>
 
 <file path=ppt/notesSlides/notesSlide3.xml><?xml version="1.0" encoding="utf-8"?>
-<p:notes xmlns:a="http://schemas.openxmlformats.org/drawingml/2006/main" xmlns:r="http://schemas.openxmlformats.org/officeDocument/2006/relationships" xmlns:p="http://schemas.openxmlformats.org/presentationml/2006/main" showMasterSp="0" showMasterPhAnim="0">
+<p:notes xmlns:a="http://schemas.openxmlformats.org/drawingml/2006/main" xmlns:r="http://schemas.openxmlformats.org/officeDocument/2006/relationships" xmlns:p="http://schemas.openxmlformats.org/presentationml/2006/main" showMasterPhAnim="0" showMasterSp="0">
   <p:cSld>
     <p:spTree>
       <p:nvGrpSpPr>
@@ -1539,6 +1531,15 @@
               </a:rPr>
               <a:t>继承后的子类会继承父类里面的属性和方法，同时也可以在子类自己定义，覆盖父类里的属性和方法</a:t>
             </a:r>
+            <a:endParaRPr lang="en-GB" sz="1200" b="0" i="0" u="none" strike="noStrike" cap="none">
+              <a:solidFill>
+                <a:schemeClr val="dk1"/>
+              </a:solidFill>
+              <a:latin typeface="Calibri"/>
+              <a:ea typeface="Calibri"/>
+              <a:cs typeface="Calibri"/>
+              <a:sym typeface="Calibri"/>
+            </a:endParaRPr>
           </a:p>
         </p:txBody>
       </p:sp>
@@ -1588,7 +1589,6 @@
                 <a:cs typeface="Calibri"/>
                 <a:sym typeface="Calibri"/>
               </a:rPr>
-              <a:t>3</a:t>
             </a:fld>
             <a:endParaRPr lang="en-GB" sz="1200" b="0" i="0" u="none" strike="noStrike" cap="none">
               <a:solidFill>
@@ -1603,11 +1603,6 @@
         </p:txBody>
       </p:sp>
     </p:spTree>
-    <p:extLst>
-      <p:ext uri="{BB962C8B-B14F-4D97-AF65-F5344CB8AC3E}">
-        <p14:creationId xmlns:p14="http://schemas.microsoft.com/office/powerpoint/2010/main" val="3136365751"/>
-      </p:ext>
-    </p:extLst>
   </p:cSld>
   <p:clrMapOvr>
     <a:masterClrMapping/>
@@ -1616,7 +1611,7 @@
 </file>
 
 <file path=ppt/notesSlides/notesSlide4.xml><?xml version="1.0" encoding="utf-8"?>
-<p:notes xmlns:a="http://schemas.openxmlformats.org/drawingml/2006/main" xmlns:r="http://schemas.openxmlformats.org/officeDocument/2006/relationships" xmlns:p="http://schemas.openxmlformats.org/presentationml/2006/main" showMasterSp="0" showMasterPhAnim="0">
+<p:notes xmlns:a="http://schemas.openxmlformats.org/drawingml/2006/main" xmlns:r="http://schemas.openxmlformats.org/officeDocument/2006/relationships" xmlns:p="http://schemas.openxmlformats.org/presentationml/2006/main" showMasterPhAnim="0" showMasterSp="0">
   <p:cSld>
     <p:spTree>
       <p:nvGrpSpPr>
@@ -1663,7 +1658,6 @@
               </a:spcBef>
               <a:buNone/>
             </a:pPr>
-            <a:endParaRPr/>
           </a:p>
         </p:txBody>
       </p:sp>
@@ -1709,11 +1703,6 @@
         </p:spPr>
       </p:sp>
     </p:spTree>
-    <p:extLst>
-      <p:ext uri="{BB962C8B-B14F-4D97-AF65-F5344CB8AC3E}">
-        <p14:creationId xmlns:p14="http://schemas.microsoft.com/office/powerpoint/2010/main" val="2653046193"/>
-      </p:ext>
-    </p:extLst>
   </p:cSld>
   <p:clrMapOvr>
     <a:masterClrMapping/>
@@ -1722,7 +1711,7 @@
 </file>
 
 <file path=ppt/notesSlides/notesSlide5.xml><?xml version="1.0" encoding="utf-8"?>
-<p:notes xmlns:a="http://schemas.openxmlformats.org/drawingml/2006/main" xmlns:r="http://schemas.openxmlformats.org/officeDocument/2006/relationships" xmlns:p="http://schemas.openxmlformats.org/presentationml/2006/main" showMasterSp="0" showMasterPhAnim="0">
+<p:notes xmlns:a="http://schemas.openxmlformats.org/drawingml/2006/main" xmlns:r="http://schemas.openxmlformats.org/officeDocument/2006/relationships" xmlns:p="http://schemas.openxmlformats.org/presentationml/2006/main" showMasterPhAnim="0" showMasterSp="0">
   <p:cSld>
     <p:spTree>
       <p:nvGrpSpPr>
@@ -1769,7 +1758,6 @@
               </a:spcBef>
               <a:buNone/>
             </a:pPr>
-            <a:endParaRPr/>
           </a:p>
         </p:txBody>
       </p:sp>
@@ -1815,11 +1803,6 @@
         </p:spPr>
       </p:sp>
     </p:spTree>
-    <p:extLst>
-      <p:ext uri="{BB962C8B-B14F-4D97-AF65-F5344CB8AC3E}">
-        <p14:creationId xmlns:p14="http://schemas.microsoft.com/office/powerpoint/2010/main" val="2000244863"/>
-      </p:ext>
-    </p:extLst>
   </p:cSld>
   <p:clrMapOvr>
     <a:masterClrMapping/>
@@ -1828,7 +1811,7 @@
 </file>
 
 <file path=ppt/notesSlides/notesSlide6.xml><?xml version="1.0" encoding="utf-8"?>
-<p:notes xmlns:a="http://schemas.openxmlformats.org/drawingml/2006/main" xmlns:r="http://schemas.openxmlformats.org/officeDocument/2006/relationships" xmlns:p="http://schemas.openxmlformats.org/presentationml/2006/main" showMasterSp="0" showMasterPhAnim="0">
+<p:notes xmlns:a="http://schemas.openxmlformats.org/drawingml/2006/main" xmlns:r="http://schemas.openxmlformats.org/officeDocument/2006/relationships" xmlns:p="http://schemas.openxmlformats.org/presentationml/2006/main" showMasterPhAnim="0" showMasterSp="0">
   <p:cSld>
     <p:spTree>
       <p:nvGrpSpPr>
@@ -1879,6 +1862,7 @@
               <a:rPr lang="en-GB"/>
               <a:t>一个子类的对象在判断类型的时候除了会被认为是自己实例化的那个类，还会被认为是它的父类</a:t>
             </a:r>
+            <a:endParaRPr lang="en-GB"/>
           </a:p>
         </p:txBody>
       </p:sp>
@@ -1924,11 +1908,6 @@
         </p:spPr>
       </p:sp>
     </p:spTree>
-    <p:extLst>
-      <p:ext uri="{BB962C8B-B14F-4D97-AF65-F5344CB8AC3E}">
-        <p14:creationId xmlns:p14="http://schemas.microsoft.com/office/powerpoint/2010/main" val="2483246438"/>
-      </p:ext>
-    </p:extLst>
   </p:cSld>
   <p:clrMapOvr>
     <a:masterClrMapping/>
@@ -1937,7 +1916,7 @@
 </file>
 
 <file path=ppt/notesSlides/notesSlide7.xml><?xml version="1.0" encoding="utf-8"?>
-<p:notes xmlns:a="http://schemas.openxmlformats.org/drawingml/2006/main" xmlns:r="http://schemas.openxmlformats.org/officeDocument/2006/relationships" xmlns:p="http://schemas.openxmlformats.org/presentationml/2006/main" showMasterSp="0" showMasterPhAnim="0">
+<p:notes xmlns:a="http://schemas.openxmlformats.org/drawingml/2006/main" xmlns:r="http://schemas.openxmlformats.org/officeDocument/2006/relationships" xmlns:p="http://schemas.openxmlformats.org/presentationml/2006/main" showMasterPhAnim="0" showMasterSp="0">
   <p:cSld>
     <p:spTree>
       <p:nvGrpSpPr>
@@ -1988,6 +1967,7 @@
               <a:rPr lang="en-GB"/>
               <a:t>之前说的是单继承，这里来谈谈多继承。Python的语法里是原生支持多继承的。跟单继承类似，多继承后的子类会继承来自多个父类里的属性和方法。</a:t>
             </a:r>
+            <a:endParaRPr lang="en-GB"/>
           </a:p>
         </p:txBody>
       </p:sp>
@@ -2033,11 +2013,6 @@
         </p:spPr>
       </p:sp>
     </p:spTree>
-    <p:extLst>
-      <p:ext uri="{BB962C8B-B14F-4D97-AF65-F5344CB8AC3E}">
-        <p14:creationId xmlns:p14="http://schemas.microsoft.com/office/powerpoint/2010/main" val="1265349299"/>
-      </p:ext>
-    </p:extLst>
   </p:cSld>
   <p:clrMapOvr>
     <a:masterClrMapping/>
@@ -2167,9 +2142,7 @@
               <a:defRPr sz="1800"/>
             </a:lvl9pPr>
           </a:lstStyle>
-          <a:p>
-            <a:endParaRPr/>
-          </a:p>
+          <a:p/>
         </p:txBody>
       </p:sp>
       <p:sp>
@@ -2397,9 +2370,7 @@
               </a:defRPr>
             </a:lvl9pPr>
           </a:lstStyle>
-          <a:p>
-            <a:endParaRPr/>
-          </a:p>
+          <a:p/>
         </p:txBody>
       </p:sp>
       <p:sp>
@@ -2564,9 +2535,7 @@
               </a:defRPr>
             </a:lvl9pPr>
           </a:lstStyle>
-          <a:p>
-            <a:endParaRPr/>
-          </a:p>
+          <a:p/>
         </p:txBody>
       </p:sp>
       <p:sp>
@@ -2731,9 +2700,7 @@
               </a:defRPr>
             </a:lvl9pPr>
           </a:lstStyle>
-          <a:p>
-            <a:endParaRPr/>
-          </a:p>
+          <a:p/>
         </p:txBody>
       </p:sp>
       <p:sp>
@@ -2782,7 +2749,6 @@
                 <a:cs typeface="Calibri"/>
                 <a:sym typeface="Calibri"/>
               </a:rPr>
-              <a:t>‹#›</a:t>
             </a:fld>
             <a:endParaRPr lang="en-GB" sz="1200" b="0" i="0" u="none" strike="noStrike" cap="none">
               <a:solidFill>
@@ -3055,9 +3021,7 @@
               </a:defRPr>
             </a:lvl9pPr>
           </a:lstStyle>
-          <a:p>
-            <a:endParaRPr/>
-          </a:p>
+          <a:p/>
         </p:txBody>
       </p:sp>
       <p:sp>
@@ -3222,9 +3186,7 @@
               </a:defRPr>
             </a:lvl9pPr>
           </a:lstStyle>
-          <a:p>
-            <a:endParaRPr/>
-          </a:p>
+          <a:p/>
         </p:txBody>
       </p:sp>
       <p:sp>
@@ -3389,9 +3351,7 @@
               </a:defRPr>
             </a:lvl9pPr>
           </a:lstStyle>
-          <a:p>
-            <a:endParaRPr/>
-          </a:p>
+          <a:p/>
         </p:txBody>
       </p:sp>
       <p:sp>
@@ -3440,7 +3400,6 @@
                 <a:cs typeface="Calibri"/>
                 <a:sym typeface="Calibri"/>
               </a:rPr>
-              <a:t>‹#›</a:t>
             </a:fld>
             <a:endParaRPr lang="en-GB" sz="1200" b="0" i="0" u="none" strike="noStrike" cap="none">
               <a:solidFill>
@@ -3584,9 +3543,7 @@
               <a:defRPr sz="1800"/>
             </a:lvl9pPr>
           </a:lstStyle>
-          <a:p>
-            <a:endParaRPr/>
-          </a:p>
+          <a:p/>
         </p:txBody>
       </p:sp>
       <p:sp>
@@ -3823,9 +3780,7 @@
               </a:defRPr>
             </a:lvl9pPr>
           </a:lstStyle>
-          <a:p>
-            <a:endParaRPr/>
-          </a:p>
+          <a:p/>
         </p:txBody>
       </p:sp>
       <p:sp>
@@ -3990,9 +3945,7 @@
               </a:defRPr>
             </a:lvl9pPr>
           </a:lstStyle>
-          <a:p>
-            <a:endParaRPr/>
-          </a:p>
+          <a:p/>
         </p:txBody>
       </p:sp>
       <p:sp>
@@ -4157,9 +4110,7 @@
               </a:defRPr>
             </a:lvl9pPr>
           </a:lstStyle>
-          <a:p>
-            <a:endParaRPr/>
-          </a:p>
+          <a:p/>
         </p:txBody>
       </p:sp>
       <p:sp>
@@ -4208,7 +4159,6 @@
                 <a:cs typeface="Calibri"/>
                 <a:sym typeface="Calibri"/>
               </a:rPr>
-              <a:t>‹#›</a:t>
             </a:fld>
             <a:endParaRPr lang="en-GB" sz="1200" b="0" i="0" u="none" strike="noStrike" cap="none">
               <a:solidFill>
@@ -4352,9 +4302,7 @@
               <a:defRPr sz="1800"/>
             </a:lvl9pPr>
           </a:lstStyle>
-          <a:p>
-            <a:endParaRPr/>
-          </a:p>
+          <a:p/>
         </p:txBody>
       </p:sp>
       <p:sp>
@@ -4582,9 +4530,7 @@
               </a:defRPr>
             </a:lvl9pPr>
           </a:lstStyle>
-          <a:p>
-            <a:endParaRPr/>
-          </a:p>
+          <a:p/>
         </p:txBody>
       </p:sp>
       <p:sp>
@@ -4749,9 +4695,7 @@
               </a:defRPr>
             </a:lvl9pPr>
           </a:lstStyle>
-          <a:p>
-            <a:endParaRPr/>
-          </a:p>
+          <a:p/>
         </p:txBody>
       </p:sp>
       <p:sp>
@@ -4916,9 +4860,7 @@
               </a:defRPr>
             </a:lvl9pPr>
           </a:lstStyle>
-          <a:p>
-            <a:endParaRPr/>
-          </a:p>
+          <a:p/>
         </p:txBody>
       </p:sp>
       <p:sp>
@@ -4967,7 +4909,6 @@
                 <a:cs typeface="Calibri"/>
                 <a:sym typeface="Calibri"/>
               </a:rPr>
-              <a:t>‹#›</a:t>
             </a:fld>
             <a:endParaRPr lang="en-GB" sz="1200" b="0" i="0" u="none" strike="noStrike" cap="none">
               <a:solidFill>
@@ -5111,9 +5052,7 @@
               <a:defRPr sz="1800"/>
             </a:lvl9pPr>
           </a:lstStyle>
-          <a:p>
-            <a:endParaRPr/>
-          </a:p>
+          <a:p/>
         </p:txBody>
       </p:sp>
       <p:sp>
@@ -5350,9 +5289,7 @@
               </a:defRPr>
             </a:lvl9pPr>
           </a:lstStyle>
-          <a:p>
-            <a:endParaRPr/>
-          </a:p>
+          <a:p/>
         </p:txBody>
       </p:sp>
       <p:sp>
@@ -5589,9 +5526,7 @@
               </a:defRPr>
             </a:lvl9pPr>
           </a:lstStyle>
-          <a:p>
-            <a:endParaRPr/>
-          </a:p>
+          <a:p/>
         </p:txBody>
       </p:sp>
       <p:sp>
@@ -5756,9 +5691,7 @@
               </a:defRPr>
             </a:lvl9pPr>
           </a:lstStyle>
-          <a:p>
-            <a:endParaRPr/>
-          </a:p>
+          <a:p/>
         </p:txBody>
       </p:sp>
       <p:sp>
@@ -5923,9 +5856,7 @@
               </a:defRPr>
             </a:lvl9pPr>
           </a:lstStyle>
-          <a:p>
-            <a:endParaRPr/>
-          </a:p>
+          <a:p/>
         </p:txBody>
       </p:sp>
       <p:sp>
@@ -5974,7 +5905,6 @@
                 <a:cs typeface="Calibri"/>
                 <a:sym typeface="Calibri"/>
               </a:rPr>
-              <a:t>‹#›</a:t>
             </a:fld>
             <a:endParaRPr lang="en-GB" sz="1200" b="0" i="0" u="none" strike="noStrike" cap="none">
               <a:solidFill>
@@ -6118,9 +6048,7 @@
               <a:defRPr sz="1800"/>
             </a:lvl9pPr>
           </a:lstStyle>
-          <a:p>
-            <a:endParaRPr/>
-          </a:p>
+          <a:p/>
         </p:txBody>
       </p:sp>
       <p:sp>
@@ -6348,9 +6276,7 @@
               </a:defRPr>
             </a:lvl9pPr>
           </a:lstStyle>
-          <a:p>
-            <a:endParaRPr/>
-          </a:p>
+          <a:p/>
         </p:txBody>
       </p:sp>
       <p:sp>
@@ -6587,9 +6513,7 @@
               </a:defRPr>
             </a:lvl9pPr>
           </a:lstStyle>
-          <a:p>
-            <a:endParaRPr/>
-          </a:p>
+          <a:p/>
         </p:txBody>
       </p:sp>
       <p:sp>
@@ -6817,9 +6741,7 @@
               </a:defRPr>
             </a:lvl9pPr>
           </a:lstStyle>
-          <a:p>
-            <a:endParaRPr/>
-          </a:p>
+          <a:p/>
         </p:txBody>
       </p:sp>
       <p:sp>
@@ -7056,9 +6978,7 @@
               </a:defRPr>
             </a:lvl9pPr>
           </a:lstStyle>
-          <a:p>
-            <a:endParaRPr/>
-          </a:p>
+          <a:p/>
         </p:txBody>
       </p:sp>
       <p:sp>
@@ -7223,9 +7143,7 @@
               </a:defRPr>
             </a:lvl9pPr>
           </a:lstStyle>
-          <a:p>
-            <a:endParaRPr/>
-          </a:p>
+          <a:p/>
         </p:txBody>
       </p:sp>
       <p:sp>
@@ -7390,9 +7308,7 @@
               </a:defRPr>
             </a:lvl9pPr>
           </a:lstStyle>
-          <a:p>
-            <a:endParaRPr/>
-          </a:p>
+          <a:p/>
         </p:txBody>
       </p:sp>
       <p:sp>
@@ -7441,7 +7357,6 @@
                 <a:cs typeface="Calibri"/>
                 <a:sym typeface="Calibri"/>
               </a:rPr>
-              <a:t>‹#›</a:t>
             </a:fld>
             <a:endParaRPr lang="en-GB" sz="1200" b="0" i="0" u="none" strike="noStrike" cap="none">
               <a:solidFill>
@@ -7585,9 +7500,7 @@
               <a:defRPr sz="1800"/>
             </a:lvl9pPr>
           </a:lstStyle>
-          <a:p>
-            <a:endParaRPr/>
-          </a:p>
+          <a:p/>
         </p:txBody>
       </p:sp>
       <p:sp>
@@ -7752,9 +7665,7 @@
               </a:defRPr>
             </a:lvl9pPr>
           </a:lstStyle>
-          <a:p>
-            <a:endParaRPr/>
-          </a:p>
+          <a:p/>
         </p:txBody>
       </p:sp>
       <p:sp>
@@ -7919,9 +7830,7 @@
               </a:defRPr>
             </a:lvl9pPr>
           </a:lstStyle>
-          <a:p>
-            <a:endParaRPr/>
-          </a:p>
+          <a:p/>
         </p:txBody>
       </p:sp>
       <p:sp>
@@ -7970,7 +7879,6 @@
                 <a:cs typeface="Calibri"/>
                 <a:sym typeface="Calibri"/>
               </a:rPr>
-              <a:t>‹#›</a:t>
             </a:fld>
             <a:endParaRPr lang="en-GB" sz="1200" b="0" i="0" u="none" strike="noStrike" cap="none">
               <a:solidFill>
@@ -8171,9 +8079,7 @@
               </a:defRPr>
             </a:lvl9pPr>
           </a:lstStyle>
-          <a:p>
-            <a:endParaRPr/>
-          </a:p>
+          <a:p/>
         </p:txBody>
       </p:sp>
       <p:sp>
@@ -8338,9 +8244,7 @@
               </a:defRPr>
             </a:lvl9pPr>
           </a:lstStyle>
-          <a:p>
-            <a:endParaRPr/>
-          </a:p>
+          <a:p/>
         </p:txBody>
       </p:sp>
       <p:sp>
@@ -8389,7 +8293,6 @@
                 <a:cs typeface="Calibri"/>
                 <a:sym typeface="Calibri"/>
               </a:rPr>
-              <a:t>‹#›</a:t>
             </a:fld>
             <a:endParaRPr lang="en-GB" sz="1200" b="0" i="0" u="none" strike="noStrike" cap="none">
               <a:solidFill>
@@ -8533,9 +8436,7 @@
               <a:defRPr sz="1800"/>
             </a:lvl9pPr>
           </a:lstStyle>
-          <a:p>
-            <a:endParaRPr/>
-          </a:p>
+          <a:p/>
         </p:txBody>
       </p:sp>
       <p:sp>
@@ -8763,9 +8664,7 @@
               </a:defRPr>
             </a:lvl9pPr>
           </a:lstStyle>
-          <a:p>
-            <a:endParaRPr/>
-          </a:p>
+          <a:p/>
         </p:txBody>
       </p:sp>
       <p:sp>
@@ -8993,9 +8892,7 @@
               </a:defRPr>
             </a:lvl9pPr>
           </a:lstStyle>
-          <a:p>
-            <a:endParaRPr/>
-          </a:p>
+          <a:p/>
         </p:txBody>
       </p:sp>
       <p:sp>
@@ -9160,9 +9057,7 @@
               </a:defRPr>
             </a:lvl9pPr>
           </a:lstStyle>
-          <a:p>
-            <a:endParaRPr/>
-          </a:p>
+          <a:p/>
         </p:txBody>
       </p:sp>
       <p:sp>
@@ -9327,9 +9222,7 @@
               </a:defRPr>
             </a:lvl9pPr>
           </a:lstStyle>
-          <a:p>
-            <a:endParaRPr/>
-          </a:p>
+          <a:p/>
         </p:txBody>
       </p:sp>
       <p:sp>
@@ -9378,7 +9271,6 @@
                 <a:cs typeface="Calibri"/>
                 <a:sym typeface="Calibri"/>
               </a:rPr>
-              <a:t>‹#›</a:t>
             </a:fld>
             <a:endParaRPr lang="en-GB" sz="1200" b="0" i="0" u="none" strike="noStrike" cap="none">
               <a:solidFill>
@@ -9522,9 +9414,7 @@
               <a:defRPr sz="1800"/>
             </a:lvl9pPr>
           </a:lstStyle>
-          <a:p>
-            <a:endParaRPr/>
-          </a:p>
+          <a:p/>
         </p:txBody>
       </p:sp>
       <p:sp>
@@ -9761,9 +9651,7 @@
               </a:defRPr>
             </a:lvl9pPr>
           </a:lstStyle>
-          <a:p>
-            <a:endParaRPr/>
-          </a:p>
+          <a:p/>
         </p:txBody>
       </p:sp>
       <p:sp>
@@ -9928,9 +9816,7 @@
               </a:defRPr>
             </a:lvl9pPr>
           </a:lstStyle>
-          <a:p>
-            <a:endParaRPr/>
-          </a:p>
+          <a:p/>
         </p:txBody>
       </p:sp>
       <p:sp>
@@ -10095,9 +9981,7 @@
               </a:defRPr>
             </a:lvl9pPr>
           </a:lstStyle>
-          <a:p>
-            <a:endParaRPr/>
-          </a:p>
+          <a:p/>
         </p:txBody>
       </p:sp>
       <p:sp>
@@ -10146,7 +10030,6 @@
                 <a:cs typeface="Calibri"/>
                 <a:sym typeface="Calibri"/>
               </a:rPr>
-              <a:t>‹#›</a:t>
             </a:fld>
             <a:endParaRPr lang="en-GB" sz="1200" b="0" i="0" u="none" strike="noStrike" cap="none">
               <a:solidFill>
@@ -10298,9 +10181,7 @@
               <a:defRPr sz="1800"/>
             </a:lvl9pPr>
           </a:lstStyle>
-          <a:p>
-            <a:endParaRPr/>
-          </a:p>
+          <a:p/>
         </p:txBody>
       </p:sp>
       <p:sp>
@@ -10537,9 +10418,7 @@
               </a:defRPr>
             </a:lvl9pPr>
           </a:lstStyle>
-          <a:p>
-            <a:endParaRPr/>
-          </a:p>
+          <a:p/>
         </p:txBody>
       </p:sp>
       <p:sp>
@@ -10704,9 +10583,7 @@
               </a:defRPr>
             </a:lvl9pPr>
           </a:lstStyle>
-          <a:p>
-            <a:endParaRPr/>
-          </a:p>
+          <a:p/>
         </p:txBody>
       </p:sp>
       <p:sp>
@@ -10871,9 +10748,7 @@
               </a:defRPr>
             </a:lvl9pPr>
           </a:lstStyle>
-          <a:p>
-            <a:endParaRPr/>
-          </a:p>
+          <a:p/>
         </p:txBody>
       </p:sp>
       <p:sp>
@@ -10922,7 +10797,6 @@
                 <a:cs typeface="Calibri"/>
                 <a:sym typeface="Calibri"/>
               </a:rPr>
-              <a:t>‹#›</a:t>
             </a:fld>
             <a:endParaRPr lang="en-GB" sz="1200" b="0" i="0" u="none" strike="noStrike" cap="none">
               <a:solidFill>
@@ -11845,18 +11719,6 @@
               </a:rPr>
               <a:t>&gt;</a:t>
             </a:r>
-            <a:r>
-              <a:rPr lang="en-GB" sz="1500" dirty="0">
-                <a:highlight>
-                  <a:srgbClr val="FFFFFF"/>
-                </a:highlight>
-                <a:latin typeface="Courier New"/>
-                <a:ea typeface="Courier New"/>
-                <a:cs typeface="Courier New"/>
-                <a:sym typeface="Courier New"/>
-              </a:rPr>
-              <a:t/>
-            </a:r>
             <a:br>
               <a:rPr lang="en-GB" sz="1500" dirty="0">
                 <a:highlight>
@@ -12018,6 +11880,18 @@
               </a:rPr>
               <a:t>&gt;</a:t>
             </a:r>
+            <a:endParaRPr lang="en-GB" sz="1500" dirty="0">
+              <a:solidFill>
+                <a:srgbClr val="FF5600"/>
+              </a:solidFill>
+              <a:highlight>
+                <a:srgbClr val="FFFFFF"/>
+              </a:highlight>
+              <a:latin typeface="Courier New"/>
+              <a:ea typeface="Courier New"/>
+              <a:cs typeface="Courier New"/>
+              <a:sym typeface="Courier New"/>
+            </a:endParaRPr>
           </a:p>
           <a:p>
             <a:pPr marL="0" marR="0" lvl="0" indent="0" algn="l" rtl="0">
@@ -12066,8 +11940,8 @@
                 <a:solidFill>
                   <a:srgbClr val="C00000"/>
                 </a:solidFill>
-                <a:latin typeface="微软雅黑" panose="020B0503020204020204" pitchFamily="34" charset="-122"/>
-                <a:ea typeface="微软雅黑" panose="020B0503020204020204" pitchFamily="34" charset="-122"/>
+                <a:latin typeface="微软雅黑" pitchFamily="34" charset="-122"/>
+                <a:ea typeface="微软雅黑" pitchFamily="34" charset="-122"/>
               </a:rPr>
               <a:t>类的继承</a:t>
             </a:r>
@@ -12075,8 +11949,8 @@
               <a:solidFill>
                 <a:srgbClr val="C00000"/>
               </a:solidFill>
-              <a:latin typeface="微软雅黑" panose="020B0503020204020204" pitchFamily="34" charset="-122"/>
-              <a:ea typeface="微软雅黑" panose="020B0503020204020204" pitchFamily="34" charset="-122"/>
+              <a:latin typeface="微软雅黑" pitchFamily="34" charset="-122"/>
+              <a:ea typeface="微软雅黑" pitchFamily="34" charset="-122"/>
             </a:endParaRPr>
           </a:p>
         </p:txBody>
@@ -12317,22 +12191,22 @@
               <a:buChar char="•"/>
             </a:pPr>
             <a:r>
-              <a:rPr lang="en-GB" sz="1800" b="1" i="0" u="none" strike="noStrike" cap="none" dirty="0" err="1">
-                <a:solidFill>
-                  <a:schemeClr val="dk1"/>
-                </a:solidFill>
-                <a:latin typeface="微软雅黑" panose="020B0503020204020204" pitchFamily="34" charset="-122"/>
-                <a:ea typeface="微软雅黑" panose="020B0503020204020204" pitchFamily="34" charset="-122"/>
+              <a:rPr lang="en-GB" sz="1800" i="0" u="none" strike="noStrike" cap="none" dirty="0" err="1">
+                <a:solidFill>
+                  <a:schemeClr val="dk1"/>
+                </a:solidFill>
+                <a:latin typeface="微软雅黑" pitchFamily="34" charset="-122"/>
+                <a:ea typeface="微软雅黑" pitchFamily="34" charset="-122"/>
                 <a:sym typeface="Calibri"/>
               </a:rPr>
               <a:t>会继承父类的属性和方法</a:t>
             </a:r>
-            <a:endParaRPr lang="en-GB" sz="1800" b="1" i="0" u="none" strike="noStrike" cap="none" dirty="0">
+            <a:endParaRPr lang="en-GB" sz="1800" i="0" u="none" strike="noStrike" cap="none" dirty="0">
               <a:solidFill>
                 <a:schemeClr val="dk1"/>
               </a:solidFill>
-              <a:latin typeface="微软雅黑" panose="020B0503020204020204" pitchFamily="34" charset="-122"/>
-              <a:ea typeface="微软雅黑" panose="020B0503020204020204" pitchFamily="34" charset="-122"/>
+              <a:latin typeface="微软雅黑" pitchFamily="34" charset="-122"/>
+              <a:ea typeface="微软雅黑" pitchFamily="34" charset="-122"/>
               <a:sym typeface="Calibri"/>
             </a:endParaRPr>
           </a:p>
@@ -12352,22 +12226,22 @@
               <a:buChar char="•"/>
             </a:pPr>
             <a:r>
-              <a:rPr lang="en-GB" sz="1800" b="1" i="0" u="none" strike="noStrike" cap="none" dirty="0" err="1">
-                <a:solidFill>
-                  <a:schemeClr val="dk1"/>
-                </a:solidFill>
-                <a:latin typeface="微软雅黑" panose="020B0503020204020204" pitchFamily="34" charset="-122"/>
-                <a:ea typeface="微软雅黑" panose="020B0503020204020204" pitchFamily="34" charset="-122"/>
+              <a:rPr lang="en-GB" sz="1800" i="0" u="none" strike="noStrike" cap="none" dirty="0" err="1">
+                <a:solidFill>
+                  <a:schemeClr val="dk1"/>
+                </a:solidFill>
+                <a:latin typeface="微软雅黑" pitchFamily="34" charset="-122"/>
+                <a:ea typeface="微软雅黑" pitchFamily="34" charset="-122"/>
                 <a:sym typeface="Calibri"/>
               </a:rPr>
               <a:t>也可以自己定义，覆盖父类的属性和方法</a:t>
             </a:r>
-            <a:endParaRPr lang="en-GB" sz="1800" b="1" i="0" u="none" strike="noStrike" cap="none" dirty="0">
+            <a:endParaRPr lang="en-GB" sz="1800" i="0" u="none" strike="noStrike" cap="none" dirty="0">
               <a:solidFill>
                 <a:schemeClr val="dk1"/>
               </a:solidFill>
-              <a:latin typeface="微软雅黑" panose="020B0503020204020204" pitchFamily="34" charset="-122"/>
-              <a:ea typeface="微软雅黑" panose="020B0503020204020204" pitchFamily="34" charset="-122"/>
+              <a:latin typeface="微软雅黑" pitchFamily="34" charset="-122"/>
+              <a:ea typeface="微软雅黑" pitchFamily="34" charset="-122"/>
               <a:sym typeface="Calibri"/>
             </a:endParaRPr>
           </a:p>
@@ -12401,8 +12275,8 @@
                 <a:solidFill>
                   <a:srgbClr val="C00000"/>
                 </a:solidFill>
-                <a:latin typeface="微软雅黑" panose="020B0503020204020204" pitchFamily="34" charset="-122"/>
-                <a:ea typeface="微软雅黑" panose="020B0503020204020204" pitchFamily="34" charset="-122"/>
+                <a:latin typeface="微软雅黑" pitchFamily="34" charset="-122"/>
+                <a:ea typeface="微软雅黑" pitchFamily="34" charset="-122"/>
               </a:rPr>
               <a:t>类的继承</a:t>
             </a:r>
@@ -12410,8 +12284,8 @@
               <a:solidFill>
                 <a:srgbClr val="C00000"/>
               </a:solidFill>
-              <a:latin typeface="微软雅黑" panose="020B0503020204020204" pitchFamily="34" charset="-122"/>
-              <a:ea typeface="微软雅黑" panose="020B0503020204020204" pitchFamily="34" charset="-122"/>
+              <a:latin typeface="微软雅黑" pitchFamily="34" charset="-122"/>
+              <a:ea typeface="微软雅黑" pitchFamily="34" charset="-122"/>
             </a:endParaRPr>
           </a:p>
         </p:txBody>
@@ -13156,6 +13030,18 @@
               </a:rPr>
               <a:t>)</a:t>
             </a:r>
+            <a:endParaRPr lang="en-GB" sz="1700" dirty="0">
+              <a:solidFill>
+                <a:schemeClr val="dk1"/>
+              </a:solidFill>
+              <a:highlight>
+                <a:srgbClr val="FFFFFF"/>
+              </a:highlight>
+              <a:latin typeface="Courier New"/>
+              <a:ea typeface="Courier New"/>
+              <a:cs typeface="Courier New"/>
+              <a:sym typeface="Courier New"/>
+            </a:endParaRPr>
           </a:p>
           <a:p>
             <a:pPr lvl="0">
@@ -13206,8 +13092,8 @@
                 <a:solidFill>
                   <a:srgbClr val="C00000"/>
                 </a:solidFill>
-                <a:latin typeface="微软雅黑" panose="020B0503020204020204" pitchFamily="34" charset="-122"/>
-                <a:ea typeface="微软雅黑" panose="020B0503020204020204" pitchFamily="34" charset="-122"/>
+                <a:latin typeface="微软雅黑" pitchFamily="34" charset="-122"/>
+                <a:ea typeface="微软雅黑" pitchFamily="34" charset="-122"/>
               </a:rPr>
               <a:t>类的继承</a:t>
             </a:r>
@@ -13215,8 +13101,8 @@
               <a:solidFill>
                 <a:srgbClr val="C00000"/>
               </a:solidFill>
-              <a:latin typeface="微软雅黑" panose="020B0503020204020204" pitchFamily="34" charset="-122"/>
-              <a:ea typeface="微软雅黑" panose="020B0503020204020204" pitchFamily="34" charset="-122"/>
+              <a:latin typeface="微软雅黑" pitchFamily="34" charset="-122"/>
+              <a:ea typeface="微软雅黑" pitchFamily="34" charset="-122"/>
             </a:endParaRPr>
           </a:p>
         </p:txBody>
@@ -14012,6 +13898,18 @@
               </a:rPr>
               <a:t>)</a:t>
             </a:r>
+            <a:endParaRPr lang="en-GB" sz="1700" dirty="0">
+              <a:solidFill>
+                <a:schemeClr val="dk1"/>
+              </a:solidFill>
+              <a:highlight>
+                <a:srgbClr val="FFFFFF"/>
+              </a:highlight>
+              <a:latin typeface="Courier New"/>
+              <a:ea typeface="Courier New"/>
+              <a:cs typeface="Courier New"/>
+              <a:sym typeface="Courier New"/>
+            </a:endParaRPr>
           </a:p>
           <a:p>
             <a:pPr lvl="0" rtl="0">
@@ -14062,8 +13960,8 @@
                 <a:solidFill>
                   <a:srgbClr val="C00000"/>
                 </a:solidFill>
-                <a:latin typeface="微软雅黑" panose="020B0503020204020204" pitchFamily="34" charset="-122"/>
-                <a:ea typeface="微软雅黑" panose="020B0503020204020204" pitchFamily="34" charset="-122"/>
+                <a:latin typeface="微软雅黑" pitchFamily="34" charset="-122"/>
+                <a:ea typeface="微软雅黑" pitchFamily="34" charset="-122"/>
               </a:rPr>
               <a:t>类的继承</a:t>
             </a:r>
@@ -14071,8 +13969,8 @@
               <a:solidFill>
                 <a:srgbClr val="C00000"/>
               </a:solidFill>
-              <a:latin typeface="微软雅黑" panose="020B0503020204020204" pitchFamily="34" charset="-122"/>
-              <a:ea typeface="微软雅黑" panose="020B0503020204020204" pitchFamily="34" charset="-122"/>
+              <a:latin typeface="微软雅黑" pitchFamily="34" charset="-122"/>
+              <a:ea typeface="微软雅黑" pitchFamily="34" charset="-122"/>
             </a:endParaRPr>
           </a:p>
         </p:txBody>
@@ -14389,8 +14287,8 @@
                 <a:solidFill>
                   <a:srgbClr val="C00000"/>
                 </a:solidFill>
-                <a:latin typeface="微软雅黑" panose="020B0503020204020204" pitchFamily="34" charset="-122"/>
-                <a:ea typeface="微软雅黑" panose="020B0503020204020204" pitchFamily="34" charset="-122"/>
+                <a:latin typeface="微软雅黑" pitchFamily="34" charset="-122"/>
+                <a:ea typeface="微软雅黑" pitchFamily="34" charset="-122"/>
               </a:rPr>
               <a:t>类的继承</a:t>
             </a:r>
@@ -14398,8 +14296,8 @@
               <a:solidFill>
                 <a:srgbClr val="C00000"/>
               </a:solidFill>
-              <a:latin typeface="微软雅黑" panose="020B0503020204020204" pitchFamily="34" charset="-122"/>
-              <a:ea typeface="微软雅黑" panose="020B0503020204020204" pitchFamily="34" charset="-122"/>
+              <a:latin typeface="微软雅黑" pitchFamily="34" charset="-122"/>
+              <a:ea typeface="微软雅黑" pitchFamily="34" charset="-122"/>
             </a:endParaRPr>
           </a:p>
         </p:txBody>
@@ -14691,18 +14589,6 @@
               </a:rPr>
               <a:t>&gt;</a:t>
             </a:r>
-            <a:r>
-              <a:rPr lang="en-GB" sz="1500" dirty="0">
-                <a:highlight>
-                  <a:srgbClr val="FFFFFF"/>
-                </a:highlight>
-                <a:latin typeface="Courier New"/>
-                <a:ea typeface="Courier New"/>
-                <a:cs typeface="Courier New"/>
-                <a:sym typeface="Courier New"/>
-              </a:rPr>
-              <a:t/>
-            </a:r>
             <a:br>
               <a:rPr lang="en-GB" sz="1500" dirty="0">
                 <a:highlight>
@@ -14864,6 +14750,18 @@
               </a:rPr>
               <a:t>&gt;</a:t>
             </a:r>
+            <a:endParaRPr lang="en-GB" sz="1500" dirty="0">
+              <a:solidFill>
+                <a:srgbClr val="FF5600"/>
+              </a:solidFill>
+              <a:highlight>
+                <a:srgbClr val="FFFFFF"/>
+              </a:highlight>
+              <a:latin typeface="Courier New"/>
+              <a:ea typeface="Courier New"/>
+              <a:cs typeface="Courier New"/>
+              <a:sym typeface="Courier New"/>
+            </a:endParaRPr>
           </a:p>
           <a:p>
             <a:pPr marL="0" marR="0" lvl="0" indent="0" algn="l" rtl="0">
@@ -14911,8 +14809,8 @@
                 <a:solidFill>
                   <a:srgbClr val="C00000"/>
                 </a:solidFill>
-                <a:latin typeface="微软雅黑" panose="020B0503020204020204" pitchFamily="34" charset="-122"/>
-                <a:ea typeface="微软雅黑" panose="020B0503020204020204" pitchFamily="34" charset="-122"/>
+                <a:latin typeface="微软雅黑" pitchFamily="34" charset="-122"/>
+                <a:ea typeface="微软雅黑" pitchFamily="34" charset="-122"/>
               </a:rPr>
               <a:t>类的继承</a:t>
             </a:r>
@@ -14920,8 +14818,8 @@
               <a:solidFill>
                 <a:srgbClr val="C00000"/>
               </a:solidFill>
-              <a:latin typeface="微软雅黑" panose="020B0503020204020204" pitchFamily="34" charset="-122"/>
-              <a:ea typeface="微软雅黑" panose="020B0503020204020204" pitchFamily="34" charset="-122"/>
+              <a:latin typeface="微软雅黑" pitchFamily="34" charset="-122"/>
+              <a:ea typeface="微软雅黑" pitchFamily="34" charset="-122"/>
             </a:endParaRPr>
           </a:p>
         </p:txBody>

--- a/ppt/3.4-类的继承.pptx
+++ b/ppt/3.4-类的继承.pptx
@@ -11920,7 +11920,7 @@
         </p:nvSpPr>
         <p:spPr>
           <a:xfrm>
-            <a:off x="1513490" y="861390"/>
+            <a:off x="1355375" y="782015"/>
             <a:ext cx="9498724" cy="553998"/>
           </a:xfrm>
           <a:prstGeom prst="rect">
@@ -13073,7 +13073,7 @@
         </p:nvSpPr>
         <p:spPr>
           <a:xfrm>
-            <a:off x="3461955" y="917248"/>
+            <a:off x="3742625" y="775643"/>
             <a:ext cx="4729116" cy="553998"/>
           </a:xfrm>
           <a:prstGeom prst="rect">
@@ -13941,7 +13941,7 @@
         </p:nvSpPr>
         <p:spPr>
           <a:xfrm>
-            <a:off x="5179821" y="803922"/>
+            <a:off x="5232526" y="777252"/>
             <a:ext cx="1723550" cy="553998"/>
           </a:xfrm>
           <a:prstGeom prst="rect">
@@ -14268,7 +14268,7 @@
         </p:nvSpPr>
         <p:spPr>
           <a:xfrm>
-            <a:off x="4209933" y="965463"/>
+            <a:off x="4434088" y="780678"/>
             <a:ext cx="3333868" cy="553998"/>
           </a:xfrm>
           <a:prstGeom prst="rect">
@@ -14790,7 +14790,7 @@
         </p:nvSpPr>
         <p:spPr>
           <a:xfrm>
-            <a:off x="4549665" y="1059780"/>
+            <a:off x="4664600" y="777840"/>
             <a:ext cx="2885089" cy="553998"/>
           </a:xfrm>
           <a:prstGeom prst="rect">
